--- a/trunk/preliminary/Introduction to KeyStone Software ECO RJH.pptx
+++ b/trunk/preliminary/Introduction to KeyStone Software ECO RJH.pptx
@@ -10,34 +10,36 @@
     <p:sldMasterId id="2147483673" r:id="rId6"/>
   </p:sldMasterIdLst>
   <p:notesMasterIdLst>
-    <p:notesMasterId r:id="rId27"/>
+    <p:notesMasterId r:id="rId29"/>
   </p:notesMasterIdLst>
   <p:sldIdLst>
-    <p:sldId id="256" r:id="rId7"/>
-    <p:sldId id="257" r:id="rId8"/>
-    <p:sldId id="282" r:id="rId9"/>
-    <p:sldId id="259" r:id="rId10"/>
-    <p:sldId id="260" r:id="rId11"/>
-    <p:sldId id="286" r:id="rId12"/>
-    <p:sldId id="262" r:id="rId13"/>
-    <p:sldId id="266" r:id="rId14"/>
-    <p:sldId id="268" r:id="rId15"/>
-    <p:sldId id="269" r:id="rId16"/>
-    <p:sldId id="270" r:id="rId17"/>
-    <p:sldId id="290" r:id="rId18"/>
-    <p:sldId id="284" r:id="rId19"/>
-    <p:sldId id="283" r:id="rId20"/>
-    <p:sldId id="280" r:id="rId21"/>
-    <p:sldId id="285" r:id="rId22"/>
-    <p:sldId id="291" r:id="rId23"/>
-    <p:sldId id="287" r:id="rId24"/>
-    <p:sldId id="273" r:id="rId25"/>
-    <p:sldId id="279" r:id="rId26"/>
+    <p:sldId id="292" r:id="rId7"/>
+    <p:sldId id="293" r:id="rId8"/>
+    <p:sldId id="257" r:id="rId9"/>
+    <p:sldId id="282" r:id="rId10"/>
+    <p:sldId id="259" r:id="rId11"/>
+    <p:sldId id="260" r:id="rId12"/>
+    <p:sldId id="286" r:id="rId13"/>
+    <p:sldId id="262" r:id="rId14"/>
+    <p:sldId id="266" r:id="rId15"/>
+    <p:sldId id="268" r:id="rId16"/>
+    <p:sldId id="269" r:id="rId17"/>
+    <p:sldId id="270" r:id="rId18"/>
+    <p:sldId id="290" r:id="rId19"/>
+    <p:sldId id="284" r:id="rId20"/>
+    <p:sldId id="283" r:id="rId21"/>
+    <p:sldId id="280" r:id="rId22"/>
+    <p:sldId id="285" r:id="rId23"/>
+    <p:sldId id="291" r:id="rId24"/>
+    <p:sldId id="287" r:id="rId25"/>
+    <p:sldId id="273" r:id="rId26"/>
+    <p:sldId id="294" r:id="rId27"/>
+    <p:sldId id="279" r:id="rId28"/>
   </p:sldIdLst>
   <p:sldSz cx="9144000" cy="6858000" type="screen4x3"/>
   <p:notesSz cx="7010400" cy="9296400"/>
   <p:custDataLst>
-    <p:tags r:id="rId28"/>
+    <p:tags r:id="rId30"/>
   </p:custDataLst>
   <p:defaultTextStyle>
     <a:defPPr>
@@ -220,7 +222,7 @@
             <a:fld id="{69317A74-A311-45B3-846C-A32F769EEF76}" type="datetimeFigureOut">
               <a:rPr lang="en-US" smtClean="0"/>
               <a:pPr/>
-              <a:t>5/8/2012</a:t>
+              <a:t>5/9/2012</a:t>
             </a:fld>
             <a:endParaRPr lang="en-US" dirty="0"/>
           </a:p>
@@ -505,6 +507,303 @@
       </p:grpSpPr>
       <p:sp>
         <p:nvSpPr>
+          <p:cNvPr id="14337" name="Slide Image Placeholder 1"/>
+          <p:cNvSpPr>
+            <a:spLocks noGrp="1" noRot="1" noChangeAspect="1" noTextEdit="1"/>
+          </p:cNvSpPr>
+          <p:nvPr>
+            <p:ph type="sldImg"/>
+          </p:nvPr>
+        </p:nvSpPr>
+        <p:spPr bwMode="auto">
+          <a:noFill/>
+          <a:ln>
+            <a:solidFill>
+              <a:srgbClr val="000000"/>
+            </a:solidFill>
+            <a:miter lim="800000"/>
+            <a:headEnd/>
+            <a:tailEnd/>
+          </a:ln>
+        </p:spPr>
+      </p:sp>
+      <p:sp>
+        <p:nvSpPr>
+          <p:cNvPr id="14338" name="Notes Placeholder 2"/>
+          <p:cNvSpPr>
+            <a:spLocks noGrp="1"/>
+          </p:cNvSpPr>
+          <p:nvPr>
+            <p:ph type="body" idx="1"/>
+          </p:nvPr>
+        </p:nvSpPr>
+        <p:spPr bwMode="auto">
+          <a:noFill/>
+        </p:spPr>
+        <p:txBody>
+          <a:bodyPr wrap="square" numCol="1" anchor="t" anchorCtr="0" compatLnSpc="1">
+            <a:prstTxWarp prst="textNoShape">
+              <a:avLst/>
+            </a:prstTxWarp>
+          </a:bodyPr>
+          <a:lstStyle/>
+          <a:p>
+            <a:pPr eaLnBrk="1" hangingPunct="1">
+              <a:spcBef>
+                <a:spcPct val="0"/>
+              </a:spcBef>
+            </a:pPr>
+            <a:endParaRPr lang="en-US" smtClean="0"/>
+          </a:p>
+        </p:txBody>
+      </p:sp>
+      <p:sp>
+        <p:nvSpPr>
+          <p:cNvPr id="20483" name="Slide Number Placeholder 3"/>
+          <p:cNvSpPr txBox="1">
+            <a:spLocks noGrp="1"/>
+          </p:cNvSpPr>
+          <p:nvPr/>
+        </p:nvSpPr>
+        <p:spPr bwMode="auto">
+          <a:xfrm>
+            <a:off x="3970938" y="8829967"/>
+            <a:ext cx="3037840" cy="464820"/>
+          </a:xfrm>
+          <a:prstGeom prst="rect">
+            <a:avLst/>
+          </a:prstGeom>
+          <a:noFill/>
+          <a:ln>
+            <a:miter lim="800000"/>
+            <a:headEnd/>
+            <a:tailEnd/>
+          </a:ln>
+        </p:spPr>
+        <p:txBody>
+          <a:bodyPr lIns="93177" tIns="46589" rIns="93177" bIns="46589" anchor="b"/>
+          <a:lstStyle/>
+          <a:p>
+            <a:pPr algn="r">
+              <a:defRPr/>
+            </a:pPr>
+            <a:fld id="{7245EBB5-4D86-4F8A-BEC8-FD1BD86A96A6}" type="slidenum">
+              <a:rPr lang="en-US" sz="1200"/>
+              <a:pPr algn="r">
+                <a:defRPr/>
+              </a:pPr>
+              <a:t>1</a:t>
+            </a:fld>
+            <a:endParaRPr lang="en-US" sz="1200" dirty="0"/>
+          </a:p>
+        </p:txBody>
+      </p:sp>
+    </p:spTree>
+  </p:cSld>
+  <p:clrMapOvr>
+    <a:masterClrMapping/>
+  </p:clrMapOvr>
+</p:notes>
+</file>
+
+<file path=ppt/notesSlides/notesSlide10.xml><?xml version="1.0" encoding="utf-8"?>
+<p:notes xmlns:a="http://schemas.openxmlformats.org/drawingml/2006/main" xmlns:r="http://schemas.openxmlformats.org/officeDocument/2006/relationships" xmlns:p="http://schemas.openxmlformats.org/presentationml/2006/main">
+  <p:cSld>
+    <p:spTree>
+      <p:nvGrpSpPr>
+        <p:cNvPr id="1" name=""/>
+        <p:cNvGrpSpPr/>
+        <p:nvPr/>
+      </p:nvGrpSpPr>
+      <p:grpSpPr>
+        <a:xfrm>
+          <a:off x="0" y="0"/>
+          <a:ext cx="0" cy="0"/>
+          <a:chOff x="0" y="0"/>
+          <a:chExt cx="0" cy="0"/>
+        </a:xfrm>
+      </p:grpSpPr>
+      <p:sp>
+        <p:nvSpPr>
+          <p:cNvPr id="444417" name="Slide Image Placeholder 1"/>
+          <p:cNvSpPr>
+            <a:spLocks noGrp="1" noRot="1" noChangeAspect="1" noTextEdit="1"/>
+          </p:cNvSpPr>
+          <p:nvPr>
+            <p:ph type="sldImg"/>
+          </p:nvPr>
+        </p:nvSpPr>
+        <p:spPr bwMode="auto">
+          <a:noFill/>
+          <a:ln>
+            <a:solidFill>
+              <a:srgbClr val="000000"/>
+            </a:solidFill>
+            <a:miter lim="800000"/>
+            <a:headEnd/>
+            <a:tailEnd/>
+          </a:ln>
+        </p:spPr>
+      </p:sp>
+      <p:sp>
+        <p:nvSpPr>
+          <p:cNvPr id="444418" name="Notes Placeholder 2"/>
+          <p:cNvSpPr>
+            <a:spLocks noGrp="1"/>
+          </p:cNvSpPr>
+          <p:nvPr>
+            <p:ph type="body" idx="1"/>
+          </p:nvPr>
+        </p:nvSpPr>
+        <p:spPr bwMode="auto">
+          <a:noFill/>
+        </p:spPr>
+        <p:txBody>
+          <a:bodyPr wrap="square" numCol="1" anchor="t" anchorCtr="0" compatLnSpc="1">
+            <a:prstTxWarp prst="textNoShape">
+              <a:avLst/>
+            </a:prstTxWarp>
+          </a:bodyPr>
+          <a:lstStyle/>
+          <a:p>
+            <a:pPr eaLnBrk="1" hangingPunct="1">
+              <a:spcBef>
+                <a:spcPct val="0"/>
+              </a:spcBef>
+            </a:pPr>
+            <a:endParaRPr lang="en-US" smtClean="0"/>
+          </a:p>
+        </p:txBody>
+      </p:sp>
+      <p:sp>
+        <p:nvSpPr>
+          <p:cNvPr id="143363" name="Slide Number Placeholder 3"/>
+          <p:cNvSpPr txBox="1">
+            <a:spLocks noGrp="1"/>
+          </p:cNvSpPr>
+          <p:nvPr/>
+        </p:nvSpPr>
+        <p:spPr bwMode="auto">
+          <a:xfrm>
+            <a:off x="3970938" y="8829967"/>
+            <a:ext cx="3037840" cy="464820"/>
+          </a:xfrm>
+          <a:prstGeom prst="rect">
+            <a:avLst/>
+          </a:prstGeom>
+          <a:noFill/>
+          <a:ln>
+            <a:miter lim="800000"/>
+            <a:headEnd/>
+            <a:tailEnd/>
+          </a:ln>
+        </p:spPr>
+        <p:txBody>
+          <a:bodyPr lIns="93177" tIns="46589" rIns="93177" bIns="46589" anchor="b"/>
+          <a:lstStyle/>
+          <a:p>
+            <a:pPr algn="r">
+              <a:defRPr/>
+            </a:pPr>
+            <a:fld id="{860C952B-ABB5-41B5-9DDC-4B9301C60C0B}" type="slidenum">
+              <a:rPr lang="en-US" sz="1200"/>
+              <a:pPr algn="r">
+                <a:defRPr/>
+              </a:pPr>
+              <a:t>21</a:t>
+            </a:fld>
+            <a:endParaRPr lang="en-US" sz="1200" dirty="0"/>
+          </a:p>
+        </p:txBody>
+      </p:sp>
+    </p:spTree>
+  </p:cSld>
+  <p:clrMapOvr>
+    <a:masterClrMapping/>
+  </p:clrMapOvr>
+</p:notes>
+</file>
+
+<file path=ppt/notesSlides/notesSlide11.xml><?xml version="1.0" encoding="utf-8"?>
+<p:notes xmlns:a="http://schemas.openxmlformats.org/drawingml/2006/main" xmlns:r="http://schemas.openxmlformats.org/officeDocument/2006/relationships" xmlns:p="http://schemas.openxmlformats.org/presentationml/2006/main">
+  <p:cSld>
+    <p:spTree>
+      <p:nvGrpSpPr>
+        <p:cNvPr id="1" name=""/>
+        <p:cNvGrpSpPr/>
+        <p:nvPr/>
+      </p:nvGrpSpPr>
+      <p:grpSpPr>
+        <a:xfrm>
+          <a:off x="0" y="0"/>
+          <a:ext cx="0" cy="0"/>
+          <a:chOff x="0" y="0"/>
+          <a:chExt cx="0" cy="0"/>
+        </a:xfrm>
+      </p:grpSpPr>
+      <p:sp>
+        <p:nvSpPr>
+          <p:cNvPr id="92162" name="Rectangle 2"/>
+          <p:cNvSpPr>
+            <a:spLocks noGrp="1" noRot="1" noChangeAspect="1" noChangeArrowheads="1" noTextEdit="1"/>
+          </p:cNvSpPr>
+          <p:nvPr>
+            <p:ph type="sldImg"/>
+          </p:nvPr>
+        </p:nvSpPr>
+        <p:spPr>
+          <a:ln/>
+        </p:spPr>
+      </p:sp>
+      <p:sp>
+        <p:nvSpPr>
+          <p:cNvPr id="92163" name="Rectangle 3"/>
+          <p:cNvSpPr>
+            <a:spLocks noGrp="1" noChangeArrowheads="1"/>
+          </p:cNvSpPr>
+          <p:nvPr>
+            <p:ph type="body" idx="1"/>
+          </p:nvPr>
+        </p:nvSpPr>
+        <p:spPr>
+          <a:noFill/>
+          <a:ln/>
+        </p:spPr>
+        <p:txBody>
+          <a:bodyPr/>
+          <a:lstStyle/>
+          <a:p>
+            <a:endParaRPr lang="en-US" dirty="0" smtClean="0"/>
+          </a:p>
+        </p:txBody>
+      </p:sp>
+    </p:spTree>
+  </p:cSld>
+  <p:clrMapOvr>
+    <a:masterClrMapping/>
+  </p:clrMapOvr>
+</p:notes>
+</file>
+
+<file path=ppt/notesSlides/notesSlide2.xml><?xml version="1.0" encoding="utf-8"?>
+<p:notes xmlns:a="http://schemas.openxmlformats.org/drawingml/2006/main" xmlns:r="http://schemas.openxmlformats.org/officeDocument/2006/relationships" xmlns:p="http://schemas.openxmlformats.org/presentationml/2006/main">
+  <p:cSld>
+    <p:spTree>
+      <p:nvGrpSpPr>
+        <p:cNvPr id="1" name=""/>
+        <p:cNvGrpSpPr/>
+        <p:nvPr/>
+      </p:nvGrpSpPr>
+      <p:grpSpPr>
+        <a:xfrm>
+          <a:off x="0" y="0"/>
+          <a:ext cx="0" cy="0"/>
+          <a:chOff x="0" y="0"/>
+          <a:chExt cx="0" cy="0"/>
+        </a:xfrm>
+      </p:grpSpPr>
+      <p:sp>
+        <p:nvSpPr>
           <p:cNvPr id="17409" name="Slide Image Placeholder 1"/>
           <p:cNvSpPr>
             <a:spLocks noGrp="1" noRot="1" noChangeAspect="1"/>
@@ -576,7 +875,7 @@
                 </a:solidFill>
               </a:rPr>
               <a:pPr/>
-              <a:t>6</a:t>
+              <a:t>7</a:t>
             </a:fld>
             <a:endParaRPr lang="en-US" smtClean="0">
               <a:solidFill>
@@ -594,7 +893,7 @@
 </p:notes>
 </file>
 
-<file path=ppt/notesSlides/notesSlide2.xml><?xml version="1.0" encoding="utf-8"?>
+<file path=ppt/notesSlides/notesSlide3.xml><?xml version="1.0" encoding="utf-8"?>
 <p:notes xmlns:a="http://schemas.openxmlformats.org/drawingml/2006/main" xmlns:r="http://schemas.openxmlformats.org/officeDocument/2006/relationships" xmlns:p="http://schemas.openxmlformats.org/presentationml/2006/main">
   <p:cSld>
     <p:spTree>
@@ -663,7 +962,7 @@
 </p:notes>
 </file>
 
-<file path=ppt/notesSlides/notesSlide3.xml><?xml version="1.0" encoding="utf-8"?>
+<file path=ppt/notesSlides/notesSlide4.xml><?xml version="1.0" encoding="utf-8"?>
 <p:notes xmlns:a="http://schemas.openxmlformats.org/drawingml/2006/main" xmlns:r="http://schemas.openxmlformats.org/officeDocument/2006/relationships" xmlns:p="http://schemas.openxmlformats.org/presentationml/2006/main">
   <p:cSld>
     <p:spTree>
@@ -753,7 +1052,7 @@
                 </a:solidFill>
               </a:rPr>
               <a:pPr/>
-              <a:t>12</a:t>
+              <a:t>13</a:t>
             </a:fld>
             <a:endParaRPr lang="en-US" smtClean="0">
               <a:solidFill>
@@ -771,7 +1070,7 @@
 </p:notes>
 </file>
 
-<file path=ppt/notesSlides/notesSlide4.xml><?xml version="1.0" encoding="utf-8"?>
+<file path=ppt/notesSlides/notesSlide5.xml><?xml version="1.0" encoding="utf-8"?>
 <p:notes xmlns:a="http://schemas.openxmlformats.org/drawingml/2006/main" xmlns:r="http://schemas.openxmlformats.org/officeDocument/2006/relationships" xmlns:p="http://schemas.openxmlformats.org/presentationml/2006/main">
   <p:cSld>
     <p:spTree>
@@ -812,7 +1111,7 @@
                 </a:solidFill>
               </a:rPr>
               <a:pPr/>
-              <a:t>13</a:t>
+              <a:t>14</a:t>
             </a:fld>
             <a:endParaRPr lang="en-US" smtClean="0">
               <a:solidFill>
@@ -879,7 +1178,7 @@
 </p:notes>
 </file>
 
-<file path=ppt/notesSlides/notesSlide5.xml><?xml version="1.0" encoding="utf-8"?>
+<file path=ppt/notesSlides/notesSlide6.xml><?xml version="1.0" encoding="utf-8"?>
 <p:notes xmlns:a="http://schemas.openxmlformats.org/drawingml/2006/main" xmlns:r="http://schemas.openxmlformats.org/officeDocument/2006/relationships" xmlns:p="http://schemas.openxmlformats.org/presentationml/2006/main">
   <p:cSld>
     <p:spTree>
@@ -948,7 +1247,7 @@
 </p:notes>
 </file>
 
-<file path=ppt/notesSlides/notesSlide6.xml><?xml version="1.0" encoding="utf-8"?>
+<file path=ppt/notesSlides/notesSlide7.xml><?xml version="1.0" encoding="utf-8"?>
 <p:notes xmlns:a="http://schemas.openxmlformats.org/drawingml/2006/main" xmlns:r="http://schemas.openxmlformats.org/officeDocument/2006/relationships" xmlns:p="http://schemas.openxmlformats.org/presentationml/2006/main">
   <p:cSld>
     <p:spTree>
@@ -989,7 +1288,7 @@
                 </a:solidFill>
               </a:rPr>
               <a:pPr/>
-              <a:t>16</a:t>
+              <a:t>17</a:t>
             </a:fld>
             <a:endParaRPr lang="en-US" smtClean="0">
               <a:solidFill>
@@ -1056,7 +1355,7 @@
 </p:notes>
 </file>
 
-<file path=ppt/notesSlides/notesSlide7.xml><?xml version="1.0" encoding="utf-8"?>
+<file path=ppt/notesSlides/notesSlide8.xml><?xml version="1.0" encoding="utf-8"?>
 <p:notes xmlns:a="http://schemas.openxmlformats.org/drawingml/2006/main" xmlns:r="http://schemas.openxmlformats.org/officeDocument/2006/relationships" xmlns:p="http://schemas.openxmlformats.org/presentationml/2006/main">
   <p:cSld>
     <p:spTree>
@@ -1146,7 +1445,7 @@
                 </a:solidFill>
               </a:rPr>
               <a:pPr/>
-              <a:t>17</a:t>
+              <a:t>18</a:t>
             </a:fld>
             <a:endParaRPr lang="en-US" smtClean="0">
               <a:solidFill>
@@ -1164,7 +1463,7 @@
 </p:notes>
 </file>
 
-<file path=ppt/notesSlides/notesSlide8.xml><?xml version="1.0" encoding="utf-8"?>
+<file path=ppt/notesSlides/notesSlide9.xml><?xml version="1.0" encoding="utf-8"?>
 <p:notes xmlns:a="http://schemas.openxmlformats.org/drawingml/2006/main" xmlns:r="http://schemas.openxmlformats.org/officeDocument/2006/relationships" xmlns:p="http://schemas.openxmlformats.org/presentationml/2006/main">
   <p:cSld>
     <p:spTree>
@@ -1201,7 +1500,7 @@
             <a:fld id="{10859D0C-0EEB-4EDE-A8B8-7A1A456A6F20}" type="slidenum">
               <a:rPr lang="en-US" smtClean="0"/>
               <a:pPr/>
-              <a:t>19</a:t>
+              <a:t>20</a:t>
             </a:fld>
             <a:endParaRPr lang="en-US" smtClean="0"/>
           </a:p>
@@ -1253,70 +1552,6 @@
               </a:spcBef>
             </a:pPr>
             <a:endParaRPr lang="en-US" smtClean="0"/>
-          </a:p>
-        </p:txBody>
-      </p:sp>
-    </p:spTree>
-  </p:cSld>
-  <p:clrMapOvr>
-    <a:masterClrMapping/>
-  </p:clrMapOvr>
-</p:notes>
-</file>
-
-<file path=ppt/notesSlides/notesSlide9.xml><?xml version="1.0" encoding="utf-8"?>
-<p:notes xmlns:a="http://schemas.openxmlformats.org/drawingml/2006/main" xmlns:r="http://schemas.openxmlformats.org/officeDocument/2006/relationships" xmlns:p="http://schemas.openxmlformats.org/presentationml/2006/main">
-  <p:cSld>
-    <p:spTree>
-      <p:nvGrpSpPr>
-        <p:cNvPr id="1" name=""/>
-        <p:cNvGrpSpPr/>
-        <p:nvPr/>
-      </p:nvGrpSpPr>
-      <p:grpSpPr>
-        <a:xfrm>
-          <a:off x="0" y="0"/>
-          <a:ext cx="0" cy="0"/>
-          <a:chOff x="0" y="0"/>
-          <a:chExt cx="0" cy="0"/>
-        </a:xfrm>
-      </p:grpSpPr>
-      <p:sp>
-        <p:nvSpPr>
-          <p:cNvPr id="92162" name="Rectangle 2"/>
-          <p:cNvSpPr>
-            <a:spLocks noGrp="1" noRot="1" noChangeAspect="1" noChangeArrowheads="1" noTextEdit="1"/>
-          </p:cNvSpPr>
-          <p:nvPr>
-            <p:ph type="sldImg"/>
-          </p:nvPr>
-        </p:nvSpPr>
-        <p:spPr>
-          <a:ln/>
-        </p:spPr>
-      </p:sp>
-      <p:sp>
-        <p:nvSpPr>
-          <p:cNvPr id="92163" name="Rectangle 3"/>
-          <p:cNvSpPr>
-            <a:spLocks noGrp="1" noChangeArrowheads="1"/>
-          </p:cNvSpPr>
-          <p:nvPr>
-            <p:ph type="body" idx="1"/>
-          </p:nvPr>
-        </p:nvSpPr>
-        <p:spPr>
-          <a:noFill/>
-          <a:ln/>
-        </p:spPr>
-        <p:txBody>
-          <a:bodyPr/>
-          <a:lstStyle/>
-          <a:p>
-            <a:r>
-              <a:rPr lang="en-US" smtClean="0"/>
-              <a:t>Thank you for completing the network coprocessor – packet accelerator keystone training. For more information about the packet accelerator, please see the resources referenced on this slide.</a:t>
-            </a:r>
           </a:p>
         </p:txBody>
       </p:sp>
@@ -2588,7 +2823,7 @@
   <p:sldLayoutIdLst>
     <p:sldLayoutId id="2147483661" r:id="rId1"/>
     <p:sldLayoutId id="2147483662" r:id="rId2"/>
-    <p:sldLayoutId id="2147483663" r:id="rId3"/>
+    <p:sldLayoutId id="2147483675" r:id="rId3"/>
   </p:sldLayoutIdLst>
   <p:txStyles>
     <p:titleStyle>
@@ -6347,57 +6582,228 @@
       </p:grpSpPr>
       <p:sp>
         <p:nvSpPr>
-          <p:cNvPr id="2" name="Title 1"/>
+          <p:cNvPr id="13313" name="Title 3"/>
           <p:cNvSpPr>
             <a:spLocks noGrp="1"/>
           </p:cNvSpPr>
           <p:nvPr>
-            <p:ph type="ctrTitle"/>
+            <p:ph type="title" idx="4294967295"/>
           </p:nvPr>
         </p:nvSpPr>
         <p:spPr>
           <a:xfrm>
-            <a:off x="533400" y="2209800"/>
-            <a:ext cx="7772400" cy="1470025"/>
+            <a:off x="0" y="274638"/>
+            <a:ext cx="9144000" cy="1143000"/>
           </a:xfrm>
         </p:spPr>
         <p:txBody>
           <a:bodyPr>
-            <a:normAutofit/>
+            <a:normAutofit fontScale="90000"/>
           </a:bodyPr>
           <a:lstStyle/>
           <a:p>
             <a:r>
-              <a:rPr lang="en-US" sz="3600" dirty="0" smtClean="0">
-                <a:latin typeface="Calibri" pitchFamily="34" charset="0"/>
-                <a:cs typeface="Calibri" pitchFamily="34" charset="0"/>
+              <a:rPr lang="en-US" sz="4000" dirty="0" smtClean="0">
+                <a:solidFill>
+                  <a:srgbClr val="B2B2B2"/>
+                </a:solidFill>
               </a:rPr>
-              <a:t>KeyStone Software</a:t>
+              <a:t>Webinar: </a:t>
             </a:r>
             <a:br>
-              <a:rPr lang="en-US" sz="3600" dirty="0" smtClean="0">
-                <a:latin typeface="Calibri" pitchFamily="34" charset="0"/>
-                <a:cs typeface="Calibri" pitchFamily="34" charset="0"/>
+              <a:rPr lang="en-US" sz="4000" dirty="0" smtClean="0">
+                <a:solidFill>
+                  <a:srgbClr val="B2B2B2"/>
+                </a:solidFill>
               </a:rPr>
             </a:br>
             <a:r>
-              <a:rPr lang="en-US" sz="3600" dirty="0" smtClean="0">
-                <a:latin typeface="Calibri" pitchFamily="34" charset="0"/>
-                <a:cs typeface="Calibri" pitchFamily="34" charset="0"/>
+              <a:rPr lang="en-US" sz="4000" dirty="0" smtClean="0">
+                <a:solidFill>
+                  <a:srgbClr val="B2B2B2"/>
+                </a:solidFill>
               </a:rPr>
-              <a:t>Development </a:t>
-            </a:r>
-            <a:r>
-              <a:rPr lang="en-US" sz="3600" dirty="0" smtClean="0">
-                <a:latin typeface="Calibri" pitchFamily="34" charset="0"/>
-                <a:cs typeface="Calibri" pitchFamily="34" charset="0"/>
+              <a:t>Introduction to KeyStone Software </a:t>
+            </a:r>
+            <a:r>
+              <a:rPr lang="en-US" sz="4000" dirty="0" smtClean="0">
+                <a:solidFill>
+                  <a:srgbClr val="B2B2B2"/>
+                </a:solidFill>
               </a:rPr>
               <a:t>Ecosystem</a:t>
             </a:r>
-            <a:endParaRPr lang="en-US" sz="3600" dirty="0">
-              <a:latin typeface="Calibri" pitchFamily="34" charset="0"/>
-              <a:cs typeface="Calibri" pitchFamily="34" charset="0"/>
-            </a:endParaRPr>
+            <a:endParaRPr lang="en-US" sz="4000" dirty="0" smtClean="0"/>
+          </a:p>
+        </p:txBody>
+      </p:sp>
+      <p:sp>
+        <p:nvSpPr>
+          <p:cNvPr id="353286" name="Text Box 6"/>
+          <p:cNvSpPr txBox="1">
+            <a:spLocks noChangeArrowheads="1"/>
+          </p:cNvSpPr>
+          <p:nvPr/>
+        </p:nvSpPr>
+        <p:spPr bwMode="auto">
+          <a:xfrm>
+            <a:off x="381000" y="2224088"/>
+            <a:ext cx="8382000" cy="2954655"/>
+          </a:xfrm>
+          <a:prstGeom prst="rect">
+            <a:avLst/>
+          </a:prstGeom>
+          <a:solidFill>
+            <a:srgbClr val="FFFF00"/>
+          </a:solidFill>
+          <a:ln w="9525">
+            <a:solidFill>
+              <a:schemeClr val="tx1"/>
+            </a:solidFill>
+            <a:miter lim="800000"/>
+            <a:headEnd/>
+            <a:tailEnd/>
+          </a:ln>
+          <a:effectLst>
+            <a:prstShdw prst="shdw17" dist="17961" dir="2700000">
+              <a:srgbClr val="000000"/>
+            </a:prstShdw>
+          </a:effectLst>
+        </p:spPr>
+        <p:txBody>
+          <a:bodyPr>
+            <a:spAutoFit/>
+          </a:bodyPr>
+          <a:lstStyle/>
+          <a:p>
+            <a:pPr>
+              <a:spcBef>
+                <a:spcPct val="50000"/>
+              </a:spcBef>
+            </a:pPr>
+            <a:r>
+              <a:rPr lang="fi-FI" sz="2400" b="1" dirty="0"/>
+              <a:t>WELCOME TO </a:t>
+            </a:r>
+            <a:r>
+              <a:rPr lang="fi-FI" sz="2400" b="1" dirty="0" smtClean="0"/>
+              <a:t>the WEBINAR</a:t>
+            </a:r>
+            <a:endParaRPr lang="fi-FI" sz="2400" b="1" dirty="0"/>
+          </a:p>
+          <a:p>
+            <a:pPr>
+              <a:spcBef>
+                <a:spcPct val="50000"/>
+              </a:spcBef>
+            </a:pPr>
+            <a:r>
+              <a:rPr lang="fi-FI" b="1" dirty="0"/>
+              <a:t>THE PRESENTATION WILL START SHORTLY.</a:t>
+            </a:r>
+          </a:p>
+          <a:p>
+            <a:pPr>
+              <a:spcBef>
+                <a:spcPct val="50000"/>
+              </a:spcBef>
+            </a:pPr>
+            <a:r>
+              <a:rPr lang="fi-FI" b="1" dirty="0"/>
+              <a:t>- FOR AUDIO USE TI TELECONFERENCE NUMBER (</a:t>
+            </a:r>
+            <a:r>
+              <a:rPr lang="fi-FI" b="1" dirty="0" smtClean="0"/>
+              <a:t>PASSCODE:</a:t>
+            </a:r>
+            <a:r>
+              <a:rPr lang="en-US" b="1" dirty="0" smtClean="0"/>
+              <a:t>37158671</a:t>
+            </a:r>
+            <a:r>
+              <a:rPr lang="fi-FI" b="1" dirty="0" smtClean="0"/>
+              <a:t>)</a:t>
+            </a:r>
+            <a:endParaRPr lang="fi-FI" b="1" dirty="0"/>
+          </a:p>
+          <a:p>
+            <a:pPr>
+              <a:spcBef>
+                <a:spcPct val="50000"/>
+              </a:spcBef>
+              <a:buFontTx/>
+              <a:buChar char="-"/>
+            </a:pPr>
+            <a:r>
+              <a:rPr lang="fi-FI" b="1" dirty="0"/>
+              <a:t>PHONE LINES WILL BE </a:t>
+            </a:r>
+            <a:r>
+              <a:rPr lang="fi-FI" b="1" u="sng" dirty="0"/>
+              <a:t>MUTED</a:t>
+            </a:r>
+            <a:r>
+              <a:rPr lang="fi-FI" b="1" dirty="0"/>
+              <a:t> WHEN THE PRESENTATION STARTS</a:t>
+            </a:r>
+          </a:p>
+          <a:p>
+            <a:pPr>
+              <a:spcBef>
+                <a:spcPct val="50000"/>
+              </a:spcBef>
+              <a:buFontTx/>
+              <a:buChar char="-"/>
+            </a:pPr>
+            <a:r>
+              <a:rPr lang="fi-FI" b="1" dirty="0"/>
+              <a:t>PHONE LINES WILL BE </a:t>
+            </a:r>
+            <a:r>
+              <a:rPr lang="fi-FI" b="1" u="sng" dirty="0"/>
+              <a:t>UNMUTED</a:t>
+            </a:r>
+            <a:r>
+              <a:rPr lang="fi-FI" b="1" dirty="0"/>
+              <a:t> AT END OF THE PRESENTATION FOR ”</a:t>
+            </a:r>
+            <a:r>
+              <a:rPr lang="fi-FI" b="1" i="1" dirty="0"/>
+              <a:t>LIVE Q &amp;A</a:t>
+            </a:r>
+            <a:r>
+              <a:rPr lang="fi-FI" b="1" dirty="0"/>
+              <a:t>”</a:t>
+            </a:r>
+          </a:p>
+          <a:p>
+            <a:pPr>
+              <a:spcBef>
+                <a:spcPct val="50000"/>
+              </a:spcBef>
+              <a:buFontTx/>
+              <a:buChar char="-"/>
+            </a:pPr>
+            <a:r>
+              <a:rPr lang="fi-FI" b="1" dirty="0"/>
+              <a:t>YOU CAN ALSO USE WEBEX </a:t>
+            </a:r>
+            <a:r>
+              <a:rPr lang="fi-FI" b="1" u="sng" dirty="0"/>
+              <a:t>CHAT</a:t>
+            </a:r>
+            <a:r>
+              <a:rPr lang="fi-FI" b="1" dirty="0"/>
+              <a:t> FOR QUESTIONS AND COMMENTS</a:t>
+            </a:r>
+          </a:p>
+          <a:p>
+            <a:pPr>
+              <a:spcBef>
+                <a:spcPct val="50000"/>
+              </a:spcBef>
+            </a:pPr>
+            <a:endParaRPr lang="en-US" dirty="0"/>
           </a:p>
         </p:txBody>
       </p:sp>
@@ -6417,6 +6823,160 @@
 </file>
 
 <file path=ppt/slides/slide10.xml><?xml version="1.0" encoding="utf-8"?>
+<p:sld xmlns:a="http://schemas.openxmlformats.org/drawingml/2006/main" xmlns:r="http://schemas.openxmlformats.org/officeDocument/2006/relationships" xmlns:p="http://schemas.openxmlformats.org/presentationml/2006/main">
+  <p:cSld>
+    <p:spTree>
+      <p:nvGrpSpPr>
+        <p:cNvPr id="1" name=""/>
+        <p:cNvGrpSpPr/>
+        <p:nvPr/>
+      </p:nvGrpSpPr>
+      <p:grpSpPr>
+        <a:xfrm>
+          <a:off x="0" y="0"/>
+          <a:ext cx="0" cy="0"/>
+          <a:chOff x="0" y="0"/>
+          <a:chExt cx="0" cy="0"/>
+        </a:xfrm>
+      </p:grpSpPr>
+      <p:sp>
+        <p:nvSpPr>
+          <p:cNvPr id="15361" name="Title 1"/>
+          <p:cNvSpPr>
+            <a:spLocks noGrp="1"/>
+          </p:cNvSpPr>
+          <p:nvPr>
+            <p:ph type="title"/>
+          </p:nvPr>
+        </p:nvSpPr>
+        <p:spPr>
+          <a:xfrm>
+            <a:off x="342900" y="104775"/>
+            <a:ext cx="8458200" cy="657225"/>
+          </a:xfrm>
+        </p:spPr>
+        <p:txBody>
+          <a:bodyPr/>
+          <a:lstStyle/>
+          <a:p>
+            <a:r>
+              <a:rPr lang="en-US" dirty="0" smtClean="0"/>
+              <a:t>What is MCSDK?</a:t>
+            </a:r>
+          </a:p>
+        </p:txBody>
+      </p:sp>
+      <p:sp>
+        <p:nvSpPr>
+          <p:cNvPr id="15362" name="Content Placeholder 2"/>
+          <p:cNvSpPr>
+            <a:spLocks noGrp="1"/>
+          </p:cNvSpPr>
+          <p:nvPr>
+            <p:ph idx="1"/>
+          </p:nvPr>
+        </p:nvSpPr>
+        <p:spPr>
+          <a:xfrm>
+            <a:off x="457200" y="1066800"/>
+            <a:ext cx="8229600" cy="4906963"/>
+          </a:xfrm>
+        </p:spPr>
+        <p:txBody>
+          <a:bodyPr>
+            <a:normAutofit lnSpcReduction="10000"/>
+          </a:bodyPr>
+          <a:lstStyle/>
+          <a:p>
+            <a:pPr>
+              <a:buNone/>
+            </a:pPr>
+            <a:r>
+              <a:rPr lang="en-US" sz="2400" dirty="0" smtClean="0"/>
+              <a:t>TI’s Multicore Software Development Kit (MCSDK):</a:t>
+            </a:r>
+          </a:p>
+          <a:p>
+            <a:r>
+              <a:rPr lang="en-US" sz="2400" dirty="0" smtClean="0"/>
+              <a:t>Provides the core foundational building blocks for customers to quickly start developing embedded applications on TI high-performance multicore DSPs:</a:t>
+            </a:r>
+          </a:p>
+          <a:p>
+            <a:pPr lvl="1"/>
+            <a:r>
+              <a:rPr lang="en-US" sz="2000" dirty="0" smtClean="0"/>
+              <a:t>Uses ether the SYS/BIOS or Linux real-time operating system</a:t>
+            </a:r>
+          </a:p>
+          <a:p>
+            <a:pPr lvl="1"/>
+            <a:r>
+              <a:rPr lang="en-US" sz="2000" dirty="0" smtClean="0"/>
+              <a:t>Accelerates time-to-market by focusing on ease of use and performance</a:t>
+            </a:r>
+          </a:p>
+          <a:p>
+            <a:pPr lvl="1"/>
+            <a:r>
+              <a:rPr lang="en-US" sz="2000" dirty="0" smtClean="0"/>
+              <a:t>Provides multicore programming methodologies and utilities</a:t>
+            </a:r>
+          </a:p>
+          <a:p>
+            <a:r>
+              <a:rPr lang="en-US" sz="2400" dirty="0" smtClean="0"/>
+              <a:t>Simplifies porting of applications:</a:t>
+            </a:r>
+          </a:p>
+          <a:p>
+            <a:pPr lvl="1"/>
+            <a:r>
+              <a:rPr lang="en-US" sz="2000" dirty="0" smtClean="0"/>
+              <a:t>To a standard evaluation platform</a:t>
+            </a:r>
+          </a:p>
+          <a:p>
+            <a:pPr lvl="1"/>
+            <a:r>
+              <a:rPr lang="en-US" sz="2000" dirty="0" smtClean="0"/>
+              <a:t>From a standard evaluation platform to customer’s target platform</a:t>
+            </a:r>
+          </a:p>
+          <a:p>
+            <a:pPr lvl="1"/>
+            <a:r>
+              <a:rPr lang="en-US" sz="2000" dirty="0" smtClean="0"/>
+              <a:t>To next generation platform hardware</a:t>
+            </a:r>
+          </a:p>
+          <a:p>
+            <a:r>
+              <a:rPr lang="en-US" sz="2400" dirty="0" smtClean="0"/>
+              <a:t>Available as a free download on TI.com, bundled in one installer as source code along with pre-built libraries</a:t>
+            </a:r>
+          </a:p>
+        </p:txBody>
+      </p:sp>
+    </p:spTree>
+    <p:custDataLst>
+      <p:tags r:id="rId1"/>
+    </p:custDataLst>
+  </p:cSld>
+  <p:clrMapOvr>
+    <a:masterClrMapping/>
+  </p:clrMapOvr>
+  <p:timing>
+    <p:tnLst>
+      <p:par>
+        <p:cTn id="1" dur="indefinite" restart="never" nodeType="tmRoot"/>
+      </p:par>
+    </p:tnLst>
+  </p:timing>
+</p:sld>
+</file>
+
+<file path=ppt/slides/slide11.xml><?xml version="1.0" encoding="utf-8"?>
 <p:sld xmlns:a="http://schemas.openxmlformats.org/drawingml/2006/main" xmlns:r="http://schemas.openxmlformats.org/officeDocument/2006/relationships" xmlns:p="http://schemas.openxmlformats.org/presentationml/2006/main">
   <p:cSld>
     <p:spTree>
@@ -6545,15 +7105,7 @@
                     <a:p>
                       <a:r>
                         <a:rPr lang="en-US" sz="1600" dirty="0" smtClean="0"/>
-                        <a:t>Hide </a:t>
-                      </a:r>
-                      <a:r>
-                        <a:rPr lang="en-US" sz="1600" dirty="0" smtClean="0"/>
-                        <a:t>hardware details from the </a:t>
-                      </a:r>
-                      <a:r>
-                        <a:rPr lang="en-US" sz="1600" dirty="0" smtClean="0"/>
-                        <a:t>user to simplify process of porting to new hardware.</a:t>
+                        <a:t>Hide hardware details from the user to simplify process of porting to new hardware.</a:t>
                       </a:r>
                       <a:endParaRPr lang="en-US" sz="1600" dirty="0"/>
                     </a:p>
@@ -6575,23 +7127,7 @@
                       </a:r>
                       <a:r>
                         <a:rPr lang="en-US" sz="1600" dirty="0" smtClean="0"/>
-                        <a:t>CSL) is </a:t>
-                      </a:r>
-                      <a:r>
-                        <a:rPr lang="en-US" sz="1600" dirty="0" smtClean="0"/>
-                        <a:t>the only </a:t>
-                      </a:r>
-                      <a:r>
-                        <a:rPr lang="en-US" sz="1600" dirty="0" smtClean="0"/>
-                        <a:t>MCSDK layer </a:t>
-                      </a:r>
-                      <a:r>
-                        <a:rPr lang="en-US" sz="1600" dirty="0" smtClean="0"/>
-                        <a:t>that depends on the hardware. This layer is completely transparent to the </a:t>
-                      </a:r>
-                      <a:r>
-                        <a:rPr lang="en-US" sz="1600" dirty="0" smtClean="0"/>
-                        <a:t>user/application.</a:t>
+                        <a:t>CSL) is the only MCSDK layer that depends on the hardware. This layer is completely transparent to the user/application.</a:t>
                       </a:r>
                       <a:endParaRPr lang="en-US" sz="1600" dirty="0"/>
                     </a:p>
@@ -6611,15 +7147,7 @@
                       </a:r>
                       <a:r>
                         <a:rPr lang="en-US" sz="1600" baseline="0" dirty="0" smtClean="0"/>
-                        <a:t> API to talk to peripherals, </a:t>
-                      </a:r>
-                      <a:r>
-                        <a:rPr lang="en-US" sz="1600" baseline="0" dirty="0" smtClean="0"/>
-                        <a:t>accelerators, and </a:t>
-                      </a:r>
-                      <a:r>
-                        <a:rPr lang="en-US" sz="1600" baseline="0" dirty="0" smtClean="0"/>
-                        <a:t>other resources</a:t>
+                        <a:t> API to talk to peripherals, accelerators, and other resources</a:t>
                       </a:r>
                       <a:endParaRPr lang="en-US" sz="1600" dirty="0"/>
                     </a:p>
@@ -6633,43 +7161,11 @@
                     <a:p>
                       <a:r>
                         <a:rPr lang="en-US" sz="1600" dirty="0" smtClean="0"/>
-                        <a:t>Low Level Drivers </a:t>
-                      </a:r>
-                      <a:r>
-                        <a:rPr lang="en-US" sz="1600" dirty="0" smtClean="0"/>
-                        <a:t>(LLD) provide standard API to initialize,</a:t>
+                        <a:t>Low Level Drivers (LLD) provide standard API to initialize,</a:t>
                       </a:r>
                       <a:r>
                         <a:rPr lang="en-US" sz="1600" baseline="0" dirty="0" smtClean="0"/>
-                        <a:t> </a:t>
-                      </a:r>
-                      <a:r>
-                        <a:rPr lang="en-US" sz="1600" baseline="0" dirty="0" smtClean="0"/>
-                        <a:t>configure, </a:t>
-                      </a:r>
-                      <a:r>
-                        <a:rPr lang="en-US" sz="1600" baseline="0" dirty="0" smtClean="0"/>
-                        <a:t>and </a:t>
-                      </a:r>
-                      <a:r>
-                        <a:rPr lang="en-US" sz="1600" baseline="0" dirty="0" smtClean="0"/>
-                        <a:t>utilize peripherals </a:t>
-                      </a:r>
-                      <a:r>
-                        <a:rPr lang="en-US" sz="1600" baseline="0" dirty="0" smtClean="0"/>
-                        <a:t>and other resources. LLD blocks include SRIO, PCIe, PA, CPPI, QMSS, </a:t>
-                      </a:r>
-                      <a:r>
-                        <a:rPr lang="en-US" sz="1600" baseline="0" dirty="0" smtClean="0"/>
-                        <a:t>FFTC, </a:t>
-                      </a:r>
-                      <a:r>
-                        <a:rPr lang="en-US" sz="1600" baseline="0" dirty="0" smtClean="0"/>
-                        <a:t>and many </a:t>
-                      </a:r>
-                      <a:r>
-                        <a:rPr lang="en-US" sz="1600" baseline="0" dirty="0" smtClean="0"/>
-                        <a:t>more.</a:t>
+                        <a:t> configure, and utilize peripherals and other resources. LLD blocks include SRIO, PCIe, PA, CPPI, QMSS, FFTC, and many more.</a:t>
                       </a:r>
                       <a:endParaRPr lang="en-US" sz="1600" dirty="0"/>
                     </a:p>
@@ -6689,11 +7185,7 @@
                       </a:r>
                       <a:r>
                         <a:rPr lang="en-US" sz="1600" baseline="0" dirty="0" smtClean="0"/>
-                        <a:t> to facilitate system </a:t>
-                      </a:r>
-                      <a:r>
-                        <a:rPr lang="en-US" sz="1600" baseline="0" dirty="0" smtClean="0"/>
-                        <a:t>operations</a:t>
+                        <a:t> to facilitate system operations</a:t>
                       </a:r>
                       <a:endParaRPr lang="en-US" sz="1600" dirty="0"/>
                     </a:p>
@@ -6715,11 +7207,7 @@
                       </a:r>
                       <a:r>
                         <a:rPr lang="en-US" sz="1600" dirty="0" smtClean="0"/>
-                        <a:t>utilities </a:t>
-                      </a:r>
-                      <a:r>
-                        <a:rPr lang="en-US" sz="1600" dirty="0" smtClean="0"/>
-                        <a:t>such as </a:t>
+                        <a:t>utilities such as </a:t>
                       </a:r>
                       <a:r>
                         <a:rPr lang="en-US" sz="1600" dirty="0" err="1" smtClean="0"/>
@@ -6731,27 +7219,7 @@
                       </a:r>
                       <a:r>
                         <a:rPr lang="en-US" sz="1600" baseline="0" dirty="0" smtClean="0"/>
-                        <a:t> On </a:t>
-                      </a:r>
-                      <a:r>
-                        <a:rPr lang="en-US" sz="1600" baseline="0" dirty="0" smtClean="0"/>
-                        <a:t>Self Test (POST), </a:t>
-                      </a:r>
-                      <a:r>
-                        <a:rPr lang="en-US" sz="1600" baseline="0" dirty="0" smtClean="0"/>
-                        <a:t>resource </a:t>
-                      </a:r>
-                      <a:r>
-                        <a:rPr lang="en-US" sz="1600" baseline="0" dirty="0" smtClean="0"/>
-                        <a:t>manager, </a:t>
-                      </a:r>
-                      <a:r>
-                        <a:rPr lang="en-US" sz="1600" baseline="0" dirty="0" smtClean="0"/>
-                        <a:t>and platform </a:t>
-                      </a:r>
-                      <a:r>
-                        <a:rPr lang="en-US" sz="1600" baseline="0" dirty="0" smtClean="0"/>
-                        <a:t>utilities.</a:t>
+                        <a:t> On Self Test (POST), resource manager, and platform utilities.</a:t>
                       </a:r>
                       <a:endParaRPr lang="en-US" sz="1600" dirty="0"/>
                     </a:p>
@@ -6832,7 +7300,7 @@
 </p:sld>
 </file>
 
-<file path=ppt/slides/slide11.xml><?xml version="1.0" encoding="utf-8"?>
+<file path=ppt/slides/slide12.xml><?xml version="1.0" encoding="utf-8"?>
 <p:sld xmlns:a="http://schemas.openxmlformats.org/drawingml/2006/main" xmlns:r="http://schemas.openxmlformats.org/officeDocument/2006/relationships" xmlns:p="http://schemas.openxmlformats.org/presentationml/2006/main">
   <p:cSld>
     <p:spTree>
@@ -6927,11 +7395,7 @@
                     <a:p>
                       <a:r>
                         <a:rPr lang="en-US" sz="1600" dirty="0" smtClean="0"/>
-                        <a:t>Reliable interface to </a:t>
-                      </a:r>
-                      <a:r>
-                        <a:rPr lang="en-US" sz="1600" dirty="0" smtClean="0"/>
-                        <a:t>external networks</a:t>
+                        <a:t>Reliable interface to external networks</a:t>
                       </a:r>
                       <a:endParaRPr lang="en-US" sz="1600" dirty="0"/>
                     </a:p>
@@ -6945,31 +7409,7 @@
                     <a:p>
                       <a:r>
                         <a:rPr lang="en-US" sz="1600" baseline="0" dirty="0" smtClean="0"/>
-                        <a:t>Network Development Kit (NDK) provides </a:t>
-                      </a:r>
-                      <a:r>
-                        <a:rPr lang="en-US" sz="1600" baseline="0" dirty="0" smtClean="0"/>
-                        <a:t>a standardized </a:t>
-                      </a:r>
-                      <a:r>
-                        <a:rPr lang="en-US" sz="1600" baseline="0" dirty="0" smtClean="0"/>
-                        <a:t>interface for common </a:t>
-                      </a:r>
-                      <a:r>
-                        <a:rPr lang="en-US" sz="1600" baseline="0" dirty="0" smtClean="0"/>
-                        <a:t>packet- and network-based </a:t>
-                      </a:r>
-                      <a:r>
-                        <a:rPr lang="en-US" sz="1600" baseline="0" dirty="0" smtClean="0"/>
-                        <a:t>communication protocols (e.g., </a:t>
-                      </a:r>
-                      <a:r>
-                        <a:rPr lang="en-US" sz="1600" baseline="0" dirty="0" smtClean="0"/>
-                        <a:t>IPV4 and IPV6-compliant TCP/IP</a:t>
-                      </a:r>
-                      <a:r>
-                        <a:rPr lang="en-US" sz="1600" baseline="0" dirty="0" smtClean="0"/>
-                        <a:t>).</a:t>
+                        <a:t>Network Development Kit (NDK) provides a standardized interface for common packet- and network-based communication protocols (e.g., IPV4 and IPV6-compliant TCP/IP).</a:t>
                       </a:r>
                       <a:endParaRPr lang="en-US" sz="1600" dirty="0"/>
                     </a:p>
@@ -7007,19 +7447,7 @@
                       </a:r>
                       <a:r>
                         <a:rPr lang="en-US" sz="1600" baseline="0" dirty="0" smtClean="0"/>
-                        <a:t> provides several-high </a:t>
-                      </a:r>
-                      <a:r>
-                        <a:rPr lang="en-US" sz="1600" baseline="0" dirty="0" smtClean="0"/>
-                        <a:t>level utilities and libraries to communicate between cores and enable multiple cores </a:t>
-                      </a:r>
-                      <a:r>
-                        <a:rPr lang="en-US" sz="1600" baseline="0" dirty="0" smtClean="0"/>
-                        <a:t>to work </a:t>
-                      </a:r>
-                      <a:r>
-                        <a:rPr lang="en-US" sz="1600" baseline="0" dirty="0" smtClean="0"/>
-                        <a:t>together.</a:t>
+                        <a:t> provides several-high level utilities and libraries to communicate between cores and enable multiple cores to work together.</a:t>
                       </a:r>
                       <a:endParaRPr lang="en-US" sz="1600" dirty="0"/>
                     </a:p>
@@ -7049,19 +7477,7 @@
                     <a:p>
                       <a:r>
                         <a:rPr lang="en-US" sz="1600" dirty="0" smtClean="0"/>
-                        <a:t>Optimized </a:t>
-                      </a:r>
-                      <a:r>
-                        <a:rPr lang="en-US" sz="1600" dirty="0" smtClean="0"/>
-                        <a:t>algorithm </a:t>
-                      </a:r>
-                      <a:r>
-                        <a:rPr lang="en-US" sz="1600" dirty="0" smtClean="0"/>
-                        <a:t>libraries with standard </a:t>
-                      </a:r>
-                      <a:r>
-                        <a:rPr lang="en-US" sz="1600" dirty="0" smtClean="0"/>
-                        <a:t>APIs.</a:t>
+                        <a:t>Optimized algorithm libraries with standard APIs.</a:t>
                       </a:r>
                       <a:endParaRPr lang="en-US" sz="1600" dirty="0"/>
                     </a:p>
@@ -7099,23 +7515,7 @@
                       </a:r>
                       <a:r>
                         <a:rPr lang="en-US" sz="1600" baseline="0" dirty="0" smtClean="0"/>
-                        <a:t> </a:t>
-                      </a:r>
-                      <a:r>
-                        <a:rPr lang="en-US" sz="1600" baseline="0" dirty="0" smtClean="0"/>
-                        <a:t>applications (e.g., Image Processing) show how </a:t>
-                      </a:r>
-                      <a:r>
-                        <a:rPr lang="en-US" sz="1600" baseline="0" dirty="0" smtClean="0"/>
-                        <a:t>to build and run a complete </a:t>
-                      </a:r>
-                      <a:r>
-                        <a:rPr lang="en-US" sz="1600" baseline="0" dirty="0" smtClean="0"/>
-                        <a:t>multicore application</a:t>
-                      </a:r>
-                      <a:r>
-                        <a:rPr lang="en-US" sz="1600" baseline="0" dirty="0" smtClean="0"/>
-                        <a:t>. </a:t>
+                        <a:t> applications (e.g., Image Processing) show how to build and run a complete multicore application. </a:t>
                       </a:r>
                       <a:endParaRPr lang="en-US" sz="1600" dirty="0"/>
                     </a:p>
@@ -7153,29 +7553,8 @@
                       </a:r>
                       <a:r>
                         <a:rPr lang="en-US" sz="1600" baseline="0" dirty="0" smtClean="0"/>
-                        <a:t> Even Machine (OEM) is </a:t>
+                        <a:t> Even Machine (OEM) is a firmware-based (PDSP) global schedule execution management system that supports load balancing and global priorities schemes.</a:t>
                       </a:r>
-                      <a:r>
-                        <a:rPr lang="en-US" sz="1600" baseline="0" dirty="0" smtClean="0"/>
-                        <a:t>a firmware-based </a:t>
-                      </a:r>
-                      <a:r>
-                        <a:rPr lang="en-US" sz="1600" baseline="0" dirty="0" smtClean="0"/>
-                        <a:t>(PDSP) global schedule execution management </a:t>
-                      </a:r>
-                      <a:r>
-                        <a:rPr lang="en-US" sz="1600" baseline="0" dirty="0" smtClean="0"/>
-                        <a:t>system that </a:t>
-                      </a:r>
-                      <a:r>
-                        <a:rPr lang="en-US" sz="1600" baseline="0" dirty="0" smtClean="0"/>
-                        <a:t>supports load balancing and global priorities </a:t>
-                      </a:r>
-                      <a:r>
-                        <a:rPr lang="en-US" sz="1600" baseline="0" dirty="0" smtClean="0"/>
-                        <a:t>schemes.</a:t>
-                      </a:r>
-                      <a:endParaRPr lang="en-US" sz="1600" baseline="0" dirty="0" smtClean="0"/>
                     </a:p>
                   </a:txBody>
                   <a:tcPr/>
@@ -7234,7 +7613,7 @@
 </p:sld>
 </file>
 
-<file path=ppt/slides/slide12.xml><?xml version="1.0" encoding="utf-8"?>
+<file path=ppt/slides/slide13.xml><?xml version="1.0" encoding="utf-8"?>
 <p:sld xmlns:a="http://schemas.openxmlformats.org/drawingml/2006/main" xmlns:r="http://schemas.openxmlformats.org/officeDocument/2006/relationships" xmlns:p="http://schemas.openxmlformats.org/presentationml/2006/main">
   <p:cSld>
     <p:spTree>
@@ -9069,11 +9448,7 @@
             <a:pPr eaLnBrk="1" hangingPunct="1"/>
             <a:r>
               <a:rPr lang="en-US" sz="3200" b="1" dirty="0" smtClean="0"/>
-              <a:t>TI Software </a:t>
-            </a:r>
-            <a:r>
-              <a:rPr lang="en-US" sz="3200" b="1" dirty="0" smtClean="0"/>
-              <a:t>Development Ecosystem</a:t>
+              <a:t>TI Software Development Ecosystem</a:t>
             </a:r>
             <a:r>
               <a:rPr lang="en-US" b="1" dirty="0" smtClean="0"/>
@@ -9185,7 +9560,7 @@
 </p:sld>
 </file>
 
-<file path=ppt/slides/slide13.xml><?xml version="1.0" encoding="utf-8"?>
+<file path=ppt/slides/slide14.xml><?xml version="1.0" encoding="utf-8"?>
 <p:sld xmlns:a="http://schemas.openxmlformats.org/drawingml/2006/main" xmlns:r="http://schemas.openxmlformats.org/officeDocument/2006/relationships" xmlns:p="http://schemas.openxmlformats.org/presentationml/2006/main">
   <p:cSld>
     <p:spTree>
@@ -9220,13 +9595,8 @@
             <a:pPr eaLnBrk="1" hangingPunct="1"/>
             <a:r>
               <a:rPr lang="en-US" sz="3600" b="1" dirty="0" smtClean="0"/>
-              <a:t>BIOS-MCSDK </a:t>
-            </a:r>
-            <a:r>
-              <a:rPr lang="en-US" sz="3600" b="1" dirty="0" smtClean="0"/>
-              <a:t>Software Layers</a:t>
-            </a:r>
-            <a:endParaRPr lang="en-US" sz="3600" b="1" dirty="0" smtClean="0"/>
+              <a:t>BIOS-MCSDK Software Layers</a:t>
+            </a:r>
           </a:p>
         </p:txBody>
       </p:sp>
@@ -12383,7 +12753,7 @@
 </p:sld>
 </file>
 
-<file path=ppt/slides/slide14.xml><?xml version="1.0" encoding="utf-8"?>
+<file path=ppt/slides/slide15.xml><?xml version="1.0" encoding="utf-8"?>
 <p:sld xmlns:a="http://schemas.openxmlformats.org/drawingml/2006/main" xmlns:r="http://schemas.openxmlformats.org/officeDocument/2006/relationships" xmlns:p="http://schemas.openxmlformats.org/presentationml/2006/main">
   <p:cSld>
     <p:spTree>
@@ -13893,11 +14263,7 @@
           <a:p>
             <a:r>
               <a:rPr lang="en-US" sz="3600" b="1" dirty="0" smtClean="0"/>
-              <a:t>Inter-Processor </a:t>
-            </a:r>
-            <a:r>
-              <a:rPr lang="en-US" sz="3600" b="1" dirty="0" smtClean="0"/>
-              <a:t>Communication (IPC)</a:t>
+              <a:t>Inter-Processor Communication (IPC)</a:t>
             </a:r>
           </a:p>
         </p:txBody>
@@ -16108,29 +16474,8 @@
           <a:p>
             <a:r>
               <a:rPr lang="en-US" dirty="0" smtClean="0"/>
-              <a:t>IPC provides a standard interface between </a:t>
-            </a:r>
-            <a:r>
-              <a:rPr lang="en-US" dirty="0" smtClean="0"/>
-              <a:t>processes/threads </a:t>
-            </a:r>
-            <a:r>
-              <a:rPr lang="en-US" dirty="0" smtClean="0"/>
-              <a:t>in the same core, between </a:t>
-            </a:r>
-            <a:r>
-              <a:rPr lang="en-US" dirty="0" smtClean="0"/>
-              <a:t>two cores, </a:t>
-            </a:r>
-            <a:r>
-              <a:rPr lang="en-US" dirty="0" smtClean="0"/>
-              <a:t>and between two </a:t>
-            </a:r>
-            <a:r>
-              <a:rPr lang="en-US" dirty="0" smtClean="0"/>
-              <a:t>devices.</a:t>
-            </a:r>
-            <a:endParaRPr lang="en-US" dirty="0" smtClean="0"/>
+              <a:t>IPC provides a standard interface between processes/threads in the same core, between two cores, and between two devices.</a:t>
+            </a:r>
           </a:p>
         </p:txBody>
       </p:sp>
@@ -16481,7 +16826,7 @@
 </p:sld>
 </file>
 
-<file path=ppt/slides/slide15.xml><?xml version="1.0" encoding="utf-8"?>
+<file path=ppt/slides/slide16.xml><?xml version="1.0" encoding="utf-8"?>
 <p:sld xmlns:a="http://schemas.openxmlformats.org/drawingml/2006/main" xmlns:r="http://schemas.openxmlformats.org/officeDocument/2006/relationships" xmlns:p="http://schemas.openxmlformats.org/presentationml/2006/main">
   <p:cSld>
     <p:spTree>
@@ -16525,11 +16870,7 @@
             </a:r>
             <a:r>
               <a:rPr lang="en-US" sz="3600" dirty="0" smtClean="0"/>
-              <a:t>Algorithm </a:t>
-            </a:r>
-            <a:r>
-              <a:rPr lang="en-US" sz="3600" dirty="0" smtClean="0"/>
-              <a:t>Libraries</a:t>
+              <a:t>Algorithm Libraries</a:t>
             </a:r>
           </a:p>
         </p:txBody>
@@ -16559,21 +16900,8 @@
             </a:pPr>
             <a:r>
               <a:rPr lang="en-US" sz="2000" dirty="0" smtClean="0"/>
-              <a:t>Algorithm libraries contain C66x C-callable, </a:t>
-            </a:r>
-            <a:r>
-              <a:rPr lang="en-US" sz="2000" dirty="0" smtClean="0"/>
-              <a:t>hand-coded, assembly-optimized functions </a:t>
-            </a:r>
-            <a:r>
-              <a:rPr lang="en-US" sz="2000" dirty="0" smtClean="0"/>
-              <a:t>for specific </a:t>
-            </a:r>
-            <a:r>
-              <a:rPr lang="en-US" sz="2000" dirty="0" smtClean="0"/>
-              <a:t>usage:</a:t>
-            </a:r>
-            <a:endParaRPr lang="en-US" sz="2000" dirty="0" smtClean="0"/>
+              <a:t>Algorithm libraries contain C66x C-callable, hand-coded, assembly-optimized functions for specific usage:</a:t>
+            </a:r>
           </a:p>
           <a:p>
             <a:pPr eaLnBrk="1" hangingPunct="1"/>
@@ -16585,7 +16913,6 @@
               <a:rPr lang="en-US" sz="1800" dirty="0" smtClean="0"/>
               <a:t> provides signal-processing math and vector functions:</a:t>
             </a:r>
-            <a:endParaRPr lang="en-US" sz="1800" dirty="0" smtClean="0"/>
           </a:p>
           <a:p>
             <a:pPr lvl="1" eaLnBrk="1" hangingPunct="1"/>
@@ -16605,15 +16932,7 @@
             <a:pPr lvl="1" eaLnBrk="1" hangingPunct="1"/>
             <a:r>
               <a:rPr lang="en-US" sz="1600" dirty="0" smtClean="0"/>
-              <a:t>FFT </a:t>
-            </a:r>
-            <a:r>
-              <a:rPr lang="en-US" sz="1600" dirty="0" smtClean="0"/>
-              <a:t>(e.g</a:t>
-            </a:r>
-            <a:r>
-              <a:rPr lang="en-US" sz="1600" dirty="0" smtClean="0"/>
-              <a:t>. FFT functions for ‘</a:t>
+              <a:t>FFT (e.g. FFT functions for ‘</a:t>
             </a:r>
             <a:r>
               <a:rPr lang="en-US" sz="1600" dirty="0" err="1" smtClean="0"/>
@@ -16621,61 +16940,22 @@
             </a:r>
             <a:r>
               <a:rPr lang="en-US" sz="1600" dirty="0" smtClean="0"/>
-              <a:t>’ </a:t>
-            </a:r>
+              <a:t>’ FFTs)</a:t>
+            </a:r>
+          </a:p>
+          <a:p>
+            <a:pPr lvl="1" eaLnBrk="1" hangingPunct="1"/>
             <a:r>
               <a:rPr lang="en-US" sz="1600" dirty="0" smtClean="0"/>
-              <a:t>FFTs)</a:t>
-            </a:r>
-            <a:endParaRPr lang="en-US" sz="1600" dirty="0" smtClean="0"/>
+              <a:t>Filtering and Convolution (e.g., FIR, IIR filter functions, etc.)</a:t>
+            </a:r>
           </a:p>
           <a:p>
             <a:pPr lvl="1" eaLnBrk="1" hangingPunct="1"/>
             <a:r>
               <a:rPr lang="en-US" sz="1600" dirty="0" smtClean="0"/>
-              <a:t>Filtering and Convolution </a:t>
-            </a:r>
-            <a:r>
-              <a:rPr lang="en-US" sz="1600" dirty="0" smtClean="0"/>
-              <a:t>(e.g., </a:t>
-            </a:r>
-            <a:r>
-              <a:rPr lang="en-US" sz="1600" dirty="0" smtClean="0"/>
-              <a:t>FIR, IIR filter </a:t>
-            </a:r>
-            <a:r>
-              <a:rPr lang="en-US" sz="1600" dirty="0" smtClean="0"/>
-              <a:t>functions, </a:t>
-            </a:r>
-            <a:r>
-              <a:rPr lang="en-US" sz="1600" dirty="0" smtClean="0"/>
-              <a:t>etc</a:t>
-            </a:r>
-            <a:r>
-              <a:rPr lang="en-US" sz="1600" dirty="0" smtClean="0"/>
-              <a:t>.)</a:t>
-            </a:r>
-            <a:endParaRPr lang="en-US" sz="1600" dirty="0" smtClean="0"/>
-          </a:p>
-          <a:p>
-            <a:pPr lvl="1" eaLnBrk="1" hangingPunct="1"/>
-            <a:r>
-              <a:rPr lang="en-US" sz="1600" dirty="0" smtClean="0"/>
-              <a:t>Matrix </a:t>
-            </a:r>
-            <a:r>
-              <a:rPr lang="en-US" sz="1600" dirty="0" smtClean="0"/>
-              <a:t>(e.g., </a:t>
-            </a:r>
-            <a:r>
-              <a:rPr lang="en-US" sz="1600" dirty="0" smtClean="0"/>
-              <a:t>single and double precision matrix </a:t>
-            </a:r>
-            <a:r>
-              <a:rPr lang="en-US" sz="1600" dirty="0" smtClean="0"/>
-              <a:t>multiplication, etc.)</a:t>
-            </a:r>
-            <a:endParaRPr lang="en-US" sz="1600" dirty="0" smtClean="0"/>
+              <a:t>Matrix (e.g., single and double precision matrix multiplication, etc.)</a:t>
+            </a:r>
           </a:p>
           <a:p>
             <a:pPr eaLnBrk="1" hangingPunct="1"/>
@@ -16687,61 +16967,19 @@
               <a:rPr lang="en-US" sz="1800" dirty="0" smtClean="0"/>
               <a:t> provides image/video processing functions:</a:t>
             </a:r>
-            <a:endParaRPr lang="en-US" sz="1800" dirty="0" smtClean="0"/>
           </a:p>
           <a:p>
             <a:pPr lvl="1" eaLnBrk="1" hangingPunct="1"/>
             <a:r>
               <a:rPr lang="en-US" sz="1600" dirty="0" smtClean="0"/>
-              <a:t>Compression &amp; Decompression (e.g., forward and inverse DCT</a:t>
-            </a:r>
+              <a:t>Compression &amp; Decompression (e.g., forward and inverse DCT, motion estimation, quantization, etc.)</a:t>
+            </a:r>
+          </a:p>
+          <a:p>
+            <a:pPr lvl="1" eaLnBrk="1" hangingPunct="1"/>
             <a:r>
               <a:rPr lang="en-US" sz="1600" dirty="0" smtClean="0"/>
-              <a:t>, </a:t>
-            </a:r>
-            <a:r>
-              <a:rPr lang="en-US" sz="1600" dirty="0" smtClean="0"/>
-              <a:t>motion </a:t>
-            </a:r>
-            <a:r>
-              <a:rPr lang="en-US" sz="1600" dirty="0" smtClean="0"/>
-              <a:t>estimation, </a:t>
-            </a:r>
-            <a:r>
-              <a:rPr lang="en-US" sz="1600" dirty="0" smtClean="0"/>
-              <a:t>quantization, etc.)</a:t>
-            </a:r>
-            <a:endParaRPr lang="en-US" sz="1600" dirty="0" smtClean="0"/>
-          </a:p>
-          <a:p>
-            <a:pPr lvl="1" eaLnBrk="1" hangingPunct="1"/>
-            <a:r>
-              <a:rPr lang="en-US" sz="1600" dirty="0" smtClean="0"/>
-              <a:t>Image </a:t>
-            </a:r>
-            <a:r>
-              <a:rPr lang="en-US" sz="1600" dirty="0" smtClean="0"/>
-              <a:t>A</a:t>
-            </a:r>
-            <a:r>
-              <a:rPr lang="en-US" sz="1600" dirty="0" smtClean="0"/>
-              <a:t>nalysis (e.g., </a:t>
-            </a:r>
-            <a:r>
-              <a:rPr lang="en-US" sz="1600" dirty="0" smtClean="0"/>
-              <a:t>e</a:t>
-            </a:r>
-            <a:r>
-              <a:rPr lang="en-US" sz="1600" dirty="0" smtClean="0"/>
-              <a:t>dge </a:t>
-            </a:r>
-            <a:r>
-              <a:rPr lang="en-US" sz="1600" dirty="0" smtClean="0"/>
-              <a:t>detection, </a:t>
-            </a:r>
-            <a:r>
-              <a:rPr lang="en-US" sz="1600" dirty="0" smtClean="0"/>
-              <a:t>histogram, </a:t>
+              <a:t>Image Analysis (e.g., edge detection, histogram, </a:t>
             </a:r>
             <a:r>
               <a:rPr lang="en-US" sz="1600" dirty="0" err="1" smtClean="0"/>
@@ -16751,43 +16989,13 @@
               <a:rPr lang="en-US" sz="1600" dirty="0" smtClean="0"/>
               <a:t>, etc.)</a:t>
             </a:r>
-            <a:endParaRPr lang="en-US" sz="1600" dirty="0" smtClean="0"/>
           </a:p>
           <a:p>
             <a:pPr lvl="1" eaLnBrk="1" hangingPunct="1"/>
             <a:r>
               <a:rPr lang="en-US" sz="1600" dirty="0" smtClean="0"/>
-              <a:t>Image </a:t>
-            </a:r>
-            <a:r>
-              <a:rPr lang="en-US" sz="1600" dirty="0" smtClean="0"/>
-              <a:t>F</a:t>
-            </a:r>
-            <a:r>
-              <a:rPr lang="en-US" sz="1600" dirty="0" smtClean="0"/>
-              <a:t>iltering </a:t>
-            </a:r>
-            <a:r>
-              <a:rPr lang="en-US" sz="1600" dirty="0" smtClean="0"/>
-              <a:t>and </a:t>
-            </a:r>
-            <a:r>
-              <a:rPr lang="en-US" sz="1600" dirty="0" smtClean="0"/>
-              <a:t>C</a:t>
-            </a:r>
-            <a:r>
-              <a:rPr lang="en-US" sz="1600" dirty="0" smtClean="0"/>
-              <a:t>onversion (e.g., color </a:t>
-            </a:r>
-            <a:r>
-              <a:rPr lang="en-US" sz="1600" dirty="0" smtClean="0"/>
-              <a:t>space conversion, </a:t>
-            </a:r>
-            <a:r>
-              <a:rPr lang="en-US" sz="1600" dirty="0" smtClean="0"/>
-              <a:t>convolution, correlation,  error diffusion, etc.)</a:t>
-            </a:r>
-            <a:endParaRPr lang="en-US" sz="1600" dirty="0" smtClean="0"/>
+              <a:t>Image Filtering and Conversion (e.g., color space conversion, convolution, correlation,  error diffusion, etc.)</a:t>
+            </a:r>
           </a:p>
           <a:p>
             <a:pPr eaLnBrk="1" hangingPunct="1"/>
@@ -16797,59 +17005,21 @@
             </a:r>
             <a:r>
               <a:rPr lang="en-US" sz="1800" dirty="0" smtClean="0"/>
-              <a:t> provides floating-point </a:t>
-            </a:r>
-            <a:r>
-              <a:rPr lang="en-US" sz="1800" dirty="0" smtClean="0"/>
-              <a:t>math </a:t>
-            </a:r>
-            <a:r>
-              <a:rPr lang="en-US" sz="1800" dirty="0" smtClean="0"/>
-              <a:t>functions:</a:t>
-            </a:r>
-            <a:endParaRPr lang="en-US" sz="1800" dirty="0" smtClean="0"/>
+              <a:t> provides floating-point math functions:</a:t>
+            </a:r>
           </a:p>
           <a:p>
             <a:pPr lvl="1" eaLnBrk="1" hangingPunct="1"/>
             <a:r>
               <a:rPr lang="en-US" sz="1600" dirty="0" smtClean="0"/>
-              <a:t>Single-precision (e.g., cosine/sine/tangent </a:t>
-            </a:r>
+              <a:t>Single-precision (e.g., cosine/sine/tangent of a floating point number, etc.)</a:t>
+            </a:r>
+          </a:p>
+          <a:p>
+            <a:pPr lvl="1" eaLnBrk="1" hangingPunct="1"/>
             <a:r>
               <a:rPr lang="en-US" sz="1600" dirty="0" smtClean="0"/>
-              <a:t>of a floating point </a:t>
-            </a:r>
-            <a:r>
-              <a:rPr lang="en-US" sz="1600" dirty="0" smtClean="0"/>
-              <a:t>number, </a:t>
-            </a:r>
-            <a:r>
-              <a:rPr lang="en-US" sz="1600" dirty="0" smtClean="0"/>
-              <a:t>etc</a:t>
-            </a:r>
-            <a:r>
-              <a:rPr lang="en-US" sz="1600" dirty="0" smtClean="0"/>
-              <a:t>.)</a:t>
-            </a:r>
-            <a:endParaRPr lang="en-US" sz="1600" dirty="0" smtClean="0"/>
-          </a:p>
-          <a:p>
-            <a:pPr lvl="1" eaLnBrk="1" hangingPunct="1"/>
-            <a:r>
-              <a:rPr lang="en-US" sz="1600" dirty="0" smtClean="0"/>
-              <a:t>Double precision </a:t>
-            </a:r>
-            <a:r>
-              <a:rPr lang="en-US" sz="1600" dirty="0" smtClean="0"/>
-              <a:t>(e.g., </a:t>
-            </a:r>
-            <a:r>
-              <a:rPr lang="en-US" sz="1600" dirty="0" smtClean="0"/>
-              <a:t>similar functions as above with argument type and return values to be of type </a:t>
-            </a:r>
-            <a:r>
-              <a:rPr lang="en-US" sz="1600" dirty="0" smtClean="0"/>
-              <a:t>double)</a:t>
+              <a:t>Double precision (e.g., similar functions as above with argument type and return values to be of type double)</a:t>
             </a:r>
           </a:p>
           <a:p>
@@ -16862,19 +17032,7 @@
               <a:rPr lang="en-US" sz="2000" dirty="0" smtClean="0">
                 <a:hlinkClick r:id="rId2"/>
               </a:rPr>
-              <a:t>http</a:t>
-            </a:r>
-            <a:r>
-              <a:rPr lang="en-US" sz="2000" dirty="0" smtClean="0">
-                <a:hlinkClick r:id="rId2"/>
-              </a:rPr>
-              <a:t>://</a:t>
-            </a:r>
-            <a:r>
-              <a:rPr lang="en-US" sz="2000" dirty="0" smtClean="0">
-                <a:hlinkClick r:id="rId2"/>
-              </a:rPr>
-              <a:t>processors.wiki.ti.com/index.php/Software_libraries</a:t>
+              <a:t>http://processors.wiki.ti.com/index.php/Software_libraries</a:t>
             </a:r>
             <a:endParaRPr lang="en-US" sz="2000" dirty="0" smtClean="0"/>
           </a:p>
@@ -16899,7 +17057,7 @@
 </p:sld>
 </file>
 
-<file path=ppt/slides/slide16.xml><?xml version="1.0" encoding="utf-8"?>
+<file path=ppt/slides/slide17.xml><?xml version="1.0" encoding="utf-8"?>
 <p:sld xmlns:a="http://schemas.openxmlformats.org/drawingml/2006/main" xmlns:r="http://schemas.openxmlformats.org/officeDocument/2006/relationships" xmlns:p="http://schemas.openxmlformats.org/presentationml/2006/main">
   <p:cSld>
     <p:spTree>
@@ -16936,7 +17094,6 @@
               <a:rPr lang="en-US" sz="3600" b="1" dirty="0" smtClean="0"/>
               <a:t>Simplified Development &amp; Migration</a:t>
             </a:r>
-            <a:endParaRPr lang="en-US" sz="3600" b="1" dirty="0" smtClean="0"/>
           </a:p>
         </p:txBody>
       </p:sp>
@@ -22501,7 +22658,7 @@
 </p:sld>
 </file>
 
-<file path=ppt/slides/slide17.xml><?xml version="1.0" encoding="utf-8"?>
+<file path=ppt/slides/slide18.xml><?xml version="1.0" encoding="utf-8"?>
 <p:sld xmlns:a="http://schemas.openxmlformats.org/drawingml/2006/main" xmlns:r="http://schemas.openxmlformats.org/officeDocument/2006/relationships" xmlns:p="http://schemas.openxmlformats.org/presentationml/2006/main">
   <p:cSld>
     <p:spTree>
@@ -24709,7 +24866,7 @@
 </p:sld>
 </file>
 
-<file path=ppt/slides/slide18.xml><?xml version="1.0" encoding="utf-8"?>
+<file path=ppt/slides/slide19.xml><?xml version="1.0" encoding="utf-8"?>
 <p:sld xmlns:a="http://schemas.openxmlformats.org/drawingml/2006/main" xmlns:r="http://schemas.openxmlformats.org/officeDocument/2006/relationships" xmlns:p="http://schemas.openxmlformats.org/presentationml/2006/main">
   <p:cSld>
     <p:spTree>
@@ -24774,25 +24931,8 @@
             </a:pPr>
             <a:r>
               <a:rPr lang="en-US" sz="2400" dirty="0" smtClean="0"/>
-              <a:t>Eclipse </a:t>
-            </a:r>
-            <a:r>
-              <a:rPr lang="en-US" sz="2400" dirty="0" smtClean="0"/>
-              <a:t>allows developers to integrate </a:t>
-            </a:r>
-            <a:r>
-              <a:rPr lang="en-US" sz="2400" dirty="0" smtClean="0"/>
-              <a:t>third-party software tools that provide additional multicore </a:t>
-            </a:r>
-            <a:r>
-              <a:rPr lang="en-US" sz="2400" dirty="0" smtClean="0"/>
-              <a:t>programming, profiling and analysis </a:t>
-            </a:r>
-            <a:r>
-              <a:rPr lang="en-US" sz="2400" dirty="0" smtClean="0"/>
-              <a:t>capabilities:</a:t>
-            </a:r>
-            <a:endParaRPr lang="en-US" sz="2400" dirty="0" smtClean="0"/>
+              <a:t>Eclipse allows developers to integrate third-party software tools that provide additional multicore programming, profiling and analysis capabilities:</a:t>
+            </a:r>
           </a:p>
           <a:p>
             <a:r>
@@ -24811,61 +24951,17 @@
               <a:rPr lang="en-US" sz="2000" dirty="0" smtClean="0">
                 <a:hlinkClick r:id="rId2"/>
               </a:rPr>
-              <a:t>http</a:t>
-            </a:r>
-            <a:r>
-              <a:rPr lang="en-US" sz="2000" dirty="0" smtClean="0">
-                <a:hlinkClick r:id="rId2"/>
-              </a:rPr>
-              <a:t>://</a:t>
-            </a:r>
-            <a:r>
-              <a:rPr lang="en-US" sz="2000" dirty="0" smtClean="0">
-                <a:hlinkClick r:id="rId2"/>
-              </a:rPr>
-              <a:t>polycoresoftware.com</a:t>
+              <a:t>http://polycoresoftware.com</a:t>
             </a:r>
             <a:r>
               <a:rPr lang="en-US" sz="2000" dirty="0" smtClean="0"/>
-              <a:t> </a:t>
-            </a:r>
-            <a:r>
-              <a:rPr lang="en-US" sz="2000" dirty="0" smtClean="0"/>
-              <a:t>is a development </a:t>
-            </a:r>
-            <a:r>
-              <a:rPr lang="en-US" sz="2000" dirty="0" smtClean="0"/>
-              <a:t>framework </a:t>
-            </a:r>
-            <a:r>
-              <a:rPr lang="en-US" sz="2000" dirty="0" smtClean="0"/>
-              <a:t>consisting </a:t>
-            </a:r>
-            <a:r>
-              <a:rPr lang="en-US" sz="2000" dirty="0" smtClean="0"/>
-              <a:t>of tools and run-time </a:t>
-            </a:r>
-            <a:r>
-              <a:rPr lang="en-US" sz="2000" dirty="0" smtClean="0"/>
-              <a:t>software that provide </a:t>
-            </a:r>
-            <a:r>
-              <a:rPr lang="en-US" sz="2000" dirty="0" smtClean="0"/>
-              <a:t>a programming model for applications to scale from one to many </a:t>
-            </a:r>
-            <a:r>
-              <a:rPr lang="en-US" sz="2000" dirty="0" smtClean="0"/>
-              <a:t>cores.</a:t>
+              <a:t> is a development framework consisting of tools and run-time software that provide a programming model for applications to scale from one to many cores.</a:t>
             </a:r>
           </a:p>
           <a:p>
             <a:r>
               <a:rPr lang="en-US" sz="2000" b="1" dirty="0" smtClean="0"/>
-              <a:t>Prism </a:t>
-            </a:r>
-            <a:r>
-              <a:rPr lang="en-US" sz="2000" b="1" dirty="0" smtClean="0"/>
-              <a:t>from </a:t>
+              <a:t>Prism from </a:t>
             </a:r>
             <a:r>
               <a:rPr lang="en-US" sz="2000" b="1" dirty="0" err="1" smtClean="0"/>
@@ -24879,45 +24975,12 @@
               <a:rPr lang="en-US" sz="2000" dirty="0" smtClean="0">
                 <a:hlinkClick r:id="rId3"/>
               </a:rPr>
-              <a:t>http</a:t>
-            </a:r>
-            <a:r>
-              <a:rPr lang="en-US" sz="2000" dirty="0" smtClean="0">
-                <a:hlinkClick r:id="rId3"/>
-              </a:rPr>
-              <a:t>://</a:t>
-            </a:r>
-            <a:r>
-              <a:rPr lang="en-US" sz="2000" dirty="0" smtClean="0">
-                <a:hlinkClick r:id="rId3"/>
-              </a:rPr>
-              <a:t>www.criticalblue.com</a:t>
+              <a:t>http://www.criticalblue.com</a:t>
             </a:r>
             <a:r>
               <a:rPr lang="en-US" sz="2000" dirty="0" smtClean="0"/>
-              <a:t> </a:t>
-            </a:r>
-            <a:r>
-              <a:rPr lang="en-US" sz="2000" dirty="0" smtClean="0"/>
-              <a:t>provides multicore </a:t>
-            </a:r>
-            <a:r>
-              <a:rPr lang="en-US" sz="2000" dirty="0" smtClean="0"/>
-              <a:t>analysis and exploration </a:t>
-            </a:r>
-            <a:r>
-              <a:rPr lang="en-US" sz="2000" dirty="0" smtClean="0"/>
-              <a:t>tools to </a:t>
-            </a:r>
-            <a:r>
-              <a:rPr lang="en-US" sz="2000" dirty="0" smtClean="0"/>
-              <a:t>evaluate parallelization strategies of </a:t>
-            </a:r>
-            <a:r>
-              <a:rPr lang="en-US" sz="2000" dirty="0" smtClean="0"/>
-              <a:t>existing software applications.</a:t>
-            </a:r>
-            <a:endParaRPr lang="en-US" sz="2000" dirty="0" smtClean="0"/>
+              <a:t> provides multicore analysis and exploration tools to evaluate parallelization strategies of existing software applications.</a:t>
+            </a:r>
           </a:p>
           <a:p>
             <a:r>
@@ -24928,61 +24991,12 @@
               <a:rPr lang="en-US" sz="2000" dirty="0" smtClean="0">
                 <a:hlinkClick r:id="rId4"/>
               </a:rPr>
-              <a:t>http</a:t>
-            </a:r>
-            <a:r>
-              <a:rPr lang="en-US" sz="2000" dirty="0" smtClean="0">
-                <a:hlinkClick r:id="rId4"/>
-              </a:rPr>
-              <a:t>://</a:t>
-            </a:r>
-            <a:r>
-              <a:rPr lang="en-US" sz="2000" dirty="0" smtClean="0">
-                <a:hlinkClick r:id="rId4"/>
-              </a:rPr>
-              <a:t>www.enea.com</a:t>
+              <a:t>http://www.enea.com</a:t>
             </a:r>
             <a:r>
               <a:rPr lang="en-US" sz="2000" dirty="0" smtClean="0"/>
-              <a:t> includes </a:t>
-            </a:r>
-            <a:r>
-              <a:rPr lang="en-US" sz="2000" dirty="0" smtClean="0"/>
-              <a:t>overview and management tools for </a:t>
-            </a:r>
-            <a:r>
-              <a:rPr lang="en-US" sz="2000" dirty="0" smtClean="0"/>
-              <a:t>multicore systems</a:t>
-            </a:r>
-            <a:r>
-              <a:rPr lang="en-US" sz="2000" dirty="0" smtClean="0"/>
-              <a:t>, </a:t>
-            </a:r>
-            <a:r>
-              <a:rPr lang="en-US" sz="2000" dirty="0" smtClean="0"/>
-              <a:t>profiling </a:t>
-            </a:r>
-            <a:r>
-              <a:rPr lang="en-US" sz="2000" dirty="0" smtClean="0"/>
-              <a:t>tools showing resource </a:t>
-            </a:r>
-            <a:r>
-              <a:rPr lang="en-US" sz="2000" dirty="0" smtClean="0"/>
-              <a:t>usage, and </a:t>
-            </a:r>
-            <a:r>
-              <a:rPr lang="en-US" sz="2000" dirty="0" smtClean="0"/>
-              <a:t>debug tools </a:t>
-            </a:r>
-            <a:r>
-              <a:rPr lang="en-US" sz="2000" dirty="0" smtClean="0"/>
-              <a:t>that track </a:t>
-            </a:r>
-            <a:r>
-              <a:rPr lang="en-US" sz="2000" dirty="0" smtClean="0"/>
-              <a:t>execution of application and operating system events.</a:t>
-            </a:r>
-            <a:endParaRPr lang="en-US" sz="2000" dirty="0" smtClean="0"/>
+              <a:t> includes overview and management tools for multicore systems, profiling tools showing resource usage, and debug tools that track execution of application and operating system events.</a:t>
+            </a:r>
           </a:p>
           <a:p>
             <a:r>
@@ -24993,220 +25007,16 @@
               <a:rPr lang="en-US" sz="2000" dirty="0" smtClean="0">
                 <a:hlinkClick r:id="rId5"/>
               </a:rPr>
-              <a:t>http</a:t>
-            </a:r>
-            <a:r>
-              <a:rPr lang="en-US" sz="2000" dirty="0" smtClean="0">
-                <a:hlinkClick r:id="rId5"/>
-              </a:rPr>
-              <a:t>://</a:t>
-            </a:r>
-            <a:r>
-              <a:rPr lang="en-US" sz="2000" dirty="0" smtClean="0">
-                <a:hlinkClick r:id="rId5"/>
-              </a:rPr>
-              <a:t>www.3l.com</a:t>
+              <a:t>http://www.3l.com</a:t>
             </a:r>
             <a:r>
               <a:rPr lang="en-US" sz="2000" dirty="0" smtClean="0"/>
-              <a:t> is a tool-suite and model that provides a highly automated development flow from concept through to applications running in multiprocessor </a:t>
-            </a:r>
-            <a:r>
-              <a:rPr lang="en-US" sz="2000" dirty="0" smtClean="0"/>
-              <a:t>hardware.</a:t>
-            </a:r>
-            <a:endParaRPr lang="en-US" sz="2000" dirty="0" smtClean="0"/>
+              <a:t> is a tool-suite and model that provides a highly automated development flow from concept through to applications running in multiprocessor hardware.</a:t>
+            </a:r>
           </a:p>
         </p:txBody>
       </p:sp>
     </p:spTree>
-  </p:cSld>
-  <p:clrMapOvr>
-    <a:masterClrMapping/>
-  </p:clrMapOvr>
-  <p:timing>
-    <p:tnLst>
-      <p:par>
-        <p:cTn id="1" dur="indefinite" restart="never" nodeType="tmRoot"/>
-      </p:par>
-    </p:tnLst>
-  </p:timing>
-</p:sld>
-</file>
-
-<file path=ppt/slides/slide19.xml><?xml version="1.0" encoding="utf-8"?>
-<p:sld xmlns:a="http://schemas.openxmlformats.org/drawingml/2006/main" xmlns:r="http://schemas.openxmlformats.org/officeDocument/2006/relationships" xmlns:p="http://schemas.openxmlformats.org/presentationml/2006/main">
-  <p:cSld>
-    <p:spTree>
-      <p:nvGrpSpPr>
-        <p:cNvPr id="1" name=""/>
-        <p:cNvGrpSpPr/>
-        <p:nvPr/>
-      </p:nvGrpSpPr>
-      <p:grpSpPr>
-        <a:xfrm>
-          <a:off x="0" y="0"/>
-          <a:ext cx="0" cy="0"/>
-          <a:chOff x="0" y="0"/>
-          <a:chExt cx="0" cy="0"/>
-        </a:xfrm>
-      </p:grpSpPr>
-      <p:sp>
-        <p:nvSpPr>
-          <p:cNvPr id="25601" name="Rectangle 2"/>
-          <p:cNvSpPr>
-            <a:spLocks noGrp="1" noChangeArrowheads="1"/>
-          </p:cNvSpPr>
-          <p:nvPr>
-            <p:ph type="title"/>
-          </p:nvPr>
-        </p:nvSpPr>
-        <p:spPr/>
-        <p:txBody>
-          <a:bodyPr>
-            <a:normAutofit/>
-          </a:bodyPr>
-          <a:lstStyle/>
-          <a:p>
-            <a:pPr eaLnBrk="1" hangingPunct="1"/>
-            <a:r>
-              <a:rPr lang="en-US" sz="3600" dirty="0" smtClean="0"/>
-              <a:t>MCSDK </a:t>
-            </a:r>
-            <a:r>
-              <a:rPr lang="en-US" sz="3600" dirty="0" smtClean="0"/>
-              <a:t>Top-level </a:t>
-            </a:r>
-            <a:r>
-              <a:rPr lang="en-US" sz="3600" dirty="0" smtClean="0"/>
-              <a:t>Directory </a:t>
-            </a:r>
-            <a:r>
-              <a:rPr lang="en-US" sz="3600" dirty="0" smtClean="0"/>
-              <a:t>Folders</a:t>
-            </a:r>
-            <a:endParaRPr lang="en-US" dirty="0" smtClean="0"/>
-          </a:p>
-        </p:txBody>
-      </p:sp>
-      <p:sp>
-        <p:nvSpPr>
-          <p:cNvPr id="9" name="Content Placeholder 8"/>
-          <p:cNvSpPr>
-            <a:spLocks noGrp="1"/>
-          </p:cNvSpPr>
-          <p:nvPr>
-            <p:ph idx="1"/>
-          </p:nvPr>
-        </p:nvSpPr>
-        <p:spPr>
-          <a:xfrm>
-            <a:off x="333375" y="1185863"/>
-            <a:ext cx="8467725" cy="4833938"/>
-          </a:xfrm>
-        </p:spPr>
-        <p:txBody>
-          <a:bodyPr>
-            <a:normAutofit/>
-          </a:bodyPr>
-          <a:lstStyle/>
-          <a:p>
-            <a:r>
-              <a:rPr lang="en-US" dirty="0" smtClean="0"/>
-              <a:t>/</a:t>
-            </a:r>
-            <a:r>
-              <a:rPr lang="en-US" dirty="0" err="1" smtClean="0"/>
-              <a:t>mcsdk</a:t>
-            </a:r>
-            <a:endParaRPr lang="en-US" dirty="0" smtClean="0"/>
-          </a:p>
-          <a:p>
-            <a:r>
-              <a:rPr lang="en-US" dirty="0" smtClean="0"/>
-              <a:t>/</a:t>
-            </a:r>
-            <a:r>
-              <a:rPr lang="en-US" dirty="0" err="1" smtClean="0"/>
-              <a:t>pdk</a:t>
-            </a:r>
-            <a:endParaRPr lang="en-US" dirty="0" smtClean="0"/>
-          </a:p>
-          <a:p>
-            <a:r>
-              <a:rPr lang="en-US" dirty="0" smtClean="0"/>
-              <a:t>/edma3</a:t>
-            </a:r>
-            <a:endParaRPr lang="en-US" dirty="0" smtClean="0"/>
-          </a:p>
-          <a:p>
-            <a:r>
-              <a:rPr lang="en-US" dirty="0" smtClean="0"/>
-              <a:t>/bios</a:t>
-            </a:r>
-            <a:endParaRPr lang="en-US" dirty="0" smtClean="0"/>
-          </a:p>
-          <a:p>
-            <a:r>
-              <a:rPr lang="en-US" dirty="0" smtClean="0"/>
-              <a:t>/</a:t>
-            </a:r>
-            <a:r>
-              <a:rPr lang="en-US" dirty="0" err="1" smtClean="0"/>
-              <a:t>dsplib</a:t>
-            </a:r>
-            <a:endParaRPr lang="en-US" dirty="0" smtClean="0"/>
-          </a:p>
-          <a:p>
-            <a:r>
-              <a:rPr lang="en-US" dirty="0" smtClean="0"/>
-              <a:t>/</a:t>
-            </a:r>
-            <a:r>
-              <a:rPr lang="en-US" dirty="0" err="1" smtClean="0"/>
-              <a:t>imglib</a:t>
-            </a:r>
-            <a:endParaRPr lang="en-US" dirty="0" smtClean="0"/>
-          </a:p>
-          <a:p>
-            <a:r>
-              <a:rPr lang="en-US" dirty="0" smtClean="0"/>
-              <a:t>/</a:t>
-            </a:r>
-            <a:r>
-              <a:rPr lang="en-US" dirty="0" err="1" smtClean="0"/>
-              <a:t>mathlib</a:t>
-            </a:r>
-            <a:endParaRPr lang="en-US" dirty="0" smtClean="0"/>
-          </a:p>
-          <a:p>
-            <a:r>
-              <a:rPr lang="en-US" dirty="0" smtClean="0"/>
-              <a:t>/</a:t>
-            </a:r>
-            <a:r>
-              <a:rPr lang="en-US" dirty="0" err="1" smtClean="0"/>
-              <a:t>ipc</a:t>
-            </a:r>
-            <a:endParaRPr lang="en-US" dirty="0" smtClean="0"/>
-          </a:p>
-          <a:p>
-            <a:r>
-              <a:rPr lang="en-US" dirty="0" smtClean="0"/>
-              <a:t>/</a:t>
-            </a:r>
-            <a:r>
-              <a:rPr lang="en-US" dirty="0" err="1" smtClean="0"/>
-              <a:t>ndk</a:t>
-            </a:r>
-            <a:endParaRPr lang="en-US" dirty="0"/>
-          </a:p>
-        </p:txBody>
-      </p:sp>
-    </p:spTree>
-    <p:custDataLst>
-      <p:tags r:id="rId1"/>
-    </p:custDataLst>
   </p:cSld>
   <p:clrMapOvr>
     <a:masterClrMapping/>
@@ -25240,43 +25050,18 @@
       </p:grpSpPr>
       <p:sp>
         <p:nvSpPr>
-          <p:cNvPr id="4" name="Title 3"/>
+          <p:cNvPr id="2" name="Title 1"/>
           <p:cNvSpPr>
             <a:spLocks noGrp="1"/>
           </p:cNvSpPr>
           <p:nvPr>
-            <p:ph type="title"/>
-          </p:nvPr>
-        </p:nvSpPr>
-        <p:spPr/>
-        <p:txBody>
-          <a:bodyPr>
-            <a:normAutofit/>
-          </a:bodyPr>
-          <a:lstStyle/>
-          <a:p>
-            <a:r>
-              <a:rPr lang="en-US" sz="3600" dirty="0" smtClean="0"/>
-              <a:t>Agenda</a:t>
-            </a:r>
-            <a:endParaRPr lang="en-US" sz="3600" dirty="0"/>
-          </a:p>
-        </p:txBody>
-      </p:sp>
-      <p:sp>
-        <p:nvSpPr>
-          <p:cNvPr id="5" name="Content Placeholder 4"/>
-          <p:cNvSpPr>
-            <a:spLocks noGrp="1"/>
-          </p:cNvSpPr>
-          <p:nvPr>
-            <p:ph idx="1"/>
+            <p:ph type="ctrTitle"/>
           </p:nvPr>
         </p:nvSpPr>
         <p:spPr>
           <a:xfrm>
-            <a:off x="457200" y="1295400"/>
-            <a:ext cx="8229600" cy="4525963"/>
+            <a:off x="685800" y="1143001"/>
+            <a:ext cx="7772400" cy="1295400"/>
           </a:xfrm>
         </p:spPr>
         <p:txBody>
@@ -25286,104 +25071,64 @@
           <a:lstStyle/>
           <a:p>
             <a:r>
-              <a:rPr lang="en-US" dirty="0" smtClean="0">
+              <a:rPr lang="en-US" sz="3200" b="0" dirty="0" smtClean="0"/>
+              <a:t>Webinar: </a:t>
+            </a:r>
+            <a:r>
+              <a:rPr lang="en-US" sz="3200" b="0" dirty="0" smtClean="0"/>
+              <a:t/>
+            </a:r>
+            <a:br>
+              <a:rPr lang="en-US" sz="3200" b="0" dirty="0" smtClean="0"/>
+            </a:br>
+            <a:r>
+              <a:rPr lang="en-US" sz="3200" b="0" dirty="0" smtClean="0">
                 <a:latin typeface="Calibri" pitchFamily="34" charset="0"/>
                 <a:cs typeface="Calibri" pitchFamily="34" charset="0"/>
               </a:rPr>
-              <a:t>Operating System Basics</a:t>
-            </a:r>
-            <a:endParaRPr lang="en-US" dirty="0" smtClean="0">
+              <a:t>KeyStone Software Development </a:t>
+            </a:r>
+            <a:r>
+              <a:rPr lang="en-US" sz="3200" b="0" dirty="0" smtClean="0">
+                <a:latin typeface="Calibri" pitchFamily="34" charset="0"/>
+                <a:cs typeface="Calibri" pitchFamily="34" charset="0"/>
+              </a:rPr>
+              <a:t>Ecosystem</a:t>
+            </a:r>
+            <a:endParaRPr lang="en-US" sz="3200" b="0" dirty="0">
               <a:latin typeface="Calibri" pitchFamily="34" charset="0"/>
               <a:cs typeface="Calibri" pitchFamily="34" charset="0"/>
             </a:endParaRPr>
           </a:p>
+        </p:txBody>
+      </p:sp>
+      <p:sp>
+        <p:nvSpPr>
+          <p:cNvPr id="3" name="Subtitle 2"/>
+          <p:cNvSpPr>
+            <a:spLocks noGrp="1"/>
+          </p:cNvSpPr>
+          <p:nvPr>
+            <p:ph type="subTitle" idx="1"/>
+          </p:nvPr>
+        </p:nvSpPr>
+        <p:spPr/>
+        <p:txBody>
+          <a:bodyPr/>
+          <a:lstStyle/>
           <a:p>
             <a:r>
               <a:rPr lang="en-US" dirty="0" smtClean="0">
-                <a:latin typeface="Calibri" pitchFamily="34" charset="0"/>
-                <a:cs typeface="Calibri" pitchFamily="34" charset="0"/>
+                <a:solidFill>
+                  <a:schemeClr val="tx1"/>
+                </a:solidFill>
               </a:rPr>
-              <a:t>TI’s Traditional Development Support</a:t>
-            </a:r>
-            <a:endParaRPr lang="en-US" dirty="0" smtClean="0">
-              <a:latin typeface="Calibri" pitchFamily="34" charset="0"/>
-              <a:cs typeface="Calibri" pitchFamily="34" charset="0"/>
-            </a:endParaRPr>
-          </a:p>
-          <a:p>
-            <a:pPr lvl="1"/>
-            <a:r>
-              <a:rPr lang="en-US" dirty="0" smtClean="0">
-                <a:latin typeface="Calibri" pitchFamily="34" charset="0"/>
-                <a:cs typeface="Calibri" pitchFamily="34" charset="0"/>
-              </a:rPr>
-              <a:t>DSP </a:t>
-            </a:r>
-            <a:r>
-              <a:rPr lang="en-US" dirty="0" smtClean="0">
-                <a:latin typeface="Calibri" pitchFamily="34" charset="0"/>
-                <a:cs typeface="Calibri" pitchFamily="34" charset="0"/>
-              </a:rPr>
-              <a:t>SYS BIOS</a:t>
-            </a:r>
-            <a:endParaRPr lang="en-US" dirty="0" smtClean="0">
-              <a:latin typeface="Calibri" pitchFamily="34" charset="0"/>
-              <a:cs typeface="Calibri" pitchFamily="34" charset="0"/>
-            </a:endParaRPr>
-          </a:p>
-          <a:p>
-            <a:pPr lvl="1"/>
-            <a:r>
-              <a:rPr lang="en-US" dirty="0" smtClean="0">
-                <a:latin typeface="Calibri" pitchFamily="34" charset="0"/>
-                <a:cs typeface="Calibri" pitchFamily="34" charset="0"/>
-              </a:rPr>
-              <a:t>Framework, Utilities, and Drivers</a:t>
-            </a:r>
-            <a:endParaRPr lang="en-US" dirty="0" smtClean="0">
-              <a:latin typeface="Calibri" pitchFamily="34" charset="0"/>
-              <a:cs typeface="Calibri" pitchFamily="34" charset="0"/>
-            </a:endParaRPr>
-          </a:p>
-          <a:p>
-            <a:r>
-              <a:rPr lang="en-US" dirty="0" smtClean="0">
-                <a:latin typeface="Calibri" pitchFamily="34" charset="0"/>
-                <a:cs typeface="Calibri" pitchFamily="34" charset="0"/>
-              </a:rPr>
-              <a:t>Multicore Development Ecosystem</a:t>
-            </a:r>
-            <a:endParaRPr lang="en-US" dirty="0" smtClean="0">
-              <a:latin typeface="Calibri" pitchFamily="34" charset="0"/>
-              <a:cs typeface="Calibri" pitchFamily="34" charset="0"/>
-            </a:endParaRPr>
-          </a:p>
-          <a:p>
-            <a:pPr lvl="1"/>
-            <a:r>
-              <a:rPr lang="en-US" dirty="0" smtClean="0">
-                <a:latin typeface="Calibri" pitchFamily="34" charset="0"/>
-                <a:cs typeface="Calibri" pitchFamily="34" charset="0"/>
-              </a:rPr>
-              <a:t>Code Composer Studio (CCS)</a:t>
-            </a:r>
-            <a:endParaRPr lang="en-US" dirty="0" smtClean="0">
-              <a:latin typeface="Calibri" pitchFamily="34" charset="0"/>
-              <a:cs typeface="Calibri" pitchFamily="34" charset="0"/>
-            </a:endParaRPr>
-          </a:p>
-          <a:p>
-            <a:pPr lvl="1"/>
-            <a:r>
-              <a:rPr lang="en-US" dirty="0" smtClean="0">
-                <a:latin typeface="Calibri" pitchFamily="34" charset="0"/>
-                <a:cs typeface="Calibri" pitchFamily="34" charset="0"/>
-              </a:rPr>
-              <a:t>Multicore Software Development Kit </a:t>
-            </a:r>
-            <a:endParaRPr lang="en-US" dirty="0" smtClean="0">
-              <a:latin typeface="Calibri" pitchFamily="34" charset="0"/>
-              <a:cs typeface="Calibri" pitchFamily="34" charset="0"/>
+              <a:t>Ran katzur</a:t>
+            </a:r>
+            <a:endParaRPr lang="en-US" dirty="0">
+              <a:solidFill>
+                <a:schemeClr val="tx1"/>
+              </a:solidFill>
             </a:endParaRPr>
           </a:p>
         </p:txBody>
@@ -25422,6 +25167,424 @@
       </p:grpSpPr>
       <p:sp>
         <p:nvSpPr>
+          <p:cNvPr id="25601" name="Rectangle 2"/>
+          <p:cNvSpPr>
+            <a:spLocks noGrp="1" noChangeArrowheads="1"/>
+          </p:cNvSpPr>
+          <p:nvPr>
+            <p:ph type="title"/>
+          </p:nvPr>
+        </p:nvSpPr>
+        <p:spPr/>
+        <p:txBody>
+          <a:bodyPr>
+            <a:normAutofit/>
+          </a:bodyPr>
+          <a:lstStyle/>
+          <a:p>
+            <a:pPr eaLnBrk="1" hangingPunct="1"/>
+            <a:r>
+              <a:rPr lang="en-US" sz="3600" dirty="0" smtClean="0"/>
+              <a:t>MCSDK Top-level Directory Folders</a:t>
+            </a:r>
+            <a:endParaRPr lang="en-US" dirty="0" smtClean="0"/>
+          </a:p>
+        </p:txBody>
+      </p:sp>
+      <p:sp>
+        <p:nvSpPr>
+          <p:cNvPr id="9" name="Content Placeholder 8"/>
+          <p:cNvSpPr>
+            <a:spLocks noGrp="1"/>
+          </p:cNvSpPr>
+          <p:nvPr>
+            <p:ph idx="1"/>
+          </p:nvPr>
+        </p:nvSpPr>
+        <p:spPr>
+          <a:xfrm>
+            <a:off x="333375" y="1185863"/>
+            <a:ext cx="8467725" cy="4833938"/>
+          </a:xfrm>
+        </p:spPr>
+        <p:txBody>
+          <a:bodyPr>
+            <a:normAutofit/>
+          </a:bodyPr>
+          <a:lstStyle/>
+          <a:p>
+            <a:r>
+              <a:rPr lang="en-US" dirty="0" smtClean="0"/>
+              <a:t>/</a:t>
+            </a:r>
+            <a:r>
+              <a:rPr lang="en-US" dirty="0" err="1" smtClean="0"/>
+              <a:t>mcsdk</a:t>
+            </a:r>
+            <a:endParaRPr lang="en-US" dirty="0" smtClean="0"/>
+          </a:p>
+          <a:p>
+            <a:r>
+              <a:rPr lang="en-US" dirty="0" smtClean="0"/>
+              <a:t>/</a:t>
+            </a:r>
+            <a:r>
+              <a:rPr lang="en-US" dirty="0" err="1" smtClean="0"/>
+              <a:t>pdk</a:t>
+            </a:r>
+            <a:endParaRPr lang="en-US" dirty="0" smtClean="0"/>
+          </a:p>
+          <a:p>
+            <a:r>
+              <a:rPr lang="en-US" dirty="0" smtClean="0"/>
+              <a:t>/edma3</a:t>
+            </a:r>
+          </a:p>
+          <a:p>
+            <a:r>
+              <a:rPr lang="en-US" dirty="0" smtClean="0"/>
+              <a:t>/bios</a:t>
+            </a:r>
+          </a:p>
+          <a:p>
+            <a:r>
+              <a:rPr lang="en-US" dirty="0" smtClean="0"/>
+              <a:t>/</a:t>
+            </a:r>
+            <a:r>
+              <a:rPr lang="en-US" dirty="0" err="1" smtClean="0"/>
+              <a:t>dsplib</a:t>
+            </a:r>
+            <a:endParaRPr lang="en-US" dirty="0" smtClean="0"/>
+          </a:p>
+          <a:p>
+            <a:r>
+              <a:rPr lang="en-US" dirty="0" smtClean="0"/>
+              <a:t>/</a:t>
+            </a:r>
+            <a:r>
+              <a:rPr lang="en-US" dirty="0" err="1" smtClean="0"/>
+              <a:t>imglib</a:t>
+            </a:r>
+            <a:endParaRPr lang="en-US" dirty="0" smtClean="0"/>
+          </a:p>
+          <a:p>
+            <a:r>
+              <a:rPr lang="en-US" dirty="0" smtClean="0"/>
+              <a:t>/</a:t>
+            </a:r>
+            <a:r>
+              <a:rPr lang="en-US" dirty="0" err="1" smtClean="0"/>
+              <a:t>mathlib</a:t>
+            </a:r>
+            <a:endParaRPr lang="en-US" dirty="0" smtClean="0"/>
+          </a:p>
+          <a:p>
+            <a:r>
+              <a:rPr lang="en-US" dirty="0" smtClean="0"/>
+              <a:t>/</a:t>
+            </a:r>
+            <a:r>
+              <a:rPr lang="en-US" dirty="0" err="1" smtClean="0"/>
+              <a:t>ipc</a:t>
+            </a:r>
+            <a:endParaRPr lang="en-US" dirty="0" smtClean="0"/>
+          </a:p>
+          <a:p>
+            <a:r>
+              <a:rPr lang="en-US" dirty="0" smtClean="0"/>
+              <a:t>/</a:t>
+            </a:r>
+            <a:r>
+              <a:rPr lang="en-US" dirty="0" err="1" smtClean="0"/>
+              <a:t>ndk</a:t>
+            </a:r>
+            <a:endParaRPr lang="en-US" dirty="0"/>
+          </a:p>
+        </p:txBody>
+      </p:sp>
+    </p:spTree>
+    <p:custDataLst>
+      <p:tags r:id="rId1"/>
+    </p:custDataLst>
+  </p:cSld>
+  <p:clrMapOvr>
+    <a:masterClrMapping/>
+  </p:clrMapOvr>
+  <p:timing>
+    <p:tnLst>
+      <p:par>
+        <p:cTn id="1" dur="indefinite" restart="never" nodeType="tmRoot"/>
+      </p:par>
+    </p:tnLst>
+  </p:timing>
+</p:sld>
+</file>
+
+<file path=ppt/slides/slide21.xml><?xml version="1.0" encoding="utf-8"?>
+<p:sld xmlns:a="http://schemas.openxmlformats.org/drawingml/2006/main" xmlns:r="http://schemas.openxmlformats.org/officeDocument/2006/relationships" xmlns:p="http://schemas.openxmlformats.org/presentationml/2006/main">
+  <p:cSld>
+    <p:spTree>
+      <p:nvGrpSpPr>
+        <p:cNvPr id="1" name=""/>
+        <p:cNvGrpSpPr/>
+        <p:nvPr/>
+      </p:nvGrpSpPr>
+      <p:grpSpPr>
+        <a:xfrm>
+          <a:off x="0" y="0"/>
+          <a:ext cx="0" cy="0"/>
+          <a:chOff x="0" y="0"/>
+          <a:chExt cx="0" cy="0"/>
+        </a:xfrm>
+      </p:grpSpPr>
+      <p:sp>
+        <p:nvSpPr>
+          <p:cNvPr id="443393" name="Title 1"/>
+          <p:cNvSpPr>
+            <a:spLocks noGrp="1"/>
+          </p:cNvSpPr>
+          <p:nvPr>
+            <p:ph type="title" idx="4294967295"/>
+          </p:nvPr>
+        </p:nvSpPr>
+        <p:spPr>
+          <a:xfrm>
+            <a:off x="381000" y="1143000"/>
+            <a:ext cx="8229600" cy="762000"/>
+          </a:xfrm>
+        </p:spPr>
+        <p:txBody>
+          <a:bodyPr/>
+          <a:lstStyle/>
+          <a:p>
+            <a:pPr eaLnBrk="1" hangingPunct="1"/>
+            <a:r>
+              <a:rPr lang="fi-FI" smtClean="0"/>
+              <a:t>Live Q &amp; A</a:t>
+            </a:r>
+            <a:endParaRPr lang="en-US" smtClean="0"/>
+          </a:p>
+        </p:txBody>
+      </p:sp>
+      <p:sp>
+        <p:nvSpPr>
+          <p:cNvPr id="443394" name="Title 1"/>
+          <p:cNvSpPr>
+            <a:spLocks/>
+          </p:cNvSpPr>
+          <p:nvPr/>
+        </p:nvSpPr>
+        <p:spPr bwMode="auto">
+          <a:xfrm>
+            <a:off x="457200" y="3352800"/>
+            <a:ext cx="8229600" cy="762000"/>
+          </a:xfrm>
+          <a:prstGeom prst="rect">
+            <a:avLst/>
+          </a:prstGeom>
+          <a:noFill/>
+          <a:ln w="9525">
+            <a:noFill/>
+            <a:miter lim="800000"/>
+            <a:headEnd/>
+            <a:tailEnd/>
+          </a:ln>
+        </p:spPr>
+        <p:txBody>
+          <a:bodyPr anchor="ctr"/>
+          <a:lstStyle/>
+          <a:p>
+            <a:pPr algn="ctr"/>
+            <a:r>
+              <a:rPr lang="fi-FI" sz="3200" dirty="0" err="1">
+                <a:latin typeface="Calibri" pitchFamily="34" charset="0"/>
+              </a:rPr>
+              <a:t>Webex</a:t>
+            </a:r>
+            <a:r>
+              <a:rPr lang="fi-FI" sz="3200" dirty="0">
+                <a:latin typeface="Calibri" pitchFamily="34" charset="0"/>
+              </a:rPr>
+              <a:t> </a:t>
+            </a:r>
+            <a:r>
+              <a:rPr lang="fi-FI" sz="3200" dirty="0" err="1">
+                <a:latin typeface="Calibri" pitchFamily="34" charset="0"/>
+              </a:rPr>
+              <a:t>chat</a:t>
+            </a:r>
+            <a:r>
+              <a:rPr lang="fi-FI" sz="3200" dirty="0">
+                <a:latin typeface="Calibri" pitchFamily="34" charset="0"/>
+              </a:rPr>
+              <a:t> is </a:t>
+            </a:r>
+            <a:r>
+              <a:rPr lang="fi-FI" sz="3200" dirty="0" err="1">
+                <a:latin typeface="Calibri" pitchFamily="34" charset="0"/>
+              </a:rPr>
+              <a:t>available</a:t>
+            </a:r>
+            <a:r>
+              <a:rPr lang="fi-FI" sz="3200" dirty="0">
+                <a:latin typeface="Calibri" pitchFamily="34" charset="0"/>
+              </a:rPr>
+              <a:t> as </a:t>
+            </a:r>
+            <a:r>
+              <a:rPr lang="fi-FI" sz="3200" dirty="0" err="1">
+                <a:latin typeface="Calibri" pitchFamily="34" charset="0"/>
+              </a:rPr>
+              <a:t>well</a:t>
+            </a:r>
+            <a:r>
+              <a:rPr lang="fi-FI" sz="3200" dirty="0">
+                <a:latin typeface="Calibri" pitchFamily="34" charset="0"/>
+              </a:rPr>
+              <a:t>.</a:t>
+            </a:r>
+            <a:br>
+              <a:rPr lang="fi-FI" sz="3200" dirty="0">
+                <a:latin typeface="Calibri" pitchFamily="34" charset="0"/>
+              </a:rPr>
+            </a:br>
+            <a:r>
+              <a:rPr lang="fi-FI" sz="3200" dirty="0">
+                <a:latin typeface="Calibri" pitchFamily="34" charset="0"/>
+              </a:rPr>
+              <a:t> </a:t>
+            </a:r>
+            <a:br>
+              <a:rPr lang="fi-FI" sz="3200" dirty="0">
+                <a:latin typeface="Calibri" pitchFamily="34" charset="0"/>
+              </a:rPr>
+            </a:br>
+            <a:r>
+              <a:rPr lang="fi-FI" sz="3200" dirty="0" err="1">
+                <a:latin typeface="Calibri" pitchFamily="34" charset="0"/>
+              </a:rPr>
+              <a:t>Please</a:t>
+            </a:r>
+            <a:r>
+              <a:rPr lang="fi-FI" sz="3200" dirty="0">
+                <a:latin typeface="Calibri" pitchFamily="34" charset="0"/>
+              </a:rPr>
+              <a:t> </a:t>
+            </a:r>
+            <a:r>
+              <a:rPr lang="fi-FI" sz="3200" dirty="0" err="1">
+                <a:latin typeface="Calibri" pitchFamily="34" charset="0"/>
+              </a:rPr>
+              <a:t>feel</a:t>
+            </a:r>
+            <a:r>
+              <a:rPr lang="fi-FI" sz="3200" dirty="0">
+                <a:latin typeface="Calibri" pitchFamily="34" charset="0"/>
+              </a:rPr>
+              <a:t> </a:t>
+            </a:r>
+            <a:r>
+              <a:rPr lang="fi-FI" sz="3200" dirty="0" err="1">
+                <a:latin typeface="Calibri" pitchFamily="34" charset="0"/>
+              </a:rPr>
+              <a:t>free</a:t>
+            </a:r>
+            <a:r>
+              <a:rPr lang="fi-FI" sz="3200" dirty="0">
+                <a:latin typeface="Calibri" pitchFamily="34" charset="0"/>
+              </a:rPr>
+              <a:t> to </a:t>
+            </a:r>
+            <a:r>
+              <a:rPr lang="fi-FI" sz="3200" dirty="0" err="1">
+                <a:latin typeface="Calibri" pitchFamily="34" charset="0"/>
+              </a:rPr>
+              <a:t>send</a:t>
+            </a:r>
+            <a:r>
+              <a:rPr lang="fi-FI" sz="3200" dirty="0">
+                <a:latin typeface="Calibri" pitchFamily="34" charset="0"/>
+              </a:rPr>
+              <a:t> </a:t>
+            </a:r>
+            <a:r>
+              <a:rPr lang="fi-FI" sz="3200" dirty="0" err="1">
+                <a:latin typeface="Calibri" pitchFamily="34" charset="0"/>
+              </a:rPr>
+              <a:t>any</a:t>
+            </a:r>
+            <a:r>
+              <a:rPr lang="fi-FI" sz="3200" dirty="0">
+                <a:latin typeface="Calibri" pitchFamily="34" charset="0"/>
+              </a:rPr>
+              <a:t> </a:t>
+            </a:r>
+            <a:r>
+              <a:rPr lang="fi-FI" sz="3200" dirty="0" err="1">
+                <a:latin typeface="Calibri" pitchFamily="34" charset="0"/>
+              </a:rPr>
+              <a:t>questions/comments</a:t>
+            </a:r>
+            <a:r>
+              <a:rPr lang="fi-FI" sz="3200" dirty="0">
+                <a:latin typeface="Calibri" pitchFamily="34" charset="0"/>
+              </a:rPr>
+              <a:t> to </a:t>
+            </a:r>
+            <a:r>
+              <a:rPr lang="fi-FI" sz="3200" dirty="0" err="1" smtClean="0">
+                <a:latin typeface="Calibri" pitchFamily="34" charset="0"/>
+                <a:hlinkClick r:id="rId3"/>
+              </a:rPr>
+              <a:t>m-rintamaki@ti.com</a:t>
+            </a:r>
+            <a:r>
+              <a:rPr lang="fi-FI" sz="3200" dirty="0" smtClean="0">
+                <a:latin typeface="Calibri" pitchFamily="34" charset="0"/>
+              </a:rPr>
+              <a:t> </a:t>
+            </a:r>
+            <a:endParaRPr lang="en-US" sz="3200" dirty="0">
+              <a:latin typeface="Calibri" pitchFamily="34" charset="0"/>
+            </a:endParaRPr>
+          </a:p>
+        </p:txBody>
+      </p:sp>
+    </p:spTree>
+  </p:cSld>
+  <p:clrMapOvr>
+    <a:masterClrMapping/>
+  </p:clrMapOvr>
+  <p:timing>
+    <p:tnLst>
+      <p:par>
+        <p:cTn id="1" dur="indefinite" restart="never" nodeType="tmRoot"/>
+      </p:par>
+    </p:tnLst>
+  </p:timing>
+</p:sld>
+</file>
+
+<file path=ppt/slides/slide22.xml><?xml version="1.0" encoding="utf-8"?>
+<p:sld xmlns:a="http://schemas.openxmlformats.org/drawingml/2006/main" xmlns:r="http://schemas.openxmlformats.org/officeDocument/2006/relationships" xmlns:p="http://schemas.openxmlformats.org/presentationml/2006/main">
+  <p:cSld>
+    <p:spTree>
+      <p:nvGrpSpPr>
+        <p:cNvPr id="1" name=""/>
+        <p:cNvGrpSpPr/>
+        <p:nvPr/>
+      </p:nvGrpSpPr>
+      <p:grpSpPr>
+        <a:xfrm>
+          <a:off x="0" y="0"/>
+          <a:ext cx="0" cy="0"/>
+          <a:chOff x="0" y="0"/>
+          <a:chExt cx="0" cy="0"/>
+        </a:xfrm>
+      </p:grpSpPr>
+      <p:sp>
+        <p:nvSpPr>
           <p:cNvPr id="48130" name="Title 1"/>
           <p:cNvSpPr>
             <a:spLocks noGrp="1"/>
@@ -25477,15 +25640,7 @@
             </a:pPr>
             <a:r>
               <a:rPr lang="en-US" dirty="0" smtClean="0"/>
-              <a:t>MCSDK </a:t>
-            </a:r>
-            <a:r>
-              <a:rPr lang="en-US" dirty="0" smtClean="0"/>
-              <a:t>Product </a:t>
-            </a:r>
-            <a:r>
-              <a:rPr lang="en-US" dirty="0" smtClean="0"/>
-              <a:t>Folder:</a:t>
+              <a:t>MCSDK Product Folder:</a:t>
             </a:r>
             <a:br>
               <a:rPr lang="en-US" dirty="0" smtClean="0"/>
@@ -25494,25 +25649,12 @@
               <a:rPr lang="en-US" sz="1600" dirty="0" smtClean="0">
                 <a:hlinkClick r:id="rId4"/>
               </a:rPr>
-              <a:t>http</a:t>
-            </a:r>
-            <a:r>
-              <a:rPr lang="en-US" sz="1600" dirty="0" smtClean="0">
-                <a:hlinkClick r:id="rId4"/>
-              </a:rPr>
-              <a:t>://</a:t>
-            </a:r>
-            <a:r>
-              <a:rPr lang="en-US" sz="1600" dirty="0" smtClean="0">
-                <a:hlinkClick r:id="rId4"/>
-              </a:rPr>
-              <a:t>www.ti.com/tool/bioslinuxmcsdk</a:t>
+              <a:t>http://www.ti.com/tool/bioslinuxmcsdk</a:t>
             </a:r>
             <a:r>
               <a:rPr lang="en-US" sz="1600" dirty="0" smtClean="0"/>
               <a:t> </a:t>
             </a:r>
-            <a:endParaRPr lang="en-US" sz="1600" dirty="0" smtClean="0"/>
           </a:p>
           <a:p>
             <a:pPr>
@@ -25542,23 +25684,13 @@
             </a:pPr>
             <a:r>
               <a:rPr lang="en-US" dirty="0" smtClean="0"/>
-              <a:t>KeyStone C66x Multicore </a:t>
-            </a:r>
-            <a:r>
-              <a:rPr lang="en-US" dirty="0" smtClean="0"/>
-              <a:t>Wiki Resources </a:t>
+              <a:t>KeyStone C66x Multicore Wiki Resources </a:t>
             </a:r>
             <a:r>
               <a:rPr lang="en-US" sz="1600" dirty="0" smtClean="0">
                 <a:hlinkClick r:id="rId6"/>
               </a:rPr>
-              <a:t>http://</a:t>
-            </a:r>
-            <a:r>
-              <a:rPr lang="en-US" sz="1600" dirty="0" smtClean="0">
-                <a:hlinkClick r:id="rId6"/>
-              </a:rPr>
-              <a:t>processors.wiki.ti.com/index.php/Keystone_Device_Architecture</a:t>
+              <a:t>http://processors.wiki.ti.com/index.php/Keystone_Device_Architecture</a:t>
             </a:r>
             <a:endParaRPr lang="en-US" sz="1600" dirty="0" smtClean="0"/>
           </a:p>
@@ -25570,33 +25702,18 @@
             </a:pPr>
             <a:r>
               <a:rPr lang="en-US" dirty="0" smtClean="0"/>
-              <a:t>For </a:t>
-            </a:r>
-            <a:r>
-              <a:rPr lang="en-US" dirty="0" smtClean="0"/>
-              <a:t>questions regarding topics covered in this training, visit the support forums at the TI E2E Community </a:t>
-            </a:r>
-            <a:r>
-              <a:rPr lang="en-US" dirty="0" smtClean="0"/>
-              <a:t>website </a:t>
+              <a:t>For questions regarding topics covered in this training, visit the support forums at the TI E2E Community website </a:t>
             </a:r>
             <a:r>
               <a:rPr lang="en-US" dirty="0" smtClean="0">
                 <a:hlinkClick r:id="rId7"/>
               </a:rPr>
-              <a:t>http://</a:t>
-            </a:r>
-            <a:r>
-              <a:rPr lang="en-US" dirty="0" smtClean="0">
-                <a:hlinkClick r:id="rId7"/>
-              </a:rPr>
-              <a:t>e2e.ti.com</a:t>
+              <a:t>http://e2e.ti.com</a:t>
             </a:r>
             <a:r>
               <a:rPr lang="en-US" dirty="0" smtClean="0"/>
               <a:t> </a:t>
             </a:r>
-            <a:endParaRPr lang="en-US" dirty="0" smtClean="0"/>
           </a:p>
           <a:p>
             <a:pPr>
@@ -25654,21 +25771,16 @@
             <p:ph type="title"/>
           </p:nvPr>
         </p:nvSpPr>
-        <p:spPr>
-          <a:xfrm>
-            <a:off x="457200" y="274638"/>
-            <a:ext cx="8229600" cy="487362"/>
-          </a:xfrm>
-        </p:spPr>
+        <p:spPr/>
         <p:txBody>
           <a:bodyPr>
-            <a:normAutofit fontScale="90000"/>
+            <a:normAutofit/>
           </a:bodyPr>
           <a:lstStyle/>
           <a:p>
             <a:r>
               <a:rPr lang="en-US" sz="3600" dirty="0" smtClean="0"/>
-              <a:t>Operating System Basics</a:t>
+              <a:t>Agenda</a:t>
             </a:r>
             <a:endParaRPr lang="en-US" sz="3600" dirty="0"/>
           </a:p>
@@ -25686,481 +25798,81 @@
         </p:nvSpPr>
         <p:spPr>
           <a:xfrm>
-            <a:off x="533400" y="914400"/>
-            <a:ext cx="6172200" cy="5181600"/>
+            <a:off x="457200" y="1295400"/>
+            <a:ext cx="8229600" cy="4525963"/>
           </a:xfrm>
         </p:spPr>
         <p:txBody>
           <a:bodyPr>
-            <a:normAutofit fontScale="77500" lnSpcReduction="20000"/>
+            <a:normAutofit/>
           </a:bodyPr>
           <a:lstStyle/>
           <a:p>
             <a:r>
-              <a:rPr lang="en-US" sz="2400" dirty="0" smtClean="0">
+              <a:rPr lang="en-US" dirty="0" smtClean="0">
                 <a:latin typeface="Calibri" pitchFamily="34" charset="0"/>
                 <a:cs typeface="Calibri" pitchFamily="34" charset="0"/>
               </a:rPr>
-              <a:t>On the surface, the OS provides:</a:t>
-            </a:r>
-          </a:p>
-          <a:p>
-            <a:pPr lvl="1"/>
-            <a:r>
-              <a:rPr lang="en-US" sz="1800" dirty="0" smtClean="0">
+              <a:t>Operating System Basics</a:t>
+            </a:r>
+          </a:p>
+          <a:p>
+            <a:r>
+              <a:rPr lang="en-US" dirty="0" smtClean="0">
                 <a:latin typeface="Calibri" pitchFamily="34" charset="0"/>
                 <a:cs typeface="Calibri" pitchFamily="34" charset="0"/>
               </a:rPr>
-              <a:t>Management, scheduling, and prioritization of system-level </a:t>
-            </a:r>
-            <a:r>
-              <a:rPr lang="en-US" sz="1800" dirty="0" smtClean="0">
+              <a:t>TI’s Traditional Development Support</a:t>
+            </a:r>
+          </a:p>
+          <a:p>
+            <a:pPr lvl="1"/>
+            <a:r>
+              <a:rPr lang="en-US" dirty="0" smtClean="0">
                 <a:latin typeface="Calibri" pitchFamily="34" charset="0"/>
                 <a:cs typeface="Calibri" pitchFamily="34" charset="0"/>
               </a:rPr>
-              <a:t>memory, processors, and input/output devices to enable </a:t>
-            </a:r>
-            <a:r>
-              <a:rPr lang="en-US" sz="1800" dirty="0" smtClean="0">
+              <a:t>DSP SYS BIOS</a:t>
+            </a:r>
+          </a:p>
+          <a:p>
+            <a:pPr lvl="1"/>
+            <a:r>
+              <a:rPr lang="en-US" dirty="0" smtClean="0">
                 <a:latin typeface="Calibri" pitchFamily="34" charset="0"/>
                 <a:cs typeface="Calibri" pitchFamily="34" charset="0"/>
               </a:rPr>
-              <a:t>multiple processes/threads.</a:t>
-            </a:r>
-          </a:p>
-          <a:p>
-            <a:pPr lvl="1"/>
-            <a:r>
-              <a:rPr lang="en-US" sz="1800" dirty="0" smtClean="0">
+              <a:t>Framework, Utilities, and Drivers</a:t>
+            </a:r>
+          </a:p>
+          <a:p>
+            <a:r>
+              <a:rPr lang="en-US" dirty="0" smtClean="0">
                 <a:latin typeface="Calibri" pitchFamily="34" charset="0"/>
                 <a:cs typeface="Calibri" pitchFamily="34" charset="0"/>
               </a:rPr>
-              <a:t>Standard API (Application Programming Interface) for utilities:</a:t>
-            </a:r>
-            <a:endParaRPr lang="en-US" sz="1800" dirty="0" smtClean="0">
-              <a:latin typeface="Calibri" pitchFamily="34" charset="0"/>
-              <a:cs typeface="Calibri" pitchFamily="34" charset="0"/>
-            </a:endParaRPr>
-          </a:p>
-          <a:p>
-            <a:pPr lvl="2"/>
-            <a:r>
-              <a:rPr lang="en-US" sz="1800" dirty="0" smtClean="0">
+              <a:t>Multicore Development Ecosystem</a:t>
+            </a:r>
+          </a:p>
+          <a:p>
+            <a:pPr lvl="1"/>
+            <a:r>
+              <a:rPr lang="en-US" dirty="0" smtClean="0">
                 <a:latin typeface="Calibri" pitchFamily="34" charset="0"/>
                 <a:cs typeface="Calibri" pitchFamily="34" charset="0"/>
               </a:rPr>
-              <a:t>Print</a:t>
-            </a:r>
-          </a:p>
-          <a:p>
-            <a:pPr lvl="2"/>
-            <a:r>
-              <a:rPr lang="en-US" sz="1800" dirty="0" smtClean="0">
+              <a:t>Code Composer Studio (CCS)</a:t>
+            </a:r>
+          </a:p>
+          <a:p>
+            <a:pPr lvl="1"/>
+            <a:r>
+              <a:rPr lang="en-US" dirty="0" smtClean="0">
                 <a:latin typeface="Calibri" pitchFamily="34" charset="0"/>
                 <a:cs typeface="Calibri" pitchFamily="34" charset="0"/>
               </a:rPr>
-              <a:t>Networking (sockets)</a:t>
-            </a:r>
-          </a:p>
-          <a:p>
-            <a:pPr lvl="2"/>
-            <a:r>
-              <a:rPr lang="en-US" sz="1800" dirty="0" smtClean="0">
-                <a:latin typeface="Calibri" pitchFamily="34" charset="0"/>
-                <a:cs typeface="Calibri" pitchFamily="34" charset="0"/>
-              </a:rPr>
-              <a:t>Monitoring</a:t>
-            </a:r>
-          </a:p>
-          <a:p>
-            <a:pPr lvl="2"/>
-            <a:r>
-              <a:rPr lang="en-US" sz="1800" dirty="0" smtClean="0">
-                <a:latin typeface="Calibri" pitchFamily="34" charset="0"/>
-                <a:cs typeface="Calibri" pitchFamily="34" charset="0"/>
-              </a:rPr>
-              <a:t>And </a:t>
-            </a:r>
-            <a:r>
-              <a:rPr lang="en-US" sz="1800" dirty="0" smtClean="0">
-                <a:latin typeface="Calibri" pitchFamily="34" charset="0"/>
-                <a:cs typeface="Calibri" pitchFamily="34" charset="0"/>
-              </a:rPr>
-              <a:t>many </a:t>
-            </a:r>
-            <a:r>
-              <a:rPr lang="en-US" sz="1800" dirty="0" smtClean="0">
-                <a:latin typeface="Calibri" pitchFamily="34" charset="0"/>
-                <a:cs typeface="Calibri" pitchFamily="34" charset="0"/>
-              </a:rPr>
-              <a:t>more</a:t>
-            </a:r>
-          </a:p>
-          <a:p>
-            <a:pPr lvl="1"/>
-            <a:r>
-              <a:rPr lang="en-US" sz="1800" dirty="0" smtClean="0">
-                <a:latin typeface="Calibri" pitchFamily="34" charset="0"/>
-                <a:cs typeface="Calibri" pitchFamily="34" charset="0"/>
-              </a:rPr>
-              <a:t>Mediates to hide hardware </a:t>
-            </a:r>
-            <a:r>
-              <a:rPr lang="en-US" sz="1800" dirty="0" smtClean="0">
-                <a:latin typeface="Calibri" pitchFamily="34" charset="0"/>
-                <a:cs typeface="Calibri" pitchFamily="34" charset="0"/>
-              </a:rPr>
-              <a:t>and driver details from the application</a:t>
-            </a:r>
-          </a:p>
-          <a:p>
-            <a:r>
-              <a:rPr lang="en-US" sz="2400" dirty="0" smtClean="0">
-                <a:latin typeface="Calibri" pitchFamily="34" charset="0"/>
-                <a:cs typeface="Calibri" pitchFamily="34" charset="0"/>
-              </a:rPr>
-              <a:t>Looking </a:t>
-            </a:r>
-            <a:r>
-              <a:rPr lang="en-US" sz="2400" dirty="0" smtClean="0">
-                <a:latin typeface="Calibri" pitchFamily="34" charset="0"/>
-                <a:cs typeface="Calibri" pitchFamily="34" charset="0"/>
-              </a:rPr>
-              <a:t>under the </a:t>
-            </a:r>
-            <a:r>
-              <a:rPr lang="en-US" sz="2400" dirty="0" smtClean="0">
-                <a:latin typeface="Calibri" pitchFamily="34" charset="0"/>
-                <a:cs typeface="Calibri" pitchFamily="34" charset="0"/>
-              </a:rPr>
-              <a:t>hood, the OS also provides:</a:t>
-            </a:r>
-            <a:endParaRPr lang="en-US" sz="2400" dirty="0" smtClean="0">
-              <a:latin typeface="Calibri" pitchFamily="34" charset="0"/>
-              <a:cs typeface="Calibri" pitchFamily="34" charset="0"/>
-            </a:endParaRPr>
-          </a:p>
-          <a:p>
-            <a:pPr lvl="1"/>
-            <a:r>
-              <a:rPr lang="en-US" sz="1800" dirty="0" smtClean="0">
-                <a:latin typeface="Calibri" pitchFamily="34" charset="0"/>
-                <a:cs typeface="Calibri" pitchFamily="34" charset="0"/>
-              </a:rPr>
-              <a:t>Low level drivers (LLD) to abstract communication with the hardware layer</a:t>
-            </a:r>
-            <a:r>
-              <a:rPr lang="en-US" sz="1800" dirty="0" smtClean="0">
-                <a:latin typeface="Calibri" pitchFamily="34" charset="0"/>
-                <a:cs typeface="Calibri" pitchFamily="34" charset="0"/>
-              </a:rPr>
-              <a:t>, including </a:t>
-            </a:r>
-            <a:r>
-              <a:rPr lang="en-US" sz="1800" dirty="0" smtClean="0">
-                <a:latin typeface="Calibri" pitchFamily="34" charset="0"/>
-                <a:cs typeface="Calibri" pitchFamily="34" charset="0"/>
-              </a:rPr>
-              <a:t>device-specific modules/interfaces (from one or more manufacturers)</a:t>
-            </a:r>
-            <a:endParaRPr lang="en-US" sz="1800" dirty="0" smtClean="0">
-              <a:latin typeface="Calibri" pitchFamily="34" charset="0"/>
-              <a:cs typeface="Calibri" pitchFamily="34" charset="0"/>
-            </a:endParaRPr>
-          </a:p>
-          <a:p>
-            <a:pPr lvl="1"/>
-            <a:r>
-              <a:rPr lang="en-US" sz="1800" dirty="0" smtClean="0">
-                <a:latin typeface="Calibri" pitchFamily="34" charset="0"/>
-                <a:cs typeface="Calibri" pitchFamily="34" charset="0"/>
-              </a:rPr>
-              <a:t>One or more layers of </a:t>
-            </a:r>
-            <a:r>
-              <a:rPr lang="en-US" sz="1800" dirty="0" smtClean="0">
-                <a:latin typeface="Calibri" pitchFamily="34" charset="0"/>
-                <a:cs typeface="Calibri" pitchFamily="34" charset="0"/>
-              </a:rPr>
-              <a:t>utility </a:t>
-            </a:r>
-            <a:r>
-              <a:rPr lang="en-US" sz="1800" dirty="0" smtClean="0">
-                <a:latin typeface="Calibri" pitchFamily="34" charset="0"/>
-                <a:cs typeface="Calibri" pitchFamily="34" charset="0"/>
-              </a:rPr>
-              <a:t>APIs </a:t>
-            </a:r>
-            <a:r>
-              <a:rPr lang="en-US" sz="1800" dirty="0" smtClean="0">
-                <a:latin typeface="Calibri" pitchFamily="34" charset="0"/>
-                <a:cs typeface="Calibri" pitchFamily="34" charset="0"/>
-              </a:rPr>
-              <a:t>(routines, structures, variables, etc.) that </a:t>
-            </a:r>
-            <a:r>
-              <a:rPr lang="en-US" sz="1800" dirty="0" smtClean="0">
-                <a:latin typeface="Calibri" pitchFamily="34" charset="0"/>
-                <a:cs typeface="Calibri" pitchFamily="34" charset="0"/>
-              </a:rPr>
-              <a:t>connect the application to the </a:t>
-            </a:r>
-            <a:r>
-              <a:rPr lang="en-US" sz="1800" dirty="0" smtClean="0">
-                <a:latin typeface="Calibri" pitchFamily="34" charset="0"/>
-                <a:cs typeface="Calibri" pitchFamily="34" charset="0"/>
-              </a:rPr>
-              <a:t>LLD</a:t>
-            </a:r>
-            <a:endParaRPr lang="en-US" sz="1800" dirty="0" smtClean="0">
-              <a:latin typeface="Calibri" pitchFamily="34" charset="0"/>
-              <a:cs typeface="Calibri" pitchFamily="34" charset="0"/>
-            </a:endParaRPr>
-          </a:p>
-          <a:p>
-            <a:r>
-              <a:rPr lang="en-US" sz="2400" dirty="0" smtClean="0">
-                <a:latin typeface="Calibri" pitchFamily="34" charset="0"/>
-                <a:cs typeface="Calibri" pitchFamily="34" charset="0"/>
-              </a:rPr>
-              <a:t>The OS may also include elements that support code development:</a:t>
-            </a:r>
-            <a:endParaRPr lang="en-US" sz="2400" dirty="0" smtClean="0">
-              <a:latin typeface="Calibri" pitchFamily="34" charset="0"/>
-              <a:cs typeface="Calibri" pitchFamily="34" charset="0"/>
-            </a:endParaRPr>
-          </a:p>
-          <a:p>
-            <a:pPr lvl="1"/>
-            <a:r>
-              <a:rPr lang="en-US" sz="1800" dirty="0" smtClean="0">
-                <a:latin typeface="Calibri" pitchFamily="34" charset="0"/>
-                <a:cs typeface="Calibri" pitchFamily="34" charset="0"/>
-              </a:rPr>
-              <a:t>Integrated Development Environment (IDE) tools:</a:t>
-            </a:r>
-          </a:p>
-          <a:p>
-            <a:pPr lvl="2"/>
-            <a:r>
-              <a:rPr lang="en-US" sz="1800" dirty="0" smtClean="0">
-                <a:latin typeface="Calibri" pitchFamily="34" charset="0"/>
-                <a:cs typeface="Calibri" pitchFamily="34" charset="0"/>
-              </a:rPr>
-              <a:t>Source code editing</a:t>
-            </a:r>
-          </a:p>
-          <a:p>
-            <a:pPr lvl="2"/>
-            <a:r>
-              <a:rPr lang="en-US" sz="1800" dirty="0" smtClean="0">
-                <a:latin typeface="Calibri" pitchFamily="34" charset="0"/>
-                <a:cs typeface="Calibri" pitchFamily="34" charset="0"/>
-              </a:rPr>
-              <a:t>Build automation</a:t>
-            </a:r>
-          </a:p>
-          <a:p>
-            <a:pPr lvl="2"/>
-            <a:r>
-              <a:rPr lang="en-US" sz="1800" dirty="0" smtClean="0">
-                <a:latin typeface="Calibri" pitchFamily="34" charset="0"/>
-                <a:cs typeface="Calibri" pitchFamily="34" charset="0"/>
-              </a:rPr>
-              <a:t>Debugging</a:t>
-            </a:r>
-            <a:endParaRPr lang="en-US" sz="1800" dirty="0" smtClean="0">
-              <a:latin typeface="Calibri" pitchFamily="34" charset="0"/>
-              <a:cs typeface="Calibri" pitchFamily="34" charset="0"/>
-            </a:endParaRPr>
-          </a:p>
-          <a:p>
-            <a:pPr lvl="1"/>
-            <a:r>
-              <a:rPr lang="en-US" sz="1800" dirty="0" smtClean="0">
-                <a:latin typeface="Calibri" pitchFamily="34" charset="0"/>
-                <a:cs typeface="Calibri" pitchFamily="34" charset="0"/>
-              </a:rPr>
-              <a:t>Libraries (code, sub-routines, values, etc.)</a:t>
-            </a:r>
-            <a:endParaRPr lang="en-US" sz="1800" dirty="0" smtClean="0">
-              <a:latin typeface="Calibri" pitchFamily="34" charset="0"/>
-              <a:cs typeface="Calibri" pitchFamily="34" charset="0"/>
-            </a:endParaRPr>
-          </a:p>
-        </p:txBody>
-      </p:sp>
-      <p:sp>
-        <p:nvSpPr>
-          <p:cNvPr id="6" name="Rectangle 4"/>
-          <p:cNvSpPr>
-            <a:spLocks noChangeArrowheads="1"/>
-          </p:cNvSpPr>
-          <p:nvPr/>
-        </p:nvSpPr>
-        <p:spPr bwMode="auto">
-          <a:xfrm>
-            <a:off x="6781800" y="2362200"/>
-            <a:ext cx="1981200" cy="381000"/>
-          </a:xfrm>
-          <a:prstGeom prst="rect">
-            <a:avLst/>
-          </a:prstGeom>
-          <a:solidFill>
-            <a:srgbClr val="E6B9B8"/>
-          </a:solidFill>
-          <a:ln w="9525">
-            <a:solidFill>
-              <a:schemeClr val="tx1"/>
-            </a:solidFill>
-            <a:miter lim="800000"/>
-            <a:headEnd/>
-            <a:tailEnd/>
-          </a:ln>
-          <a:effectLst/>
-        </p:spPr>
-        <p:txBody>
-          <a:bodyPr wrap="none" anchor="ctr"/>
-          <a:lstStyle/>
-          <a:p>
-            <a:pPr algn="ctr">
-              <a:defRPr/>
-            </a:pPr>
-            <a:r>
-              <a:rPr lang="en-US" sz="1200" b="1" dirty="0"/>
-              <a:t>Hardware</a:t>
-            </a:r>
-          </a:p>
-        </p:txBody>
-      </p:sp>
-      <p:sp>
-        <p:nvSpPr>
-          <p:cNvPr id="7" name="Rectangle 7"/>
-          <p:cNvSpPr>
-            <a:spLocks noChangeArrowheads="1"/>
-          </p:cNvSpPr>
-          <p:nvPr/>
-        </p:nvSpPr>
-        <p:spPr bwMode="auto">
-          <a:xfrm>
-            <a:off x="6781800" y="1371600"/>
-            <a:ext cx="1981200" cy="457200"/>
-          </a:xfrm>
-          <a:prstGeom prst="rect">
-            <a:avLst/>
-          </a:prstGeom>
-          <a:solidFill>
-            <a:srgbClr val="FFFFCC"/>
-          </a:solidFill>
-          <a:ln w="9525">
-            <a:solidFill>
-              <a:schemeClr val="tx1"/>
-            </a:solidFill>
-            <a:miter lim="800000"/>
-            <a:headEnd/>
-            <a:tailEnd/>
-          </a:ln>
-        </p:spPr>
-        <p:txBody>
-          <a:bodyPr wrap="none" anchor="ctr"/>
-          <a:lstStyle/>
-          <a:p>
-            <a:pPr algn="ctr"/>
-            <a:r>
-              <a:rPr lang="en-US" sz="1200" b="1" dirty="0" smtClean="0"/>
-              <a:t>Operating System</a:t>
-            </a:r>
-            <a:endParaRPr lang="en-US" sz="1200" b="1" dirty="0"/>
-          </a:p>
-        </p:txBody>
-      </p:sp>
-      <p:sp>
-        <p:nvSpPr>
-          <p:cNvPr id="9" name="Rectangle 13"/>
-          <p:cNvSpPr>
-            <a:spLocks noChangeArrowheads="1"/>
-          </p:cNvSpPr>
-          <p:nvPr/>
-        </p:nvSpPr>
-        <p:spPr bwMode="auto">
-          <a:xfrm>
-            <a:off x="6781800" y="914400"/>
-            <a:ext cx="1981200" cy="381000"/>
-          </a:xfrm>
-          <a:prstGeom prst="rect">
-            <a:avLst/>
-          </a:prstGeom>
-          <a:solidFill>
-            <a:schemeClr val="bg1">
-              <a:lumMod val="85000"/>
-            </a:schemeClr>
-          </a:solidFill>
-          <a:ln w="9525">
-            <a:solidFill>
-              <a:schemeClr val="tx1"/>
-            </a:solidFill>
-            <a:miter lim="800000"/>
-            <a:headEnd/>
-            <a:tailEnd/>
-          </a:ln>
-          <a:effectLst/>
-        </p:spPr>
-        <p:txBody>
-          <a:bodyPr wrap="none"/>
-          <a:lstStyle/>
-          <a:p>
-            <a:pPr algn="ctr">
-              <a:defRPr/>
-            </a:pPr>
-            <a:r>
-              <a:rPr lang="en-US" sz="1200" b="1" dirty="0" smtClean="0"/>
-              <a:t>Applications</a:t>
-            </a:r>
-            <a:endParaRPr lang="en-US" sz="1200" dirty="0"/>
-          </a:p>
-        </p:txBody>
-      </p:sp>
-      <p:sp>
-        <p:nvSpPr>
-          <p:cNvPr id="8" name="Rectangle 5"/>
-          <p:cNvSpPr>
-            <a:spLocks noChangeArrowheads="1"/>
-          </p:cNvSpPr>
-          <p:nvPr/>
-        </p:nvSpPr>
-        <p:spPr bwMode="auto">
-          <a:xfrm>
-            <a:off x="6781800" y="1905000"/>
-            <a:ext cx="1995487" cy="381000"/>
-          </a:xfrm>
-          <a:prstGeom prst="rect">
-            <a:avLst/>
-          </a:prstGeom>
-          <a:solidFill>
-            <a:srgbClr val="D7E4BD"/>
-          </a:solidFill>
-          <a:ln w="9525">
-            <a:solidFill>
-              <a:schemeClr val="tx1"/>
-            </a:solidFill>
-            <a:miter lim="800000"/>
-            <a:headEnd/>
-            <a:tailEnd/>
-          </a:ln>
-          <a:effectLst/>
-        </p:spPr>
-        <p:txBody>
-          <a:bodyPr wrap="none" anchor="ctr"/>
-          <a:lstStyle/>
-          <a:p>
-            <a:pPr algn="ctr">
-              <a:defRPr/>
-            </a:pPr>
-            <a:r>
-              <a:rPr lang="en-US" sz="1200" b="1" dirty="0" smtClean="0"/>
-              <a:t>API + LLD</a:t>
-            </a:r>
-            <a:endParaRPr lang="en-US" sz="1200" b="1" dirty="0"/>
+              <a:t>Multicore Software Development Kit </a:t>
+            </a:r>
           </a:p>
         </p:txBody>
       </p:sp>
@@ -26208,19 +25920,19 @@
         </p:nvSpPr>
         <p:spPr>
           <a:xfrm>
-            <a:off x="457200" y="76200"/>
-            <a:ext cx="8229600" cy="868362"/>
+            <a:off x="457200" y="274638"/>
+            <a:ext cx="8229600" cy="487362"/>
           </a:xfrm>
         </p:spPr>
         <p:txBody>
           <a:bodyPr>
-            <a:normAutofit/>
+            <a:normAutofit fontScale="90000"/>
           </a:bodyPr>
           <a:lstStyle/>
           <a:p>
             <a:r>
-              <a:rPr lang="en-US" dirty="0" smtClean="0"/>
-              <a:t>Traditional TI DSP Software Support</a:t>
+              <a:rPr lang="en-US" sz="3600" dirty="0" smtClean="0"/>
+              <a:t>Operating System Basics</a:t>
             </a:r>
             <a:endParaRPr lang="en-US" sz="3600" dirty="0"/>
           </a:p>
@@ -26238,187 +25950,355 @@
         </p:nvSpPr>
         <p:spPr>
           <a:xfrm>
-            <a:off x="457200" y="1066800"/>
-            <a:ext cx="8229600" cy="5105400"/>
+            <a:off x="533400" y="914400"/>
+            <a:ext cx="6172200" cy="5181600"/>
           </a:xfrm>
         </p:spPr>
         <p:txBody>
           <a:bodyPr>
-            <a:normAutofit fontScale="92500" lnSpcReduction="20000"/>
+            <a:normAutofit fontScale="77500" lnSpcReduction="20000"/>
           </a:bodyPr>
           <a:lstStyle/>
           <a:p>
             <a:r>
-              <a:rPr lang="en-US" sz="2400" dirty="0" smtClean="0"/>
-              <a:t>SYS/BIOS (formerly DSP/BIOS) Real-</a:t>
-            </a:r>
-            <a:r>
-              <a:rPr lang="en-US" sz="2400" dirty="0" smtClean="0"/>
-              <a:t>ti</a:t>
-            </a:r>
-            <a:r>
-              <a:rPr lang="en-US" sz="2400" dirty="0" smtClean="0"/>
-              <a:t>me Operating System (RTOS) support for DSP-only and DSP+ARM devices, including:</a:t>
-            </a:r>
-            <a:endParaRPr lang="en-US" sz="2400" dirty="0" smtClean="0"/>
+              <a:rPr lang="en-US" sz="2400" dirty="0" smtClean="0">
+                <a:latin typeface="Calibri" pitchFamily="34" charset="0"/>
+                <a:cs typeface="Calibri" pitchFamily="34" charset="0"/>
+              </a:rPr>
+              <a:t>On the surface, the OS provides:</a:t>
+            </a:r>
           </a:p>
           <a:p>
             <a:pPr lvl="1"/>
             <a:r>
-              <a:rPr lang="en-US" sz="2400" dirty="0" smtClean="0"/>
-              <a:t>Scheduling </a:t>
-            </a:r>
-            <a:r>
-              <a:rPr lang="en-US" sz="2400" dirty="0" smtClean="0"/>
-              <a:t>(hardware/software interrupts, tasks)</a:t>
-            </a:r>
-            <a:endParaRPr lang="en-US" sz="2400" dirty="0" smtClean="0"/>
+              <a:rPr lang="en-US" sz="1800" dirty="0" smtClean="0">
+                <a:latin typeface="Calibri" pitchFamily="34" charset="0"/>
+                <a:cs typeface="Calibri" pitchFamily="34" charset="0"/>
+              </a:rPr>
+              <a:t>Management, scheduling, and prioritization of system-level memory, processors, and input/output devices to enable multiple processes/threads.</a:t>
+            </a:r>
           </a:p>
           <a:p>
             <a:pPr lvl="1"/>
             <a:r>
-              <a:rPr lang="en-US" sz="2400" dirty="0" smtClean="0"/>
-              <a:t>Memory management</a:t>
+              <a:rPr lang="en-US" sz="1800" dirty="0" smtClean="0">
+                <a:latin typeface="Calibri" pitchFamily="34" charset="0"/>
+                <a:cs typeface="Calibri" pitchFamily="34" charset="0"/>
+              </a:rPr>
+              <a:t>Standard API (Application Programming Interface) for utilities:</a:t>
+            </a:r>
+          </a:p>
+          <a:p>
+            <a:pPr lvl="2"/>
+            <a:r>
+              <a:rPr lang="en-US" sz="1800" dirty="0" smtClean="0">
+                <a:latin typeface="Calibri" pitchFamily="34" charset="0"/>
+                <a:cs typeface="Calibri" pitchFamily="34" charset="0"/>
+              </a:rPr>
+              <a:t>Print</a:t>
+            </a:r>
+          </a:p>
+          <a:p>
+            <a:pPr lvl="2"/>
+            <a:r>
+              <a:rPr lang="en-US" sz="1800" dirty="0" smtClean="0">
+                <a:latin typeface="Calibri" pitchFamily="34" charset="0"/>
+                <a:cs typeface="Calibri" pitchFamily="34" charset="0"/>
+              </a:rPr>
+              <a:t>Networking (sockets)</a:t>
+            </a:r>
+          </a:p>
+          <a:p>
+            <a:pPr lvl="2"/>
+            <a:r>
+              <a:rPr lang="en-US" sz="1800" dirty="0" smtClean="0">
+                <a:latin typeface="Calibri" pitchFamily="34" charset="0"/>
+                <a:cs typeface="Calibri" pitchFamily="34" charset="0"/>
+              </a:rPr>
+              <a:t>Monitoring</a:t>
+            </a:r>
+          </a:p>
+          <a:p>
+            <a:pPr lvl="2"/>
+            <a:r>
+              <a:rPr lang="en-US" sz="1800" dirty="0" smtClean="0">
+                <a:latin typeface="Calibri" pitchFamily="34" charset="0"/>
+                <a:cs typeface="Calibri" pitchFamily="34" charset="0"/>
+              </a:rPr>
+              <a:t>And many more</a:t>
             </a:r>
           </a:p>
           <a:p>
             <a:pPr lvl="1"/>
             <a:r>
-              <a:rPr lang="en-US" sz="2400" dirty="0" smtClean="0"/>
-              <a:t>Communications</a:t>
+              <a:rPr lang="en-US" sz="1800" dirty="0" smtClean="0">
+                <a:latin typeface="Calibri" pitchFamily="34" charset="0"/>
+                <a:cs typeface="Calibri" pitchFamily="34" charset="0"/>
+              </a:rPr>
+              <a:t>Mediates to hide hardware and driver details from the application</a:t>
+            </a:r>
+          </a:p>
+          <a:p>
+            <a:r>
+              <a:rPr lang="en-US" sz="2400" dirty="0" smtClean="0">
+                <a:latin typeface="Calibri" pitchFamily="34" charset="0"/>
+                <a:cs typeface="Calibri" pitchFamily="34" charset="0"/>
+              </a:rPr>
+              <a:t>Looking under the hood, the OS also provides:</a:t>
             </a:r>
           </a:p>
           <a:p>
             <a:pPr lvl="1"/>
             <a:r>
-              <a:rPr lang="en-US" sz="2400" dirty="0" smtClean="0"/>
-              <a:t>Performance </a:t>
-            </a:r>
-            <a:r>
-              <a:rPr lang="en-US" sz="2400" dirty="0" smtClean="0"/>
-              <a:t>monitoring</a:t>
-            </a:r>
-          </a:p>
-          <a:p>
-            <a:r>
-              <a:rPr lang="en-US" sz="2400" dirty="0" smtClean="0"/>
-              <a:t>Standard </a:t>
-            </a:r>
-            <a:r>
-              <a:rPr lang="en-US" sz="2400" dirty="0" smtClean="0"/>
-              <a:t>API</a:t>
-            </a:r>
-          </a:p>
-          <a:p>
-            <a:r>
-              <a:rPr lang="en-US" sz="2400" dirty="0" smtClean="0"/>
-              <a:t>O</a:t>
-            </a:r>
-            <a:r>
-              <a:rPr lang="en-US" sz="2400" dirty="0" smtClean="0"/>
-              <a:t>ptimized algorithm libraries</a:t>
-            </a:r>
-            <a:endParaRPr lang="en-US" sz="2000" dirty="0" smtClean="0"/>
-          </a:p>
-          <a:p>
-            <a:r>
-              <a:rPr lang="en-US" sz="2400" dirty="0" smtClean="0"/>
-              <a:t>Framework components</a:t>
-            </a:r>
-            <a:endParaRPr lang="en-US" sz="2400" dirty="0" smtClean="0"/>
+              <a:rPr lang="en-US" sz="1800" dirty="0" smtClean="0">
+                <a:latin typeface="Calibri" pitchFamily="34" charset="0"/>
+                <a:cs typeface="Calibri" pitchFamily="34" charset="0"/>
+              </a:rPr>
+              <a:t>Low level drivers (LLD) to abstract communication with the hardware layer, including device-specific modules/interfaces (from one or more manufacturers)</a:t>
+            </a:r>
           </a:p>
           <a:p>
             <a:pPr lvl="1"/>
             <a:r>
-              <a:rPr lang="en-US" sz="2400" dirty="0" smtClean="0"/>
-              <a:t>Easy access to peripherals and other resources </a:t>
-            </a:r>
-            <a:r>
-              <a:rPr lang="en-US" sz="2400" dirty="0" smtClean="0"/>
-              <a:t>(DMA)</a:t>
-            </a:r>
-            <a:endParaRPr lang="en-US" sz="2400" dirty="0" smtClean="0"/>
+              <a:rPr lang="en-US" sz="1800" dirty="0" smtClean="0">
+                <a:latin typeface="Calibri" pitchFamily="34" charset="0"/>
+                <a:cs typeface="Calibri" pitchFamily="34" charset="0"/>
+              </a:rPr>
+              <a:t>One or more layers of utility APIs (routines, structures, variables, etc.) that connect the application to the LLD</a:t>
+            </a:r>
+          </a:p>
+          <a:p>
+            <a:r>
+              <a:rPr lang="en-US" sz="2400" dirty="0" smtClean="0">
+                <a:latin typeface="Calibri" pitchFamily="34" charset="0"/>
+                <a:cs typeface="Calibri" pitchFamily="34" charset="0"/>
+              </a:rPr>
+              <a:t>The OS may also include elements that support code development:</a:t>
+            </a:r>
           </a:p>
           <a:p>
             <a:pPr lvl="1"/>
             <a:r>
-              <a:rPr lang="en-US" sz="2400" dirty="0" smtClean="0"/>
-              <a:t>Abstracts </a:t>
-            </a:r>
-            <a:r>
-              <a:rPr lang="en-US" sz="2400" dirty="0" smtClean="0"/>
-              <a:t>hardware </a:t>
-            </a:r>
-            <a:r>
-              <a:rPr lang="en-US" sz="2400" dirty="0" smtClean="0"/>
-              <a:t>from </a:t>
-            </a:r>
-            <a:r>
-              <a:rPr lang="en-US" sz="2400" dirty="0" smtClean="0"/>
-              <a:t>the application (CSL)</a:t>
-            </a:r>
-          </a:p>
-          <a:p>
-            <a:r>
-              <a:rPr lang="en-US" sz="2400" dirty="0" smtClean="0"/>
-              <a:t>IDE for single core and multicore devices</a:t>
-            </a:r>
-            <a:endParaRPr lang="en-US" sz="2400" dirty="0" smtClean="0"/>
+              <a:rPr lang="en-US" sz="1800" dirty="0" smtClean="0">
+                <a:latin typeface="Calibri" pitchFamily="34" charset="0"/>
+                <a:cs typeface="Calibri" pitchFamily="34" charset="0"/>
+              </a:rPr>
+              <a:t>Integrated Development Environment (IDE) tools:</a:t>
+            </a:r>
+          </a:p>
+          <a:p>
+            <a:pPr lvl="2"/>
+            <a:r>
+              <a:rPr lang="en-US" sz="1800" dirty="0" smtClean="0">
+                <a:latin typeface="Calibri" pitchFamily="34" charset="0"/>
+                <a:cs typeface="Calibri" pitchFamily="34" charset="0"/>
+              </a:rPr>
+              <a:t>Source code editing</a:t>
+            </a:r>
+          </a:p>
+          <a:p>
+            <a:pPr lvl="2"/>
+            <a:r>
+              <a:rPr lang="en-US" sz="1800" dirty="0" smtClean="0">
+                <a:latin typeface="Calibri" pitchFamily="34" charset="0"/>
+                <a:cs typeface="Calibri" pitchFamily="34" charset="0"/>
+              </a:rPr>
+              <a:t>Build automation</a:t>
+            </a:r>
+          </a:p>
+          <a:p>
+            <a:pPr lvl="2"/>
+            <a:r>
+              <a:rPr lang="en-US" sz="1800" dirty="0" smtClean="0">
+                <a:latin typeface="Calibri" pitchFamily="34" charset="0"/>
+                <a:cs typeface="Calibri" pitchFamily="34" charset="0"/>
+              </a:rPr>
+              <a:t>Debugging</a:t>
+            </a:r>
           </a:p>
           <a:p>
             <a:pPr lvl="1"/>
             <a:r>
-              <a:rPr lang="en-US" dirty="0" smtClean="0"/>
-              <a:t>Code </a:t>
-            </a:r>
-            <a:r>
-              <a:rPr lang="en-US" dirty="0" smtClean="0"/>
-              <a:t>Composer </a:t>
-            </a:r>
-            <a:r>
-              <a:rPr lang="en-US" dirty="0" smtClean="0"/>
-              <a:t>S</a:t>
-            </a:r>
-            <a:r>
-              <a:rPr lang="en-US" dirty="0" smtClean="0"/>
-              <a:t>tudio (CCS)</a:t>
-            </a:r>
-            <a:endParaRPr lang="en-US" dirty="0" smtClean="0"/>
-          </a:p>
-          <a:p>
-            <a:pPr lvl="1"/>
-            <a:r>
-              <a:rPr lang="en-US" dirty="0" smtClean="0"/>
-              <a:t>Code </a:t>
-            </a:r>
-            <a:r>
-              <a:rPr lang="en-US" dirty="0" smtClean="0"/>
-              <a:t>Generation (</a:t>
-            </a:r>
-            <a:r>
-              <a:rPr lang="en-US" dirty="0" err="1" smtClean="0"/>
-              <a:t>CodeGen</a:t>
-            </a:r>
-            <a:r>
-              <a:rPr lang="en-US" dirty="0" smtClean="0"/>
-              <a:t>)</a:t>
-            </a:r>
-            <a:endParaRPr lang="en-US" dirty="0" smtClean="0"/>
-          </a:p>
-          <a:p>
-            <a:pPr lvl="1"/>
-            <a:r>
-              <a:rPr lang="en-US" dirty="0" smtClean="0"/>
-              <a:t>Debug, emulation, monitoring, profiling</a:t>
-            </a:r>
-          </a:p>
-          <a:p>
-            <a:pPr lvl="1"/>
-            <a:endParaRPr lang="en-US" sz="2000" dirty="0" smtClean="0"/>
-          </a:p>
-          <a:p>
-            <a:pPr lvl="1"/>
-            <a:endParaRPr lang="en-US" dirty="0"/>
+              <a:rPr lang="en-US" sz="1800" dirty="0" smtClean="0">
+                <a:latin typeface="Calibri" pitchFamily="34" charset="0"/>
+                <a:cs typeface="Calibri" pitchFamily="34" charset="0"/>
+              </a:rPr>
+              <a:t>Libraries (code, sub-routines, values, etc.)</a:t>
+            </a:r>
+          </a:p>
+        </p:txBody>
+      </p:sp>
+      <p:sp>
+        <p:nvSpPr>
+          <p:cNvPr id="6" name="Rectangle 4"/>
+          <p:cNvSpPr>
+            <a:spLocks noChangeArrowheads="1"/>
+          </p:cNvSpPr>
+          <p:nvPr/>
+        </p:nvSpPr>
+        <p:spPr bwMode="auto">
+          <a:xfrm>
+            <a:off x="6781800" y="2362200"/>
+            <a:ext cx="1981200" cy="381000"/>
+          </a:xfrm>
+          <a:prstGeom prst="rect">
+            <a:avLst/>
+          </a:prstGeom>
+          <a:solidFill>
+            <a:srgbClr val="E6B9B8"/>
+          </a:solidFill>
+          <a:ln w="9525">
+            <a:solidFill>
+              <a:schemeClr val="tx1"/>
+            </a:solidFill>
+            <a:miter lim="800000"/>
+            <a:headEnd/>
+            <a:tailEnd/>
+          </a:ln>
+          <a:effectLst/>
+        </p:spPr>
+        <p:txBody>
+          <a:bodyPr wrap="none" anchor="ctr"/>
+          <a:lstStyle/>
+          <a:p>
+            <a:pPr algn="ctr">
+              <a:defRPr/>
+            </a:pPr>
+            <a:r>
+              <a:rPr lang="en-US" sz="1200" b="1" dirty="0"/>
+              <a:t>Hardware</a:t>
+            </a:r>
+          </a:p>
+        </p:txBody>
+      </p:sp>
+      <p:sp>
+        <p:nvSpPr>
+          <p:cNvPr id="7" name="Rectangle 7"/>
+          <p:cNvSpPr>
+            <a:spLocks noChangeArrowheads="1"/>
+          </p:cNvSpPr>
+          <p:nvPr/>
+        </p:nvSpPr>
+        <p:spPr bwMode="auto">
+          <a:xfrm>
+            <a:off x="6781800" y="1371600"/>
+            <a:ext cx="1981200" cy="457200"/>
+          </a:xfrm>
+          <a:prstGeom prst="rect">
+            <a:avLst/>
+          </a:prstGeom>
+          <a:solidFill>
+            <a:srgbClr val="FFFFCC"/>
+          </a:solidFill>
+          <a:ln w="9525">
+            <a:solidFill>
+              <a:schemeClr val="tx1"/>
+            </a:solidFill>
+            <a:miter lim="800000"/>
+            <a:headEnd/>
+            <a:tailEnd/>
+          </a:ln>
+        </p:spPr>
+        <p:txBody>
+          <a:bodyPr wrap="none" anchor="ctr"/>
+          <a:lstStyle/>
+          <a:p>
+            <a:pPr algn="ctr"/>
+            <a:r>
+              <a:rPr lang="en-US" sz="1200" b="1" dirty="0" smtClean="0"/>
+              <a:t>Operating System</a:t>
+            </a:r>
+            <a:endParaRPr lang="en-US" sz="1200" b="1" dirty="0"/>
+          </a:p>
+        </p:txBody>
+      </p:sp>
+      <p:sp>
+        <p:nvSpPr>
+          <p:cNvPr id="9" name="Rectangle 13"/>
+          <p:cNvSpPr>
+            <a:spLocks noChangeArrowheads="1"/>
+          </p:cNvSpPr>
+          <p:nvPr/>
+        </p:nvSpPr>
+        <p:spPr bwMode="auto">
+          <a:xfrm>
+            <a:off x="6781800" y="914400"/>
+            <a:ext cx="1981200" cy="381000"/>
+          </a:xfrm>
+          <a:prstGeom prst="rect">
+            <a:avLst/>
+          </a:prstGeom>
+          <a:solidFill>
+            <a:schemeClr val="bg1">
+              <a:lumMod val="85000"/>
+            </a:schemeClr>
+          </a:solidFill>
+          <a:ln w="9525">
+            <a:solidFill>
+              <a:schemeClr val="tx1"/>
+            </a:solidFill>
+            <a:miter lim="800000"/>
+            <a:headEnd/>
+            <a:tailEnd/>
+          </a:ln>
+          <a:effectLst/>
+        </p:spPr>
+        <p:txBody>
+          <a:bodyPr wrap="none"/>
+          <a:lstStyle/>
+          <a:p>
+            <a:pPr algn="ctr">
+              <a:defRPr/>
+            </a:pPr>
+            <a:r>
+              <a:rPr lang="en-US" sz="1200" b="1" dirty="0" smtClean="0"/>
+              <a:t>Applications</a:t>
+            </a:r>
+            <a:endParaRPr lang="en-US" sz="1200" dirty="0"/>
+          </a:p>
+        </p:txBody>
+      </p:sp>
+      <p:sp>
+        <p:nvSpPr>
+          <p:cNvPr id="8" name="Rectangle 5"/>
+          <p:cNvSpPr>
+            <a:spLocks noChangeArrowheads="1"/>
+          </p:cNvSpPr>
+          <p:nvPr/>
+        </p:nvSpPr>
+        <p:spPr bwMode="auto">
+          <a:xfrm>
+            <a:off x="6781800" y="1905000"/>
+            <a:ext cx="1995487" cy="381000"/>
+          </a:xfrm>
+          <a:prstGeom prst="rect">
+            <a:avLst/>
+          </a:prstGeom>
+          <a:solidFill>
+            <a:srgbClr val="D7E4BD"/>
+          </a:solidFill>
+          <a:ln w="9525">
+            <a:solidFill>
+              <a:schemeClr val="tx1"/>
+            </a:solidFill>
+            <a:miter lim="800000"/>
+            <a:headEnd/>
+            <a:tailEnd/>
+          </a:ln>
+          <a:effectLst/>
+        </p:spPr>
+        <p:txBody>
+          <a:bodyPr wrap="none" anchor="ctr"/>
+          <a:lstStyle/>
+          <a:p>
+            <a:pPr algn="ctr">
+              <a:defRPr/>
+            </a:pPr>
+            <a:r>
+              <a:rPr lang="en-US" sz="1200" b="1" dirty="0" smtClean="0"/>
+              <a:t>API + LLD</a:t>
+            </a:r>
+            <a:endParaRPr lang="en-US" sz="1200" b="1" dirty="0"/>
           </a:p>
         </p:txBody>
       </p:sp>
@@ -26466,6 +26346,201 @@
         </p:nvSpPr>
         <p:spPr>
           <a:xfrm>
+            <a:off x="457200" y="76200"/>
+            <a:ext cx="8229600" cy="868362"/>
+          </a:xfrm>
+        </p:spPr>
+        <p:txBody>
+          <a:bodyPr>
+            <a:normAutofit/>
+          </a:bodyPr>
+          <a:lstStyle/>
+          <a:p>
+            <a:r>
+              <a:rPr lang="en-US" dirty="0" smtClean="0"/>
+              <a:t>Traditional TI DSP Software Support</a:t>
+            </a:r>
+            <a:endParaRPr lang="en-US" sz="3600" dirty="0"/>
+          </a:p>
+        </p:txBody>
+      </p:sp>
+      <p:sp>
+        <p:nvSpPr>
+          <p:cNvPr id="5" name="Content Placeholder 4"/>
+          <p:cNvSpPr>
+            <a:spLocks noGrp="1"/>
+          </p:cNvSpPr>
+          <p:nvPr>
+            <p:ph idx="1"/>
+          </p:nvPr>
+        </p:nvSpPr>
+        <p:spPr>
+          <a:xfrm>
+            <a:off x="457200" y="1066800"/>
+            <a:ext cx="8229600" cy="5105400"/>
+          </a:xfrm>
+        </p:spPr>
+        <p:txBody>
+          <a:bodyPr>
+            <a:normAutofit fontScale="92500" lnSpcReduction="20000"/>
+          </a:bodyPr>
+          <a:lstStyle/>
+          <a:p>
+            <a:r>
+              <a:rPr lang="en-US" sz="2400" dirty="0" smtClean="0"/>
+              <a:t>SYS/BIOS (formerly DSP/BIOS) Real-time Operating System (RTOS) support for DSP-only and DSP+ARM devices, including:</a:t>
+            </a:r>
+          </a:p>
+          <a:p>
+            <a:pPr lvl="1"/>
+            <a:r>
+              <a:rPr lang="en-US" sz="2400" dirty="0" smtClean="0"/>
+              <a:t>Scheduling (hardware/software interrupts, tasks)</a:t>
+            </a:r>
+          </a:p>
+          <a:p>
+            <a:pPr lvl="1"/>
+            <a:r>
+              <a:rPr lang="en-US" sz="2400" dirty="0" smtClean="0"/>
+              <a:t>Memory management</a:t>
+            </a:r>
+          </a:p>
+          <a:p>
+            <a:pPr lvl="1"/>
+            <a:r>
+              <a:rPr lang="en-US" sz="2400" dirty="0" smtClean="0"/>
+              <a:t>Communications</a:t>
+            </a:r>
+          </a:p>
+          <a:p>
+            <a:pPr lvl="1"/>
+            <a:r>
+              <a:rPr lang="en-US" sz="2400" dirty="0" smtClean="0"/>
+              <a:t>Performance monitoring</a:t>
+            </a:r>
+          </a:p>
+          <a:p>
+            <a:r>
+              <a:rPr lang="en-US" sz="2400" dirty="0" smtClean="0"/>
+              <a:t>Standard API</a:t>
+            </a:r>
+          </a:p>
+          <a:p>
+            <a:r>
+              <a:rPr lang="en-US" sz="2400" dirty="0" smtClean="0"/>
+              <a:t>Optimized algorithm libraries</a:t>
+            </a:r>
+            <a:endParaRPr lang="en-US" sz="2000" dirty="0" smtClean="0"/>
+          </a:p>
+          <a:p>
+            <a:r>
+              <a:rPr lang="en-US" sz="2400" dirty="0" smtClean="0"/>
+              <a:t>Framework components</a:t>
+            </a:r>
+          </a:p>
+          <a:p>
+            <a:pPr lvl="1"/>
+            <a:r>
+              <a:rPr lang="en-US" sz="2400" dirty="0" smtClean="0"/>
+              <a:t>Easy access to peripherals and other resources (DMA)</a:t>
+            </a:r>
+          </a:p>
+          <a:p>
+            <a:pPr lvl="1"/>
+            <a:r>
+              <a:rPr lang="en-US" sz="2400" dirty="0" smtClean="0"/>
+              <a:t>Abstracts hardware from the application (CSL)</a:t>
+            </a:r>
+          </a:p>
+          <a:p>
+            <a:r>
+              <a:rPr lang="en-US" sz="2400" dirty="0" smtClean="0"/>
+              <a:t>IDE for single core and multicore devices</a:t>
+            </a:r>
+          </a:p>
+          <a:p>
+            <a:pPr lvl="1"/>
+            <a:r>
+              <a:rPr lang="en-US" dirty="0" smtClean="0"/>
+              <a:t>Code Composer Studio (CCS)</a:t>
+            </a:r>
+          </a:p>
+          <a:p>
+            <a:pPr lvl="1"/>
+            <a:r>
+              <a:rPr lang="en-US" dirty="0" smtClean="0"/>
+              <a:t>Code Generation (</a:t>
+            </a:r>
+            <a:r>
+              <a:rPr lang="en-US" dirty="0" err="1" smtClean="0"/>
+              <a:t>CodeGen</a:t>
+            </a:r>
+            <a:r>
+              <a:rPr lang="en-US" dirty="0" smtClean="0"/>
+              <a:t>)</a:t>
+            </a:r>
+          </a:p>
+          <a:p>
+            <a:pPr lvl="1"/>
+            <a:r>
+              <a:rPr lang="en-US" dirty="0" smtClean="0"/>
+              <a:t>Debug, emulation, monitoring, profiling</a:t>
+            </a:r>
+          </a:p>
+          <a:p>
+            <a:pPr lvl="1"/>
+            <a:endParaRPr lang="en-US" sz="2000" dirty="0" smtClean="0"/>
+          </a:p>
+          <a:p>
+            <a:pPr lvl="1"/>
+            <a:endParaRPr lang="en-US" dirty="0"/>
+          </a:p>
+        </p:txBody>
+      </p:sp>
+    </p:spTree>
+  </p:cSld>
+  <p:clrMapOvr>
+    <a:masterClrMapping/>
+  </p:clrMapOvr>
+  <p:timing>
+    <p:tnLst>
+      <p:par>
+        <p:cTn id="1" dur="indefinite" restart="never" nodeType="tmRoot"/>
+      </p:par>
+    </p:tnLst>
+  </p:timing>
+</p:sld>
+</file>
+
+<file path=ppt/slides/slide6.xml><?xml version="1.0" encoding="utf-8"?>
+<p:sld xmlns:a="http://schemas.openxmlformats.org/drawingml/2006/main" xmlns:r="http://schemas.openxmlformats.org/officeDocument/2006/relationships" xmlns:p="http://schemas.openxmlformats.org/presentationml/2006/main">
+  <p:cSld>
+    <p:spTree>
+      <p:nvGrpSpPr>
+        <p:cNvPr id="1" name=""/>
+        <p:cNvGrpSpPr/>
+        <p:nvPr/>
+      </p:nvGrpSpPr>
+      <p:grpSpPr>
+        <a:xfrm>
+          <a:off x="0" y="0"/>
+          <a:ext cx="0" cy="0"/>
+          <a:chOff x="0" y="0"/>
+          <a:chExt cx="0" cy="0"/>
+        </a:xfrm>
+      </p:grpSpPr>
+      <p:sp>
+        <p:nvSpPr>
+          <p:cNvPr id="4" name="Title 3"/>
+          <p:cNvSpPr>
+            <a:spLocks noGrp="1"/>
+          </p:cNvSpPr>
+          <p:nvPr>
+            <p:ph type="title"/>
+          </p:nvPr>
+        </p:nvSpPr>
+        <p:spPr>
+          <a:xfrm>
             <a:off x="457200" y="274638"/>
             <a:ext cx="8229600" cy="868362"/>
           </a:xfrm>
@@ -26512,11 +26587,7 @@
           <a:p>
             <a:r>
               <a:rPr lang="en-US" sz="2400" dirty="0" smtClean="0"/>
-              <a:t> </a:t>
-            </a:r>
-            <a:r>
-              <a:rPr lang="en-US" sz="2400" dirty="0" smtClean="0"/>
-              <a:t>TI’s KeyStone </a:t>
+              <a:t> TI’s KeyStone </a:t>
             </a:r>
             <a:r>
               <a:rPr lang="en-US" sz="2400" dirty="0" err="1" smtClean="0"/>
@@ -26526,19 +26597,13 @@
               <a:rPr lang="en-US" sz="2400" dirty="0" smtClean="0"/>
               <a:t> devices offer many advantages:</a:t>
             </a:r>
-            <a:endParaRPr lang="en-US" sz="2400" dirty="0" smtClean="0"/>
           </a:p>
           <a:p>
             <a:pPr lvl="1"/>
             <a:r>
               <a:rPr lang="en-US" sz="2000" dirty="0" smtClean="0"/>
-              <a:t>Advanced core </a:t>
-            </a:r>
-            <a:r>
-              <a:rPr lang="en-US" sz="2000" dirty="0" smtClean="0"/>
-              <a:t>performance</a:t>
-            </a:r>
-            <a:endParaRPr lang="en-US" sz="2000" dirty="0" smtClean="0"/>
+              <a:t>Advanced core performance</a:t>
+            </a:r>
           </a:p>
           <a:p>
             <a:pPr lvl="1"/>
@@ -26546,21 +26611,12 @@
               <a:rPr lang="en-US" sz="2000" dirty="0" smtClean="0"/>
               <a:t>Distributed memory architecture</a:t>
             </a:r>
-            <a:endParaRPr lang="en-US" sz="2000" dirty="0" smtClean="0"/>
           </a:p>
           <a:p>
             <a:pPr lvl="1"/>
             <a:r>
               <a:rPr lang="en-US" sz="2000" dirty="0" smtClean="0"/>
-              <a:t>Multiple </a:t>
-            </a:r>
-            <a:r>
-              <a:rPr lang="en-US" sz="2000" dirty="0" smtClean="0"/>
-              <a:t>peripherals and </a:t>
-            </a:r>
-            <a:r>
-              <a:rPr lang="en-US" sz="2000" dirty="0" smtClean="0"/>
-              <a:t>co-processors</a:t>
+              <a:t>Multiple peripherals and co-processors</a:t>
             </a:r>
           </a:p>
           <a:p>
@@ -26569,16 +26625,11 @@
               <a:rPr lang="en-US" sz="2000" dirty="0" smtClean="0"/>
               <a:t>High-speed transport mechanisms</a:t>
             </a:r>
-            <a:endParaRPr lang="en-US" sz="2000" dirty="0" smtClean="0"/>
           </a:p>
           <a:p>
             <a:r>
               <a:rPr lang="en-US" sz="2400" dirty="0" smtClean="0"/>
-              <a:t>The </a:t>
-            </a:r>
-            <a:r>
-              <a:rPr lang="en-US" sz="2400" dirty="0" smtClean="0"/>
-              <a:t>challenge: </a:t>
+              <a:t>The challenge: </a:t>
             </a:r>
             <a:r>
               <a:rPr lang="en-US" sz="2400" dirty="0" smtClean="0">
@@ -26586,29 +26637,8 @@
                   <a:srgbClr val="0070C0"/>
                 </a:solidFill>
               </a:rPr>
-              <a:t>How to simplify programming and development of </a:t>
-            </a:r>
-            <a:r>
-              <a:rPr lang="en-US" sz="2400" dirty="0" smtClean="0">
-                <a:solidFill>
-                  <a:srgbClr val="0070C0"/>
-                </a:solidFill>
-              </a:rPr>
-              <a:t>optimized </a:t>
-            </a:r>
-            <a:r>
-              <a:rPr lang="en-US" sz="2400" dirty="0" smtClean="0">
-                <a:solidFill>
-                  <a:srgbClr val="0070C0"/>
-                </a:solidFill>
-              </a:rPr>
-              <a:t>applications on KeyStone devices?</a:t>
-            </a:r>
-            <a:endParaRPr lang="en-US" sz="2400" dirty="0" smtClean="0">
-              <a:solidFill>
-                <a:srgbClr val="0070C0"/>
-              </a:solidFill>
-            </a:endParaRPr>
+              <a:t>How to simplify programming and development of optimized applications on KeyStone devices?</a:t>
+            </a:r>
           </a:p>
           <a:p>
             <a:pPr>
@@ -26633,7 +26663,7 @@
 </p:sld>
 </file>
 
-<file path=ppt/slides/slide6.xml><?xml version="1.0" encoding="utf-8"?>
+<file path=ppt/slides/slide7.xml><?xml version="1.0" encoding="utf-8"?>
 <p:sld xmlns:a="http://schemas.openxmlformats.org/drawingml/2006/main" xmlns:r="http://schemas.openxmlformats.org/officeDocument/2006/relationships" xmlns:p="http://schemas.openxmlformats.org/presentationml/2006/main">
   <p:cSld>
     <p:spTree>
@@ -27746,11 +27776,7 @@
             <a:pPr eaLnBrk="1" hangingPunct="1"/>
             <a:r>
               <a:rPr lang="en-US" sz="3200" b="1" dirty="0" smtClean="0"/>
-              <a:t>TI Software </a:t>
-            </a:r>
-            <a:r>
-              <a:rPr lang="en-US" sz="3200" b="1" dirty="0" smtClean="0"/>
-              <a:t>Development Ecosystem</a:t>
+              <a:t>TI Software Development Ecosystem</a:t>
             </a:r>
             <a:r>
               <a:rPr lang="en-US" b="1" dirty="0" smtClean="0"/>
@@ -27848,232 +27874,6 @@
     <p:custDataLst>
       <p:tags r:id="rId1"/>
     </p:custDataLst>
-  </p:cSld>
-  <p:clrMapOvr>
-    <a:masterClrMapping/>
-  </p:clrMapOvr>
-  <p:timing>
-    <p:tnLst>
-      <p:par>
-        <p:cTn id="1" dur="indefinite" restart="never" nodeType="tmRoot"/>
-      </p:par>
-    </p:tnLst>
-  </p:timing>
-</p:sld>
-</file>
-
-<file path=ppt/slides/slide7.xml><?xml version="1.0" encoding="utf-8"?>
-<p:sld xmlns:a="http://schemas.openxmlformats.org/drawingml/2006/main" xmlns:r="http://schemas.openxmlformats.org/officeDocument/2006/relationships" xmlns:p="http://schemas.openxmlformats.org/presentationml/2006/main">
-  <p:cSld>
-    <p:spTree>
-      <p:nvGrpSpPr>
-        <p:cNvPr id="1" name=""/>
-        <p:cNvGrpSpPr/>
-        <p:nvPr/>
-      </p:nvGrpSpPr>
-      <p:grpSpPr>
-        <a:xfrm>
-          <a:off x="0" y="0"/>
-          <a:ext cx="0" cy="0"/>
-          <a:chOff x="0" y="0"/>
-          <a:chExt cx="0" cy="0"/>
-        </a:xfrm>
-      </p:grpSpPr>
-      <p:sp>
-        <p:nvSpPr>
-          <p:cNvPr id="4" name="Title 3"/>
-          <p:cNvSpPr>
-            <a:spLocks noGrp="1"/>
-          </p:cNvSpPr>
-          <p:nvPr>
-            <p:ph type="title"/>
-          </p:nvPr>
-        </p:nvSpPr>
-        <p:spPr>
-          <a:xfrm>
-            <a:off x="457200" y="274638"/>
-            <a:ext cx="8229600" cy="563562"/>
-          </a:xfrm>
-        </p:spPr>
-        <p:txBody>
-          <a:bodyPr>
-            <a:noAutofit/>
-          </a:bodyPr>
-          <a:lstStyle/>
-          <a:p>
-            <a:r>
-              <a:rPr lang="en-US" sz="3600" dirty="0" smtClean="0"/>
-              <a:t>Eclipse-based IDE Advantages</a:t>
-            </a:r>
-            <a:endParaRPr lang="en-US" sz="3600" dirty="0"/>
-          </a:p>
-        </p:txBody>
-      </p:sp>
-      <p:sp>
-        <p:nvSpPr>
-          <p:cNvPr id="5" name="Content Placeholder 4"/>
-          <p:cNvSpPr>
-            <a:spLocks noGrp="1"/>
-          </p:cNvSpPr>
-          <p:nvPr>
-            <p:ph idx="1"/>
-          </p:nvPr>
-        </p:nvSpPr>
-        <p:spPr/>
-        <p:txBody>
-          <a:bodyPr>
-            <a:normAutofit/>
-          </a:bodyPr>
-          <a:lstStyle/>
-          <a:p>
-            <a:r>
-              <a:rPr lang="en-US" sz="2400" dirty="0" smtClean="0"/>
-              <a:t>Eclipse-based CCS </a:t>
-            </a:r>
-            <a:r>
-              <a:rPr lang="en-US" sz="2400" dirty="0" smtClean="0"/>
-              <a:t>supports </a:t>
-            </a:r>
-            <a:r>
-              <a:rPr lang="en-US" sz="2400" dirty="0" smtClean="0"/>
-              <a:t>application development on multiple cores/devices:</a:t>
-            </a:r>
-            <a:endParaRPr lang="en-US" sz="2400" dirty="0" smtClean="0"/>
-          </a:p>
-          <a:p>
-            <a:pPr lvl="1"/>
-            <a:r>
-              <a:rPr lang="en-US" sz="2000" dirty="0" smtClean="0"/>
-              <a:t>Multiple </a:t>
-            </a:r>
-            <a:r>
-              <a:rPr lang="en-US" sz="2000" dirty="0" smtClean="0"/>
-              <a:t>perspectives (default and custom)</a:t>
-            </a:r>
-            <a:endParaRPr lang="en-US" sz="2000" dirty="0" smtClean="0"/>
-          </a:p>
-          <a:p>
-            <a:pPr lvl="1"/>
-            <a:r>
-              <a:rPr lang="en-US" sz="2000" dirty="0" smtClean="0"/>
-              <a:t>Three </a:t>
-            </a:r>
-            <a:r>
-              <a:rPr lang="en-US" sz="2000" dirty="0" smtClean="0"/>
-              <a:t>debug operation modes</a:t>
-            </a:r>
-          </a:p>
-          <a:p>
-            <a:pPr lvl="1"/>
-            <a:r>
-              <a:rPr lang="en-US" sz="2000" dirty="0" smtClean="0"/>
-              <a:t>Advance debugging, </a:t>
-            </a:r>
-            <a:r>
-              <a:rPr lang="en-US" sz="2000" dirty="0" smtClean="0"/>
-              <a:t>monitoring, </a:t>
-            </a:r>
-            <a:r>
-              <a:rPr lang="en-US" sz="2000" dirty="0" smtClean="0"/>
-              <a:t>and profiling </a:t>
-            </a:r>
-          </a:p>
-          <a:p>
-            <a:r>
-              <a:rPr lang="en-US" sz="2400" dirty="0" smtClean="0"/>
-              <a:t>Optimized compiler/optimizer/assembler/linker</a:t>
-            </a:r>
-          </a:p>
-          <a:p>
-            <a:r>
-              <a:rPr lang="en-US" sz="2400" dirty="0" smtClean="0"/>
-              <a:t>Support for </a:t>
-            </a:r>
-            <a:r>
-              <a:rPr lang="en-US" sz="2400" dirty="0" err="1" smtClean="0"/>
-              <a:t>O</a:t>
-            </a:r>
-            <a:r>
-              <a:rPr lang="en-US" sz="2400" dirty="0" err="1" smtClean="0"/>
-              <a:t>penMP</a:t>
-            </a:r>
-            <a:r>
-              <a:rPr lang="en-US" sz="2400" dirty="0" smtClean="0"/>
-              <a:t> (Open Multi-Processing) API </a:t>
-            </a:r>
-          </a:p>
-          <a:p>
-            <a:r>
-              <a:rPr lang="en-US" sz="2400" dirty="0" smtClean="0"/>
-              <a:t>Enables addition of third-party plug-ins</a:t>
-            </a:r>
-            <a:endParaRPr lang="en-US" sz="2400" dirty="0" smtClean="0"/>
-          </a:p>
-          <a:p>
-            <a:r>
-              <a:rPr lang="en-US" sz="2400" dirty="0" smtClean="0"/>
-              <a:t>Multiple </a:t>
-            </a:r>
-            <a:r>
-              <a:rPr lang="en-US" sz="2400" dirty="0" smtClean="0"/>
-              <a:t>configurations </a:t>
-            </a:r>
-            <a:r>
-              <a:rPr lang="en-US" sz="2400" dirty="0" smtClean="0"/>
-              <a:t>allow a single </a:t>
-            </a:r>
-            <a:r>
-              <a:rPr lang="en-US" sz="2400" dirty="0" smtClean="0"/>
-              <a:t>executable or multiple </a:t>
-            </a:r>
-            <a:r>
-              <a:rPr lang="en-US" sz="2400" dirty="0" smtClean="0"/>
-              <a:t>executables to be generated </a:t>
-            </a:r>
-            <a:r>
-              <a:rPr lang="en-US" sz="2400" dirty="0" smtClean="0"/>
-              <a:t>for the same </a:t>
-            </a:r>
-            <a:r>
-              <a:rPr lang="en-US" sz="2400" dirty="0" smtClean="0"/>
-              <a:t>project.</a:t>
-            </a:r>
-            <a:endParaRPr lang="en-US" sz="2400" dirty="0" smtClean="0"/>
-          </a:p>
-          <a:p>
-            <a:r>
-              <a:rPr lang="en-US" sz="2400" dirty="0" smtClean="0"/>
-              <a:t>GUI interface for </a:t>
-            </a:r>
-            <a:r>
-              <a:rPr lang="en-US" sz="2400" dirty="0" smtClean="0"/>
-              <a:t>SYS/BIOS</a:t>
-            </a:r>
-            <a:r>
-              <a:rPr lang="en-US" sz="2400" dirty="0" smtClean="0"/>
-              <a:t>, project-based </a:t>
-            </a:r>
-            <a:r>
-              <a:rPr lang="en-US" sz="2400" dirty="0" smtClean="0"/>
-              <a:t>system to build drivers and utilities for </a:t>
-            </a:r>
-            <a:r>
-              <a:rPr lang="en-US" sz="2400" dirty="0" smtClean="0"/>
-              <a:t>developer’s target </a:t>
-            </a:r>
-            <a:r>
-              <a:rPr lang="en-US" sz="2400" dirty="0" smtClean="0"/>
-              <a:t>platform</a:t>
-            </a:r>
-            <a:r>
-              <a:rPr lang="en-US" sz="2400" dirty="0" smtClean="0"/>
-              <a:t>.</a:t>
-            </a:r>
-            <a:endParaRPr lang="en-US" sz="2400" dirty="0"/>
-          </a:p>
-        </p:txBody>
-      </p:sp>
-    </p:spTree>
   </p:cSld>
   <p:clrMapOvr>
     <a:masterClrMapping/>
@@ -28128,12 +27928,8 @@
           <a:lstStyle/>
           <a:p>
             <a:r>
-              <a:rPr lang="en-US" sz="3600" smtClean="0"/>
-              <a:t>Multicore Development </a:t>
-            </a:r>
-            <a:r>
               <a:rPr lang="en-US" sz="3600" dirty="0" smtClean="0"/>
-              <a:t>Requirements</a:t>
+              <a:t>Eclipse-based IDE Advantages</a:t>
             </a:r>
             <a:endParaRPr lang="en-US" sz="3600" dirty="0"/>
           </a:p>
@@ -28149,152 +27945,75 @@
             <p:ph idx="1"/>
           </p:nvPr>
         </p:nvSpPr>
-        <p:spPr>
-          <a:xfrm>
-            <a:off x="457200" y="990600"/>
-            <a:ext cx="8229600" cy="5334000"/>
-          </a:xfrm>
-        </p:spPr>
+        <p:spPr/>
         <p:txBody>
           <a:bodyPr>
-            <a:normAutofit lnSpcReduction="10000"/>
+            <a:normAutofit/>
           </a:bodyPr>
           <a:lstStyle/>
           <a:p>
             <a:r>
               <a:rPr lang="en-US" sz="2400" dirty="0" smtClean="0"/>
-              <a:t>Standard set of APIs </a:t>
-            </a:r>
+              <a:t>Eclipse-based CCS supports application development on multiple cores/devices:</a:t>
+            </a:r>
+          </a:p>
+          <a:p>
+            <a:pPr lvl="1"/>
+            <a:r>
+              <a:rPr lang="en-US" sz="2000" dirty="0" smtClean="0"/>
+              <a:t>Multiple perspectives (default and custom)</a:t>
+            </a:r>
+          </a:p>
+          <a:p>
+            <a:pPr lvl="1"/>
+            <a:r>
+              <a:rPr lang="en-US" sz="2000" dirty="0" smtClean="0"/>
+              <a:t>Three debug operation modes</a:t>
+            </a:r>
+          </a:p>
+          <a:p>
+            <a:pPr lvl="1"/>
+            <a:r>
+              <a:rPr lang="en-US" sz="2000" dirty="0" smtClean="0"/>
+              <a:t>Advance debugging, monitoring, and profiling </a:t>
+            </a:r>
+          </a:p>
+          <a:p>
             <a:r>
               <a:rPr lang="en-US" sz="2400" dirty="0" smtClean="0"/>
-              <a:t>to </a:t>
-            </a:r>
+              <a:t>Optimized compiler/optimizer/assembler/linker</a:t>
+            </a:r>
+          </a:p>
+          <a:p>
             <a:r>
               <a:rPr lang="en-US" sz="2400" dirty="0" smtClean="0"/>
-              <a:t>configure and utilize peripherals, </a:t>
+              <a:t>Support for </a:t>
+            </a:r>
+            <a:r>
+              <a:rPr lang="en-US" sz="2400" dirty="0" err="1" smtClean="0"/>
+              <a:t>OpenMP</a:t>
             </a:r>
             <a:r>
               <a:rPr lang="en-US" sz="2400" dirty="0" smtClean="0"/>
-              <a:t>accelerators and other hardware </a:t>
-            </a:r>
+              <a:t> (Open Multi-Processing) API </a:t>
+            </a:r>
+          </a:p>
+          <a:p>
             <a:r>
               <a:rPr lang="en-US" sz="2400" dirty="0" smtClean="0"/>
-              <a:t>resources</a:t>
+              <a:t>Enables addition of third-party plug-ins</a:t>
             </a:r>
           </a:p>
           <a:p>
             <a:r>
               <a:rPr lang="en-US" sz="2400" dirty="0" smtClean="0"/>
-              <a:t>Compliant implementation of packet- and network-based protocols </a:t>
-            </a:r>
-            <a:endParaRPr lang="en-US" sz="2400" dirty="0" smtClean="0"/>
+              <a:t>Multiple configurations allow a single executable or multiple executables to be generated for the same project.</a:t>
+            </a:r>
           </a:p>
           <a:p>
             <a:r>
               <a:rPr lang="en-US" sz="2400" dirty="0" smtClean="0"/>
-              <a:t>Utilities to boot</a:t>
-            </a:r>
-            <a:r>
-              <a:rPr lang="en-US" sz="2400" dirty="0" smtClean="0"/>
-              <a:t>, test, </a:t>
-            </a:r>
-            <a:r>
-              <a:rPr lang="en-US" sz="2400" dirty="0" smtClean="0"/>
-              <a:t>debug, </a:t>
-            </a:r>
-            <a:r>
-              <a:rPr lang="en-US" sz="2400" dirty="0" smtClean="0"/>
-              <a:t>and monitor </a:t>
-            </a:r>
-            <a:r>
-              <a:rPr lang="en-US" sz="2400" dirty="0" smtClean="0"/>
-              <a:t>execution</a:t>
-            </a:r>
-            <a:endParaRPr lang="en-US" sz="2400" dirty="0" smtClean="0"/>
-          </a:p>
-          <a:p>
-            <a:r>
-              <a:rPr lang="en-US" sz="2400" dirty="0" smtClean="0"/>
-              <a:t>Individual </a:t>
-            </a:r>
-            <a:r>
-              <a:rPr lang="en-US" sz="2400" dirty="0" smtClean="0"/>
-              <a:t>core-based </a:t>
-            </a:r>
-            <a:r>
-              <a:rPr lang="en-US" sz="2400" dirty="0" smtClean="0"/>
-              <a:t>real-time operating system</a:t>
-            </a:r>
-          </a:p>
-          <a:p>
-            <a:r>
-              <a:rPr lang="en-US" sz="2400" dirty="0" smtClean="0"/>
-              <a:t>Communication and </a:t>
-            </a:r>
-            <a:r>
-              <a:rPr lang="en-US" sz="2400" dirty="0" smtClean="0"/>
-              <a:t>facilitated cooperation </a:t>
-            </a:r>
-            <a:r>
-              <a:rPr lang="en-US" sz="2400" dirty="0" smtClean="0"/>
-              <a:t>between </a:t>
-            </a:r>
-            <a:r>
-              <a:rPr lang="en-US" sz="2400" dirty="0" smtClean="0"/>
-              <a:t>processes, </a:t>
-            </a:r>
-            <a:r>
-              <a:rPr lang="en-US" sz="2400" dirty="0" smtClean="0"/>
-              <a:t>cores, and devices, as well as between </a:t>
-            </a:r>
-            <a:r>
-              <a:rPr lang="en-US" sz="2400" dirty="0" smtClean="0"/>
-              <a:t>peripherals and cores</a:t>
-            </a:r>
-          </a:p>
-          <a:p>
-            <a:r>
-              <a:rPr lang="en-US" sz="2400" dirty="0" smtClean="0"/>
-              <a:t>Optimized, </a:t>
-            </a:r>
-            <a:r>
-              <a:rPr lang="en-US" sz="2400" dirty="0" smtClean="0"/>
-              <a:t>ready-to-use algorithm libraries</a:t>
-            </a:r>
-            <a:r>
-              <a:rPr lang="en-US" sz="2400" dirty="0" smtClean="0"/>
-              <a:t>, </a:t>
-            </a:r>
-            <a:r>
-              <a:rPr lang="en-US" sz="2400" dirty="0" smtClean="0"/>
-              <a:t>example code, and demonstration applications</a:t>
-            </a:r>
-            <a:endParaRPr lang="en-US" sz="2400" dirty="0" smtClean="0"/>
-          </a:p>
-          <a:p>
-            <a:pPr algn="ctr">
-              <a:buNone/>
-            </a:pPr>
-            <a:r>
-              <a:rPr lang="en-US" sz="2800" b="1" dirty="0" smtClean="0">
-                <a:solidFill>
-                  <a:srgbClr val="FF0000"/>
-                </a:solidFill>
-              </a:rPr>
-              <a:t>TI’s solution: </a:t>
-            </a:r>
-          </a:p>
-          <a:p>
-            <a:pPr algn="ctr">
-              <a:buNone/>
-            </a:pPr>
-            <a:r>
-              <a:rPr lang="en-US" sz="2800" b="1" dirty="0" smtClean="0">
-                <a:solidFill>
-                  <a:srgbClr val="FF0000"/>
-                </a:solidFill>
-              </a:rPr>
-              <a:t>The multi-layered software system known as MCSDK.</a:t>
+              <a:t>GUI interface for SYS/BIOS, project-based system to build drivers and utilities for developer’s target platform.</a:t>
             </a:r>
             <a:endParaRPr lang="en-US" sz="2400" dirty="0"/>
           </a:p>
@@ -28334,7 +28053,7 @@
       </p:grpSpPr>
       <p:sp>
         <p:nvSpPr>
-          <p:cNvPr id="15361" name="Title 1"/>
+          <p:cNvPr id="4" name="Title 3"/>
           <p:cNvSpPr>
             <a:spLocks noGrp="1"/>
           </p:cNvSpPr>
@@ -28344,25 +28063,31 @@
         </p:nvSpPr>
         <p:spPr>
           <a:xfrm>
-            <a:off x="342900" y="104775"/>
-            <a:ext cx="8458200" cy="657225"/>
+            <a:off x="457200" y="274638"/>
+            <a:ext cx="8229600" cy="563562"/>
           </a:xfrm>
         </p:spPr>
         <p:txBody>
-          <a:bodyPr/>
+          <a:bodyPr>
+            <a:noAutofit/>
+          </a:bodyPr>
           <a:lstStyle/>
           <a:p>
             <a:r>
-              <a:rPr lang="en-US" dirty="0" smtClean="0"/>
-              <a:t>What is MCSDK?</a:t>
-            </a:r>
-            <a:endParaRPr lang="en-US" dirty="0" smtClean="0"/>
+              <a:rPr lang="en-US" sz="3600" smtClean="0"/>
+              <a:t>Multicore Development </a:t>
+            </a:r>
+            <a:r>
+              <a:rPr lang="en-US" sz="3600" dirty="0" smtClean="0"/>
+              <a:t>Requirements</a:t>
+            </a:r>
+            <a:endParaRPr lang="en-US" sz="3600" dirty="0"/>
           </a:p>
         </p:txBody>
       </p:sp>
       <p:sp>
         <p:nvSpPr>
-          <p:cNvPr id="15362" name="Content Placeholder 2"/>
+          <p:cNvPr id="5" name="Content Placeholder 4"/>
           <p:cNvSpPr>
             <a:spLocks noGrp="1"/>
           </p:cNvSpPr>
@@ -28372,8 +28097,8 @@
         </p:nvSpPr>
         <p:spPr>
           <a:xfrm>
-            <a:off x="457200" y="1066800"/>
-            <a:ext cx="8229600" cy="4906963"/>
+            <a:off x="457200" y="990600"/>
+            <a:ext cx="8229600" cy="5334000"/>
           </a:xfrm>
         </p:spPr>
         <p:txBody>
@@ -28382,164 +28107,71 @@
           </a:bodyPr>
           <a:lstStyle/>
           <a:p>
-            <a:pPr>
+            <a:r>
+              <a:rPr lang="en-US" sz="2400" dirty="0" smtClean="0"/>
+              <a:t>Standard set of APIs to configure and utilize peripherals, accelerators and other hardware resources</a:t>
+            </a:r>
+          </a:p>
+          <a:p>
+            <a:r>
+              <a:rPr lang="en-US" sz="2400" dirty="0" smtClean="0"/>
+              <a:t>Compliant implementation of packet- and network-based protocols </a:t>
+            </a:r>
+          </a:p>
+          <a:p>
+            <a:r>
+              <a:rPr lang="en-US" sz="2400" dirty="0" smtClean="0"/>
+              <a:t>Utilities to boot, test, debug, and monitor execution</a:t>
+            </a:r>
+          </a:p>
+          <a:p>
+            <a:r>
+              <a:rPr lang="en-US" sz="2400" dirty="0" smtClean="0"/>
+              <a:t>Individual core-based real-time operating system</a:t>
+            </a:r>
+          </a:p>
+          <a:p>
+            <a:r>
+              <a:rPr lang="en-US" sz="2400" dirty="0" smtClean="0"/>
+              <a:t>Communication and facilitated cooperation between processes, cores, and devices, as well as between peripherals and cores</a:t>
+            </a:r>
+          </a:p>
+          <a:p>
+            <a:r>
+              <a:rPr lang="en-US" sz="2400" dirty="0" smtClean="0"/>
+              <a:t>Optimized, ready-to-use algorithm libraries, example code, and demonstration applications</a:t>
+            </a:r>
+          </a:p>
+          <a:p>
+            <a:pPr algn="ctr">
               <a:buNone/>
             </a:pPr>
             <a:r>
-              <a:rPr lang="en-US" sz="2400" dirty="0" smtClean="0"/>
-              <a:t>TI’s </a:t>
-            </a:r>
-            <a:r>
-              <a:rPr lang="en-US" sz="2400" dirty="0" smtClean="0"/>
-              <a:t>Multicore Software Development Kit (MCSDK</a:t>
-            </a:r>
-            <a:r>
-              <a:rPr lang="en-US" sz="2400" dirty="0" smtClean="0"/>
-              <a:t>):</a:t>
-            </a:r>
-            <a:endParaRPr lang="en-US" sz="2400" dirty="0" smtClean="0"/>
-          </a:p>
-          <a:p>
-            <a:r>
-              <a:rPr lang="en-US" sz="2400" dirty="0" smtClean="0"/>
-              <a:t>Provides </a:t>
-            </a:r>
-            <a:r>
-              <a:rPr lang="en-US" sz="2400" dirty="0" smtClean="0"/>
-              <a:t>the core foundational building blocks for customers to quickly start developing embedded applications on TI </a:t>
-            </a:r>
-            <a:r>
-              <a:rPr lang="en-US" sz="2400" dirty="0" smtClean="0"/>
-              <a:t>high-performance </a:t>
-            </a:r>
-            <a:r>
-              <a:rPr lang="en-US" sz="2400" dirty="0" smtClean="0"/>
-              <a:t>multicore </a:t>
-            </a:r>
-            <a:r>
-              <a:rPr lang="en-US" sz="2400" dirty="0" smtClean="0"/>
-              <a:t>DSPs:</a:t>
-            </a:r>
-            <a:endParaRPr lang="en-US" sz="2400" dirty="0" smtClean="0"/>
-          </a:p>
-          <a:p>
-            <a:pPr lvl="1"/>
-            <a:r>
-              <a:rPr lang="en-US" sz="2000" dirty="0" smtClean="0"/>
-              <a:t>Uses </a:t>
-            </a:r>
-            <a:r>
-              <a:rPr lang="en-US" sz="2000" dirty="0" smtClean="0"/>
-              <a:t>ether the </a:t>
-            </a:r>
-            <a:r>
-              <a:rPr lang="en-US" sz="2000" dirty="0" smtClean="0"/>
-              <a:t>SYS/BIOS or Linux real-time operating system</a:t>
-            </a:r>
-          </a:p>
-          <a:p>
-            <a:pPr lvl="1"/>
-            <a:r>
-              <a:rPr lang="en-US" sz="2000" dirty="0" smtClean="0"/>
-              <a:t>Accelerates </a:t>
-            </a:r>
-            <a:r>
-              <a:rPr lang="en-US" sz="2000" dirty="0" smtClean="0"/>
-              <a:t>time-to-market by focusing </a:t>
-            </a:r>
-            <a:r>
-              <a:rPr lang="en-US" sz="2000" dirty="0" smtClean="0"/>
-              <a:t>on ease of use and performance</a:t>
-            </a:r>
-          </a:p>
-          <a:p>
-            <a:pPr lvl="1"/>
-            <a:r>
-              <a:rPr lang="en-US" sz="2000" dirty="0" smtClean="0"/>
-              <a:t>Provides multicore programming methodologies and utilities</a:t>
-            </a:r>
-          </a:p>
-          <a:p>
-            <a:r>
-              <a:rPr lang="en-US" sz="2400" dirty="0" smtClean="0"/>
-              <a:t>Simplifies porting of applications:</a:t>
-            </a:r>
-          </a:p>
-          <a:p>
-            <a:pPr lvl="1"/>
-            <a:r>
-              <a:rPr lang="en-US" sz="2000" dirty="0" smtClean="0"/>
-              <a:t>To a </a:t>
-            </a:r>
-            <a:r>
-              <a:rPr lang="en-US" sz="2000" dirty="0" smtClean="0"/>
-              <a:t>standard evaluation platform</a:t>
-            </a:r>
-          </a:p>
-          <a:p>
-            <a:pPr lvl="1"/>
-            <a:r>
-              <a:rPr lang="en-US" sz="2000" dirty="0" smtClean="0"/>
-              <a:t>From a standard evaluation platform </a:t>
-            </a:r>
-            <a:r>
-              <a:rPr lang="en-US" sz="2000" dirty="0" smtClean="0"/>
-              <a:t>to </a:t>
-            </a:r>
-            <a:r>
-              <a:rPr lang="en-US" sz="2000" dirty="0" smtClean="0"/>
-              <a:t>customer’s target platform</a:t>
-            </a:r>
-          </a:p>
-          <a:p>
-            <a:pPr lvl="1"/>
-            <a:r>
-              <a:rPr lang="en-US" sz="2000" dirty="0" smtClean="0"/>
-              <a:t>To next </a:t>
-            </a:r>
-            <a:r>
-              <a:rPr lang="en-US" sz="2000" dirty="0" smtClean="0"/>
-              <a:t>generation </a:t>
-            </a:r>
-            <a:r>
-              <a:rPr lang="en-US" sz="2000" dirty="0" smtClean="0"/>
-              <a:t>platform hardware</a:t>
-            </a:r>
-            <a:endParaRPr lang="en-US" sz="2000" dirty="0" smtClean="0"/>
-          </a:p>
-          <a:p>
-            <a:r>
-              <a:rPr lang="en-US" sz="2400" dirty="0" smtClean="0"/>
-              <a:t>Available </a:t>
-            </a:r>
-            <a:r>
-              <a:rPr lang="en-US" sz="2400" dirty="0" smtClean="0"/>
-              <a:t>as a free download </a:t>
-            </a:r>
-            <a:r>
-              <a:rPr lang="en-US" sz="2400" dirty="0" smtClean="0"/>
-              <a:t>on TI.com, bundled in one installer </a:t>
-            </a:r>
-            <a:r>
-              <a:rPr lang="en-US" sz="2400" dirty="0" smtClean="0"/>
-              <a:t>as source code along </a:t>
-            </a:r>
-            <a:r>
-              <a:rPr lang="en-US" sz="2400" dirty="0" smtClean="0"/>
-              <a:t>with pre-built </a:t>
-            </a:r>
-            <a:r>
-              <a:rPr lang="en-US" sz="2400" dirty="0" smtClean="0"/>
-              <a:t>libraries</a:t>
-            </a:r>
-            <a:endParaRPr lang="en-US" sz="2400" dirty="0" smtClean="0"/>
+              <a:rPr lang="en-US" sz="2800" b="1" dirty="0" smtClean="0">
+                <a:solidFill>
+                  <a:srgbClr val="FF0000"/>
+                </a:solidFill>
+              </a:rPr>
+              <a:t>TI’s solution: </a:t>
+            </a:r>
+          </a:p>
+          <a:p>
+            <a:pPr algn="ctr">
+              <a:buNone/>
+            </a:pPr>
+            <a:r>
+              <a:rPr lang="en-US" sz="2800" b="1" dirty="0" smtClean="0">
+                <a:solidFill>
+                  <a:srgbClr val="FF0000"/>
+                </a:solidFill>
+              </a:rPr>
+              <a:t>The multi-layered software system known as MCSDK.</a:t>
+            </a:r>
+            <a:endParaRPr lang="en-US" sz="2400" dirty="0"/>
           </a:p>
         </p:txBody>
       </p:sp>
     </p:spTree>
-    <p:custDataLst>
-      <p:tags r:id="rId1"/>
-    </p:custDataLst>
   </p:cSld>
   <p:clrMapOvr>
     <a:masterClrMapping/>

--- a/trunk/preliminary/Introduction to KeyStone Software ECO RJH.pptx
+++ b/trunk/preliminary/Introduction to KeyStone Software ECO RJH.pptx
@@ -33,8 +33,8 @@
     <p:sldId id="291" r:id="rId24"/>
     <p:sldId id="287" r:id="rId25"/>
     <p:sldId id="273" r:id="rId26"/>
-    <p:sldId id="294" r:id="rId27"/>
-    <p:sldId id="279" r:id="rId28"/>
+    <p:sldId id="279" r:id="rId27"/>
+    <p:sldId id="294" r:id="rId28"/>
   </p:sldIdLst>
   <p:sldSz cx="9144000" cy="6858000" type="screen4x3"/>
   <p:notesSz cx="7010400" cy="9296400"/>
@@ -625,6 +625,67 @@
       </p:grpSpPr>
       <p:sp>
         <p:nvSpPr>
+          <p:cNvPr id="92162" name="Rectangle 2"/>
+          <p:cNvSpPr>
+            <a:spLocks noGrp="1" noRot="1" noChangeAspect="1" noChangeArrowheads="1" noTextEdit="1"/>
+          </p:cNvSpPr>
+          <p:nvPr>
+            <p:ph type="sldImg"/>
+          </p:nvPr>
+        </p:nvSpPr>
+        <p:spPr>
+          <a:ln/>
+        </p:spPr>
+      </p:sp>
+      <p:sp>
+        <p:nvSpPr>
+          <p:cNvPr id="92163" name="Rectangle 3"/>
+          <p:cNvSpPr>
+            <a:spLocks noGrp="1" noChangeArrowheads="1"/>
+          </p:cNvSpPr>
+          <p:nvPr>
+            <p:ph type="body" idx="1"/>
+          </p:nvPr>
+        </p:nvSpPr>
+        <p:spPr>
+          <a:noFill/>
+          <a:ln/>
+        </p:spPr>
+        <p:txBody>
+          <a:bodyPr/>
+          <a:lstStyle/>
+          <a:p>
+            <a:endParaRPr lang="en-US" dirty="0" smtClean="0"/>
+          </a:p>
+        </p:txBody>
+      </p:sp>
+    </p:spTree>
+  </p:cSld>
+  <p:clrMapOvr>
+    <a:masterClrMapping/>
+  </p:clrMapOvr>
+</p:notes>
+</file>
+
+<file path=ppt/notesSlides/notesSlide11.xml><?xml version="1.0" encoding="utf-8"?>
+<p:notes xmlns:a="http://schemas.openxmlformats.org/drawingml/2006/main" xmlns:r="http://schemas.openxmlformats.org/officeDocument/2006/relationships" xmlns:p="http://schemas.openxmlformats.org/presentationml/2006/main">
+  <p:cSld>
+    <p:spTree>
+      <p:nvGrpSpPr>
+        <p:cNvPr id="1" name=""/>
+        <p:cNvGrpSpPr/>
+        <p:nvPr/>
+      </p:nvGrpSpPr>
+      <p:grpSpPr>
+        <a:xfrm>
+          <a:off x="0" y="0"/>
+          <a:ext cx="0" cy="0"/>
+          <a:chOff x="0" y="0"/>
+          <a:chExt cx="0" cy="0"/>
+        </a:xfrm>
+      </p:grpSpPr>
+      <p:sp>
+        <p:nvSpPr>
           <p:cNvPr id="444417" name="Slide Image Placeholder 1"/>
           <p:cNvSpPr>
             <a:spLocks noGrp="1" noRot="1" noChangeAspect="1" noTextEdit="1"/>
@@ -710,70 +771,9 @@
               <a:pPr algn="r">
                 <a:defRPr/>
               </a:pPr>
-              <a:t>21</a:t>
+              <a:t>22</a:t>
             </a:fld>
             <a:endParaRPr lang="en-US" sz="1200" dirty="0"/>
-          </a:p>
-        </p:txBody>
-      </p:sp>
-    </p:spTree>
-  </p:cSld>
-  <p:clrMapOvr>
-    <a:masterClrMapping/>
-  </p:clrMapOvr>
-</p:notes>
-</file>
-
-<file path=ppt/notesSlides/notesSlide11.xml><?xml version="1.0" encoding="utf-8"?>
-<p:notes xmlns:a="http://schemas.openxmlformats.org/drawingml/2006/main" xmlns:r="http://schemas.openxmlformats.org/officeDocument/2006/relationships" xmlns:p="http://schemas.openxmlformats.org/presentationml/2006/main">
-  <p:cSld>
-    <p:spTree>
-      <p:nvGrpSpPr>
-        <p:cNvPr id="1" name=""/>
-        <p:cNvGrpSpPr/>
-        <p:nvPr/>
-      </p:nvGrpSpPr>
-      <p:grpSpPr>
-        <a:xfrm>
-          <a:off x="0" y="0"/>
-          <a:ext cx="0" cy="0"/>
-          <a:chOff x="0" y="0"/>
-          <a:chExt cx="0" cy="0"/>
-        </a:xfrm>
-      </p:grpSpPr>
-      <p:sp>
-        <p:nvSpPr>
-          <p:cNvPr id="92162" name="Rectangle 2"/>
-          <p:cNvSpPr>
-            <a:spLocks noGrp="1" noRot="1" noChangeAspect="1" noChangeArrowheads="1" noTextEdit="1"/>
-          </p:cNvSpPr>
-          <p:nvPr>
-            <p:ph type="sldImg"/>
-          </p:nvPr>
-        </p:nvSpPr>
-        <p:spPr>
-          <a:ln/>
-        </p:spPr>
-      </p:sp>
-      <p:sp>
-        <p:nvSpPr>
-          <p:cNvPr id="92163" name="Rectangle 3"/>
-          <p:cNvSpPr>
-            <a:spLocks noGrp="1" noChangeArrowheads="1"/>
-          </p:cNvSpPr>
-          <p:nvPr>
-            <p:ph type="body" idx="1"/>
-          </p:nvPr>
-        </p:nvSpPr>
-        <p:spPr>
-          <a:noFill/>
-          <a:ln/>
-        </p:spPr>
-        <p:txBody>
-          <a:bodyPr/>
-          <a:lstStyle/>
-          <a:p>
-            <a:endParaRPr lang="en-US" dirty="0" smtClean="0"/>
           </a:p>
         </p:txBody>
       </p:sp>
@@ -6623,15 +6623,7 @@
                   <a:srgbClr val="B2B2B2"/>
                 </a:solidFill>
               </a:rPr>
-              <a:t>Introduction to KeyStone Software </a:t>
-            </a:r>
-            <a:r>
-              <a:rPr lang="en-US" sz="4000" dirty="0" smtClean="0">
-                <a:solidFill>
-                  <a:srgbClr val="B2B2B2"/>
-                </a:solidFill>
-              </a:rPr>
-              <a:t>Ecosystem</a:t>
+              <a:t>Introduction to KeyStone Software Ecosystem</a:t>
             </a:r>
             <a:endParaRPr lang="en-US" sz="4000" dirty="0" smtClean="0"/>
           </a:p>
@@ -7548,12 +7540,20 @@
                     <a:lstStyle/>
                     <a:p>
                       <a:r>
-                        <a:rPr lang="en-US" sz="1600" dirty="0" smtClean="0"/>
+                        <a:rPr lang="en-US" sz="1600" smtClean="0"/>
                         <a:t>Open</a:t>
                       </a:r>
                       <a:r>
+                        <a:rPr lang="en-US" sz="1600" baseline="0" smtClean="0"/>
+                        <a:t> </a:t>
+                      </a:r>
+                      <a:r>
+                        <a:rPr lang="en-US" sz="1600" baseline="0" smtClean="0"/>
+                        <a:t>Event </a:t>
+                      </a:r>
+                      <a:r>
                         <a:rPr lang="en-US" sz="1600" baseline="0" dirty="0" smtClean="0"/>
-                        <a:t> Even Machine (OEM) is a firmware-based (PDSP) global schedule execution management system that supports load balancing and global priorities schemes.</a:t>
+                        <a:t>Machine (OEM) is a firmware-based (PDSP) global schedule execution management system that supports load balancing and global priorities schemes.</a:t>
                       </a:r>
                     </a:p>
                   </a:txBody>
@@ -25074,10 +25074,6 @@
               <a:rPr lang="en-US" sz="3200" b="0" dirty="0" smtClean="0"/>
               <a:t>Webinar: </a:t>
             </a:r>
-            <a:r>
-              <a:rPr lang="en-US" sz="3200" b="0" dirty="0" smtClean="0"/>
-              <a:t/>
-            </a:r>
             <a:br>
               <a:rPr lang="en-US" sz="3200" b="0" dirty="0" smtClean="0"/>
             </a:br>
@@ -25086,14 +25082,7 @@
                 <a:latin typeface="Calibri" pitchFamily="34" charset="0"/>
                 <a:cs typeface="Calibri" pitchFamily="34" charset="0"/>
               </a:rPr>
-              <a:t>KeyStone Software Development </a:t>
-            </a:r>
-            <a:r>
-              <a:rPr lang="en-US" sz="3200" b="0" dirty="0" smtClean="0">
-                <a:latin typeface="Calibri" pitchFamily="34" charset="0"/>
-                <a:cs typeface="Calibri" pitchFamily="34" charset="0"/>
-              </a:rPr>
-              <a:t>Ecosystem</a:t>
+              <a:t>KeyStone Software Development Ecosystem</a:t>
             </a:r>
             <a:endParaRPr lang="en-US" sz="3200" b="0" dirty="0">
               <a:latin typeface="Calibri" pitchFamily="34" charset="0"/>
@@ -25340,7 +25329,7 @@
       </p:grpSpPr>
       <p:sp>
         <p:nvSpPr>
-          <p:cNvPr id="443393" name="Title 1"/>
+          <p:cNvPr id="48130" name="Title 1"/>
           <p:cNvSpPr>
             <a:spLocks noGrp="1"/>
           </p:cNvSpPr>
@@ -25350,8 +25339,8 @@
         </p:nvSpPr>
         <p:spPr>
           <a:xfrm>
-            <a:off x="381000" y="1143000"/>
-            <a:ext cx="8229600" cy="762000"/>
+            <a:off x="381000" y="152400"/>
+            <a:ext cx="8229600" cy="639762"/>
           </a:xfrm>
         </p:spPr>
         <p:txBody>
@@ -25360,198 +25349,131 @@
           <a:p>
             <a:pPr eaLnBrk="1" hangingPunct="1"/>
             <a:r>
-              <a:rPr lang="fi-FI" smtClean="0"/>
-              <a:t>Live Q &amp; A</a:t>
-            </a:r>
-            <a:endParaRPr lang="en-US" smtClean="0"/>
+              <a:rPr lang="en-US" dirty="0" smtClean="0"/>
+              <a:t>For More Information</a:t>
+            </a:r>
           </a:p>
         </p:txBody>
       </p:sp>
       <p:sp>
         <p:nvSpPr>
-          <p:cNvPr id="443394" name="Title 1"/>
+          <p:cNvPr id="48131" name="Content Placeholder 2"/>
           <p:cNvSpPr>
-            <a:spLocks/>
+            <a:spLocks noGrp="1"/>
           </p:cNvSpPr>
-          <p:nvPr/>
+          <p:nvPr>
+            <p:ph idx="4294967295"/>
+          </p:nvPr>
         </p:nvSpPr>
-        <p:spPr bwMode="auto">
+        <p:spPr>
           <a:xfrm>
-            <a:off x="457200" y="3352800"/>
-            <a:ext cx="8229600" cy="762000"/>
+            <a:off x="381000" y="990600"/>
+            <a:ext cx="8686800" cy="4525963"/>
           </a:xfrm>
-          <a:prstGeom prst="rect">
-            <a:avLst/>
-          </a:prstGeom>
-          <a:noFill/>
-          <a:ln w="9525">
-            <a:noFill/>
-            <a:miter lim="800000"/>
-            <a:headEnd/>
-            <a:tailEnd/>
-          </a:ln>
         </p:spPr>
         <p:txBody>
-          <a:bodyPr anchor="ctr"/>
+          <a:bodyPr>
+            <a:normAutofit/>
+          </a:bodyPr>
           <a:lstStyle/>
           <a:p>
-            <a:pPr algn="ctr"/>
-            <a:r>
-              <a:rPr lang="fi-FI" sz="3200" dirty="0" err="1">
-                <a:latin typeface="Calibri" pitchFamily="34" charset="0"/>
+            <a:pPr>
+              <a:lnSpc>
+                <a:spcPct val="90000"/>
+              </a:lnSpc>
+            </a:pPr>
+            <a:r>
+              <a:rPr lang="en-US" dirty="0" smtClean="0"/>
+              <a:t>MCSDK Product Folder:</a:t>
+            </a:r>
+            <a:br>
+              <a:rPr lang="en-US" dirty="0" smtClean="0"/>
+            </a:br>
+            <a:r>
+              <a:rPr lang="en-US" sz="1600" dirty="0" smtClean="0">
+                <a:hlinkClick r:id="rId4"/>
               </a:rPr>
-              <a:t>Webex</a:t>
-            </a:r>
-            <a:r>
-              <a:rPr lang="fi-FI" sz="3200" dirty="0">
-                <a:latin typeface="Calibri" pitchFamily="34" charset="0"/>
+              <a:t>http://www.ti.com/tool/bioslinuxmcsdk</a:t>
+            </a:r>
+            <a:r>
+              <a:rPr lang="en-US" sz="1600" dirty="0" smtClean="0"/>
+              <a:t> </a:t>
+            </a:r>
+          </a:p>
+          <a:p>
+            <a:pPr>
+              <a:lnSpc>
+                <a:spcPct val="90000"/>
+              </a:lnSpc>
+            </a:pPr>
+            <a:r>
+              <a:rPr lang="en-US" dirty="0" smtClean="0"/>
+              <a:t>Download CCSv5 and MCSDK software:</a:t>
+            </a:r>
+            <a:br>
+              <a:rPr lang="en-US" dirty="0" smtClean="0"/>
+            </a:br>
+            <a:r>
+              <a:rPr lang="en-US" sz="1600" dirty="0" smtClean="0">
+                <a:hlinkClick r:id="rId5"/>
               </a:rPr>
+              <a:t>http://software-dl.ti.com/sdoemb/sdoemb_public_sw/bios_mcsdk/latest/index_FDS.html</a:t>
+            </a:r>
+          </a:p>
+          <a:p>
+            <a:pPr>
+              <a:lnSpc>
+                <a:spcPct val="90000"/>
+              </a:lnSpc>
+            </a:pPr>
+            <a:r>
+              <a:rPr lang="en-US" dirty="0" smtClean="0"/>
+              <a:t>KeyStone C66x Multicore Wiki Resources </a:t>
+            </a:r>
+            <a:r>
+              <a:rPr lang="en-US" sz="1600" dirty="0" smtClean="0">
+                <a:hlinkClick r:id="rId6"/>
+              </a:rPr>
+              <a:t>http://processors.wiki.ti.com/index.php/Keystone_Device_Architecture</a:t>
+            </a:r>
+            <a:endParaRPr lang="en-US" sz="1600" dirty="0" smtClean="0"/>
+          </a:p>
+          <a:p>
+            <a:pPr>
+              <a:lnSpc>
+                <a:spcPct val="90000"/>
+              </a:lnSpc>
+            </a:pPr>
+            <a:r>
+              <a:rPr lang="en-US" dirty="0" smtClean="0"/>
+              <a:t>For questions regarding topics covered in this training, visit the support forums at the TI E2E Community website </a:t>
+            </a:r>
+            <a:r>
+              <a:rPr lang="en-US" dirty="0" smtClean="0">
+                <a:hlinkClick r:id="rId7"/>
+              </a:rPr>
+              <a:t>http://e2e.ti.com</a:t>
+            </a:r>
+            <a:r>
+              <a:rPr lang="en-US" dirty="0" smtClean="0"/>
               <a:t> </a:t>
             </a:r>
-            <a:r>
-              <a:rPr lang="fi-FI" sz="3200" dirty="0" err="1">
-                <a:latin typeface="Calibri" pitchFamily="34" charset="0"/>
-              </a:rPr>
-              <a:t>chat</a:t>
-            </a:r>
-            <a:r>
-              <a:rPr lang="fi-FI" sz="3200" dirty="0">
-                <a:latin typeface="Calibri" pitchFamily="34" charset="0"/>
-              </a:rPr>
-              <a:t> is </a:t>
-            </a:r>
-            <a:r>
-              <a:rPr lang="fi-FI" sz="3200" dirty="0" err="1">
-                <a:latin typeface="Calibri" pitchFamily="34" charset="0"/>
-              </a:rPr>
-              <a:t>available</a:t>
-            </a:r>
-            <a:r>
-              <a:rPr lang="fi-FI" sz="3200" dirty="0">
-                <a:latin typeface="Calibri" pitchFamily="34" charset="0"/>
-              </a:rPr>
-              <a:t> as </a:t>
-            </a:r>
-            <a:r>
-              <a:rPr lang="fi-FI" sz="3200" dirty="0" err="1">
-                <a:latin typeface="Calibri" pitchFamily="34" charset="0"/>
-              </a:rPr>
-              <a:t>well</a:t>
-            </a:r>
-            <a:r>
-              <a:rPr lang="fi-FI" sz="3200" dirty="0">
-                <a:latin typeface="Calibri" pitchFamily="34" charset="0"/>
-              </a:rPr>
-              <a:t>.</a:t>
-            </a:r>
-            <a:br>
-              <a:rPr lang="fi-FI" sz="3200" dirty="0">
-                <a:latin typeface="Calibri" pitchFamily="34" charset="0"/>
-              </a:rPr>
-            </a:br>
-            <a:r>
-              <a:rPr lang="fi-FI" sz="3200" dirty="0">
-                <a:latin typeface="Calibri" pitchFamily="34" charset="0"/>
-              </a:rPr>
-              <a:t> </a:t>
-            </a:r>
-            <a:br>
-              <a:rPr lang="fi-FI" sz="3200" dirty="0">
-                <a:latin typeface="Calibri" pitchFamily="34" charset="0"/>
-              </a:rPr>
-            </a:br>
-            <a:r>
-              <a:rPr lang="fi-FI" sz="3200" dirty="0" err="1">
-                <a:latin typeface="Calibri" pitchFamily="34" charset="0"/>
-              </a:rPr>
-              <a:t>Please</a:t>
-            </a:r>
-            <a:r>
-              <a:rPr lang="fi-FI" sz="3200" dirty="0">
-                <a:latin typeface="Calibri" pitchFamily="34" charset="0"/>
-              </a:rPr>
-              <a:t> </a:t>
-            </a:r>
-            <a:r>
-              <a:rPr lang="fi-FI" sz="3200" dirty="0" err="1">
-                <a:latin typeface="Calibri" pitchFamily="34" charset="0"/>
-              </a:rPr>
-              <a:t>feel</a:t>
-            </a:r>
-            <a:r>
-              <a:rPr lang="fi-FI" sz="3200" dirty="0">
-                <a:latin typeface="Calibri" pitchFamily="34" charset="0"/>
-              </a:rPr>
-              <a:t> </a:t>
-            </a:r>
-            <a:r>
-              <a:rPr lang="fi-FI" sz="3200" dirty="0" err="1">
-                <a:latin typeface="Calibri" pitchFamily="34" charset="0"/>
-              </a:rPr>
-              <a:t>free</a:t>
-            </a:r>
-            <a:r>
-              <a:rPr lang="fi-FI" sz="3200" dirty="0">
-                <a:latin typeface="Calibri" pitchFamily="34" charset="0"/>
-              </a:rPr>
-              <a:t> to </a:t>
-            </a:r>
-            <a:r>
-              <a:rPr lang="fi-FI" sz="3200" dirty="0" err="1">
-                <a:latin typeface="Calibri" pitchFamily="34" charset="0"/>
-              </a:rPr>
-              <a:t>send</a:t>
-            </a:r>
-            <a:r>
-              <a:rPr lang="fi-FI" sz="3200" dirty="0">
-                <a:latin typeface="Calibri" pitchFamily="34" charset="0"/>
-              </a:rPr>
-              <a:t> </a:t>
-            </a:r>
-            <a:r>
-              <a:rPr lang="fi-FI" sz="3200" dirty="0" err="1">
-                <a:latin typeface="Calibri" pitchFamily="34" charset="0"/>
-              </a:rPr>
-              <a:t>any</a:t>
-            </a:r>
-            <a:r>
-              <a:rPr lang="fi-FI" sz="3200" dirty="0">
-                <a:latin typeface="Calibri" pitchFamily="34" charset="0"/>
-              </a:rPr>
-              <a:t> </a:t>
-            </a:r>
-            <a:r>
-              <a:rPr lang="fi-FI" sz="3200" dirty="0" err="1">
-                <a:latin typeface="Calibri" pitchFamily="34" charset="0"/>
-              </a:rPr>
-              <a:t>questions/comments</a:t>
-            </a:r>
-            <a:r>
-              <a:rPr lang="fi-FI" sz="3200" dirty="0">
-                <a:latin typeface="Calibri" pitchFamily="34" charset="0"/>
-              </a:rPr>
-              <a:t> to </a:t>
-            </a:r>
-            <a:r>
-              <a:rPr lang="fi-FI" sz="3200" dirty="0" err="1" smtClean="0">
-                <a:latin typeface="Calibri" pitchFamily="34" charset="0"/>
-                <a:hlinkClick r:id="rId3"/>
-              </a:rPr>
-              <a:t>m-rintamaki@ti.com</a:t>
-            </a:r>
-            <a:r>
-              <a:rPr lang="fi-FI" sz="3200" dirty="0" smtClean="0">
-                <a:latin typeface="Calibri" pitchFamily="34" charset="0"/>
-              </a:rPr>
-              <a:t> </a:t>
-            </a:r>
-            <a:endParaRPr lang="en-US" sz="3200" dirty="0">
-              <a:latin typeface="Calibri" pitchFamily="34" charset="0"/>
-            </a:endParaRPr>
+          </a:p>
+          <a:p>
+            <a:pPr>
+              <a:lnSpc>
+                <a:spcPct val="90000"/>
+              </a:lnSpc>
+              <a:buNone/>
+            </a:pPr>
+            <a:endParaRPr lang="en-US" dirty="0" smtClean="0"/>
           </a:p>
         </p:txBody>
       </p:sp>
     </p:spTree>
+    <p:custDataLst>
+      <p:tags r:id="rId1"/>
+    </p:custDataLst>
   </p:cSld>
   <p:clrMapOvr>
     <a:masterClrMapping/>
@@ -25585,7 +25507,7 @@
       </p:grpSpPr>
       <p:sp>
         <p:nvSpPr>
-          <p:cNvPr id="48130" name="Title 1"/>
+          <p:cNvPr id="443393" name="Title 1"/>
           <p:cNvSpPr>
             <a:spLocks noGrp="1"/>
           </p:cNvSpPr>
@@ -25595,8 +25517,8 @@
         </p:nvSpPr>
         <p:spPr>
           <a:xfrm>
-            <a:off x="381000" y="152400"/>
-            <a:ext cx="8229600" cy="639762"/>
+            <a:off x="381000" y="1143000"/>
+            <a:ext cx="8229600" cy="762000"/>
           </a:xfrm>
         </p:spPr>
         <p:txBody>
@@ -25605,131 +25527,198 @@
           <a:p>
             <a:pPr eaLnBrk="1" hangingPunct="1"/>
             <a:r>
-              <a:rPr lang="en-US" dirty="0" smtClean="0"/>
-              <a:t>For More Information</a:t>
-            </a:r>
+              <a:rPr lang="fi-FI" smtClean="0"/>
+              <a:t>Live Q &amp; A</a:t>
+            </a:r>
+            <a:endParaRPr lang="en-US" smtClean="0"/>
           </a:p>
         </p:txBody>
       </p:sp>
       <p:sp>
         <p:nvSpPr>
-          <p:cNvPr id="48131" name="Content Placeholder 2"/>
+          <p:cNvPr id="443394" name="Title 1"/>
           <p:cNvSpPr>
-            <a:spLocks noGrp="1"/>
+            <a:spLocks/>
           </p:cNvSpPr>
-          <p:nvPr>
-            <p:ph idx="4294967295"/>
-          </p:nvPr>
+          <p:nvPr/>
         </p:nvSpPr>
-        <p:spPr>
+        <p:spPr bwMode="auto">
           <a:xfrm>
-            <a:off x="381000" y="990600"/>
-            <a:ext cx="8686800" cy="4525963"/>
+            <a:off x="457200" y="3352800"/>
+            <a:ext cx="8229600" cy="762000"/>
           </a:xfrm>
+          <a:prstGeom prst="rect">
+            <a:avLst/>
+          </a:prstGeom>
+          <a:noFill/>
+          <a:ln w="9525">
+            <a:noFill/>
+            <a:miter lim="800000"/>
+            <a:headEnd/>
+            <a:tailEnd/>
+          </a:ln>
         </p:spPr>
         <p:txBody>
-          <a:bodyPr>
-            <a:normAutofit/>
-          </a:bodyPr>
+          <a:bodyPr anchor="ctr"/>
           <a:lstStyle/>
           <a:p>
-            <a:pPr>
-              <a:lnSpc>
-                <a:spcPct val="90000"/>
-              </a:lnSpc>
-            </a:pPr>
-            <a:r>
-              <a:rPr lang="en-US" dirty="0" smtClean="0"/>
-              <a:t>MCSDK Product Folder:</a:t>
+            <a:pPr algn="ctr"/>
+            <a:r>
+              <a:rPr lang="fi-FI" sz="3200" dirty="0" err="1">
+                <a:latin typeface="Calibri" pitchFamily="34" charset="0"/>
+              </a:rPr>
+              <a:t>Webex</a:t>
+            </a:r>
+            <a:r>
+              <a:rPr lang="fi-FI" sz="3200" dirty="0">
+                <a:latin typeface="Calibri" pitchFamily="34" charset="0"/>
+              </a:rPr>
+              <a:t> </a:t>
+            </a:r>
+            <a:r>
+              <a:rPr lang="fi-FI" sz="3200" dirty="0" err="1">
+                <a:latin typeface="Calibri" pitchFamily="34" charset="0"/>
+              </a:rPr>
+              <a:t>chat</a:t>
+            </a:r>
+            <a:r>
+              <a:rPr lang="fi-FI" sz="3200" dirty="0">
+                <a:latin typeface="Calibri" pitchFamily="34" charset="0"/>
+              </a:rPr>
+              <a:t> is </a:t>
+            </a:r>
+            <a:r>
+              <a:rPr lang="fi-FI" sz="3200" dirty="0" err="1">
+                <a:latin typeface="Calibri" pitchFamily="34" charset="0"/>
+              </a:rPr>
+              <a:t>available</a:t>
+            </a:r>
+            <a:r>
+              <a:rPr lang="fi-FI" sz="3200" dirty="0">
+                <a:latin typeface="Calibri" pitchFamily="34" charset="0"/>
+              </a:rPr>
+              <a:t> as </a:t>
+            </a:r>
+            <a:r>
+              <a:rPr lang="fi-FI" sz="3200" dirty="0" err="1">
+                <a:latin typeface="Calibri" pitchFamily="34" charset="0"/>
+              </a:rPr>
+              <a:t>well</a:t>
+            </a:r>
+            <a:r>
+              <a:rPr lang="fi-FI" sz="3200" dirty="0">
+                <a:latin typeface="Calibri" pitchFamily="34" charset="0"/>
+              </a:rPr>
+              <a:t>.</a:t>
             </a:r>
             <a:br>
-              <a:rPr lang="en-US" dirty="0" smtClean="0"/>
+              <a:rPr lang="fi-FI" sz="3200" dirty="0">
+                <a:latin typeface="Calibri" pitchFamily="34" charset="0"/>
+              </a:rPr>
             </a:br>
             <a:r>
-              <a:rPr lang="en-US" sz="1600" dirty="0" smtClean="0">
-                <a:hlinkClick r:id="rId4"/>
+              <a:rPr lang="fi-FI" sz="3200" dirty="0">
+                <a:latin typeface="Calibri" pitchFamily="34" charset="0"/>
               </a:rPr>
-              <a:t>http://www.ti.com/tool/bioslinuxmcsdk</a:t>
-            </a:r>
-            <a:r>
-              <a:rPr lang="en-US" sz="1600" dirty="0" smtClean="0"/>
               <a:t> </a:t>
             </a:r>
-          </a:p>
-          <a:p>
-            <a:pPr>
-              <a:lnSpc>
-                <a:spcPct val="90000"/>
-              </a:lnSpc>
-            </a:pPr>
-            <a:r>
-              <a:rPr lang="en-US" dirty="0" smtClean="0"/>
-              <a:t>Download CCSv5 and MCSDK software:</a:t>
-            </a:r>
             <a:br>
-              <a:rPr lang="en-US" dirty="0" smtClean="0"/>
+              <a:rPr lang="fi-FI" sz="3200" dirty="0">
+                <a:latin typeface="Calibri" pitchFamily="34" charset="0"/>
+              </a:rPr>
             </a:br>
             <a:r>
-              <a:rPr lang="en-US" sz="1600" dirty="0" smtClean="0">
-                <a:hlinkClick r:id="rId5"/>
+              <a:rPr lang="fi-FI" sz="3200" dirty="0" err="1">
+                <a:latin typeface="Calibri" pitchFamily="34" charset="0"/>
               </a:rPr>
-              <a:t>http://software-dl.ti.com/sdoemb/sdoemb_public_sw/bios_mcsdk/latest/index_FDS.html</a:t>
-            </a:r>
-          </a:p>
-          <a:p>
-            <a:pPr>
-              <a:lnSpc>
-                <a:spcPct val="90000"/>
-              </a:lnSpc>
-            </a:pPr>
-            <a:r>
-              <a:rPr lang="en-US" dirty="0" smtClean="0"/>
-              <a:t>KeyStone C66x Multicore Wiki Resources </a:t>
-            </a:r>
-            <a:r>
-              <a:rPr lang="en-US" sz="1600" dirty="0" smtClean="0">
-                <a:hlinkClick r:id="rId6"/>
+              <a:t>Please</a:t>
+            </a:r>
+            <a:r>
+              <a:rPr lang="fi-FI" sz="3200" dirty="0">
+                <a:latin typeface="Calibri" pitchFamily="34" charset="0"/>
               </a:rPr>
-              <a:t>http://processors.wiki.ti.com/index.php/Keystone_Device_Architecture</a:t>
-            </a:r>
-            <a:endParaRPr lang="en-US" sz="1600" dirty="0" smtClean="0"/>
-          </a:p>
-          <a:p>
-            <a:pPr>
-              <a:lnSpc>
-                <a:spcPct val="90000"/>
-              </a:lnSpc>
-            </a:pPr>
-            <a:r>
-              <a:rPr lang="en-US" dirty="0" smtClean="0"/>
-              <a:t>For questions regarding topics covered in this training, visit the support forums at the TI E2E Community website </a:t>
-            </a:r>
-            <a:r>
-              <a:rPr lang="en-US" dirty="0" smtClean="0">
-                <a:hlinkClick r:id="rId7"/>
+              <a:t> </a:t>
+            </a:r>
+            <a:r>
+              <a:rPr lang="fi-FI" sz="3200" dirty="0" err="1">
+                <a:latin typeface="Calibri" pitchFamily="34" charset="0"/>
               </a:rPr>
-              <a:t>http://e2e.ti.com</a:t>
-            </a:r>
-            <a:r>
-              <a:rPr lang="en-US" dirty="0" smtClean="0"/>
+              <a:t>feel</a:t>
+            </a:r>
+            <a:r>
+              <a:rPr lang="fi-FI" sz="3200" dirty="0">
+                <a:latin typeface="Calibri" pitchFamily="34" charset="0"/>
+              </a:rPr>
               <a:t> </a:t>
             </a:r>
-          </a:p>
-          <a:p>
-            <a:pPr>
-              <a:lnSpc>
-                <a:spcPct val="90000"/>
-              </a:lnSpc>
-              <a:buNone/>
-            </a:pPr>
-            <a:endParaRPr lang="en-US" dirty="0" smtClean="0"/>
+            <a:r>
+              <a:rPr lang="fi-FI" sz="3200" dirty="0" err="1">
+                <a:latin typeface="Calibri" pitchFamily="34" charset="0"/>
+              </a:rPr>
+              <a:t>free</a:t>
+            </a:r>
+            <a:r>
+              <a:rPr lang="fi-FI" sz="3200" dirty="0">
+                <a:latin typeface="Calibri" pitchFamily="34" charset="0"/>
+              </a:rPr>
+              <a:t> to </a:t>
+            </a:r>
+            <a:r>
+              <a:rPr lang="fi-FI" sz="3200" dirty="0" err="1">
+                <a:latin typeface="Calibri" pitchFamily="34" charset="0"/>
+              </a:rPr>
+              <a:t>send</a:t>
+            </a:r>
+            <a:r>
+              <a:rPr lang="fi-FI" sz="3200" dirty="0">
+                <a:latin typeface="Calibri" pitchFamily="34" charset="0"/>
+              </a:rPr>
+              <a:t> </a:t>
+            </a:r>
+            <a:r>
+              <a:rPr lang="fi-FI" sz="3200" dirty="0" err="1">
+                <a:latin typeface="Calibri" pitchFamily="34" charset="0"/>
+              </a:rPr>
+              <a:t>any</a:t>
+            </a:r>
+            <a:r>
+              <a:rPr lang="fi-FI" sz="3200" dirty="0">
+                <a:latin typeface="Calibri" pitchFamily="34" charset="0"/>
+              </a:rPr>
+              <a:t> </a:t>
+            </a:r>
+            <a:r>
+              <a:rPr lang="fi-FI" sz="3200" dirty="0" err="1">
+                <a:latin typeface="Calibri" pitchFamily="34" charset="0"/>
+              </a:rPr>
+              <a:t>questions/comments</a:t>
+            </a:r>
+            <a:r>
+              <a:rPr lang="fi-FI" sz="3200" dirty="0">
+                <a:latin typeface="Calibri" pitchFamily="34" charset="0"/>
+              </a:rPr>
+              <a:t> to </a:t>
+            </a:r>
+            <a:r>
+              <a:rPr lang="fi-FI" sz="3200" dirty="0" err="1" smtClean="0">
+                <a:latin typeface="Calibri" pitchFamily="34" charset="0"/>
+                <a:hlinkClick r:id="rId3"/>
+              </a:rPr>
+              <a:t>m-rintamaki@ti.com</a:t>
+            </a:r>
+            <a:r>
+              <a:rPr lang="fi-FI" sz="3200" dirty="0" smtClean="0">
+                <a:latin typeface="Calibri" pitchFamily="34" charset="0"/>
+              </a:rPr>
+              <a:t> </a:t>
+            </a:r>
+            <a:endParaRPr lang="en-US" sz="3200" dirty="0">
+              <a:latin typeface="Calibri" pitchFamily="34" charset="0"/>
+            </a:endParaRPr>
           </a:p>
         </p:txBody>
       </p:sp>
     </p:spTree>
-    <p:custDataLst>
-      <p:tags r:id="rId1"/>
-    </p:custDataLst>
   </p:cSld>
   <p:clrMapOvr>
     <a:masterClrMapping/>
@@ -25956,7 +25945,7 @@
         </p:spPr>
         <p:txBody>
           <a:bodyPr>
-            <a:normAutofit fontScale="77500" lnSpcReduction="20000"/>
+            <a:normAutofit fontScale="85000" lnSpcReduction="20000"/>
           </a:bodyPr>
           <a:lstStyle/>
           <a:p>
@@ -25985,7 +25974,21 @@
                 <a:latin typeface="Calibri" pitchFamily="34" charset="0"/>
                 <a:cs typeface="Calibri" pitchFamily="34" charset="0"/>
               </a:rPr>
-              <a:t>Standard API (Application Programming Interface) for utilities:</a:t>
+              <a:t>Standard API </a:t>
+            </a:r>
+            <a:r>
+              <a:rPr lang="en-US" sz="1800" dirty="0" smtClean="0">
+                <a:latin typeface="Calibri" pitchFamily="34" charset="0"/>
+                <a:cs typeface="Calibri" pitchFamily="34" charset="0"/>
+              </a:rPr>
+              <a:t>for </a:t>
+            </a:r>
+            <a:r>
+              <a:rPr lang="en-US" sz="1800" dirty="0" smtClean="0">
+                <a:latin typeface="Calibri" pitchFamily="34" charset="0"/>
+                <a:cs typeface="Calibri" pitchFamily="34" charset="0"/>
+              </a:rPr>
+              <a:t>utilities:</a:t>
             </a:r>
           </a:p>
           <a:p>
@@ -26019,23 +26022,20 @@
             </a:r>
           </a:p>
           <a:p>
-            <a:pPr lvl="2"/>
+            <a:pPr lvl="1"/>
             <a:r>
               <a:rPr lang="en-US" sz="1800" dirty="0" smtClean="0">
                 <a:latin typeface="Calibri" pitchFamily="34" charset="0"/>
                 <a:cs typeface="Calibri" pitchFamily="34" charset="0"/>
               </a:rPr>
-              <a:t>And many more</a:t>
-            </a:r>
-          </a:p>
-          <a:p>
-            <a:pPr lvl="1"/>
+              <a:t>Mediates </a:t>
+            </a:r>
             <a:r>
               <a:rPr lang="en-US" sz="1800" dirty="0" smtClean="0">
                 <a:latin typeface="Calibri" pitchFamily="34" charset="0"/>
                 <a:cs typeface="Calibri" pitchFamily="34" charset="0"/>
               </a:rPr>
-              <a:t>Mediates to hide hardware and driver details from the application</a:t>
+              <a:t>to hide hardware and driver details from the application</a:t>
             </a:r>
           </a:p>
           <a:p>
@@ -26073,8 +26073,12 @@
                 <a:latin typeface="Calibri" pitchFamily="34" charset="0"/>
                 <a:cs typeface="Calibri" pitchFamily="34" charset="0"/>
               </a:rPr>
-              <a:t>The OS may also include elements that support code development:</a:t>
-            </a:r>
+              <a:t>code development Environment:</a:t>
+            </a:r>
+            <a:endParaRPr lang="en-US" sz="2400" dirty="0" smtClean="0">
+              <a:latin typeface="Calibri" pitchFamily="34" charset="0"/>
+              <a:cs typeface="Calibri" pitchFamily="34" charset="0"/>
+            </a:endParaRPr>
           </a:p>
           <a:p>
             <a:pPr lvl="1"/>
@@ -26416,14 +26420,13 @@
             <a:pPr lvl="1"/>
             <a:r>
               <a:rPr lang="en-US" sz="2400" dirty="0" smtClean="0"/>
-              <a:t>Performance monitoring</a:t>
-            </a:r>
-          </a:p>
-          <a:p>
+              <a:t>Performance </a:t>
+            </a:r>
             <a:r>
               <a:rPr lang="en-US" sz="2400" dirty="0" smtClean="0"/>
-              <a:t>Standard API</a:t>
-            </a:r>
+              <a:t>monitoring</a:t>
+            </a:r>
+            <a:endParaRPr lang="en-US" sz="2400" dirty="0" smtClean="0"/>
           </a:p>
           <a:p>
             <a:r>
@@ -26602,7 +26605,18 @@
             <a:pPr lvl="1"/>
             <a:r>
               <a:rPr lang="en-US" sz="2000" dirty="0" smtClean="0"/>
-              <a:t>Advanced core performance</a:t>
+              <a:t>Multicores</a:t>
+            </a:r>
+          </a:p>
+          <a:p>
+            <a:pPr lvl="1"/>
+            <a:r>
+              <a:rPr lang="en-US" sz="2000" dirty="0" smtClean="0"/>
+              <a:t>Advanced core </a:t>
+            </a:r>
+            <a:r>
+              <a:rPr lang="en-US" sz="2000" dirty="0" smtClean="0"/>
+              <a:t>performance</a:t>
             </a:r>
           </a:p>
           <a:p>
@@ -27987,15 +28001,7 @@
           <a:p>
             <a:r>
               <a:rPr lang="en-US" sz="2400" dirty="0" smtClean="0"/>
-              <a:t>Support for </a:t>
-            </a:r>
-            <a:r>
-              <a:rPr lang="en-US" sz="2400" dirty="0" err="1" smtClean="0"/>
-              <a:t>OpenMP</a:t>
-            </a:r>
-            <a:r>
-              <a:rPr lang="en-US" sz="2400" dirty="0" smtClean="0"/>
-              <a:t> (Open Multi-Processing) API </a:t>
+              <a:t>Support for OpenMP </a:t>
             </a:r>
           </a:p>
           <a:p>

--- a/trunk/preliminary/Introduction to KeyStone Software ECO RJH.pptx
+++ b/trunk/preliminary/Introduction to KeyStone Software ECO RJH.pptx
@@ -7545,11 +7545,7 @@
                       </a:r>
                       <a:r>
                         <a:rPr lang="en-US" sz="1600" baseline="0" smtClean="0"/>
-                        <a:t> </a:t>
-                      </a:r>
-                      <a:r>
-                        <a:rPr lang="en-US" sz="1600" baseline="0" smtClean="0"/>
-                        <a:t>Event </a:t>
+                        <a:t> Event </a:t>
                       </a:r>
                       <a:r>
                         <a:rPr lang="en-US" sz="1600" baseline="0" dirty="0" smtClean="0"/>
@@ -25974,21 +25970,7 @@
                 <a:latin typeface="Calibri" pitchFamily="34" charset="0"/>
                 <a:cs typeface="Calibri" pitchFamily="34" charset="0"/>
               </a:rPr>
-              <a:t>Standard API </a:t>
-            </a:r>
-            <a:r>
-              <a:rPr lang="en-US" sz="1800" dirty="0" smtClean="0">
-                <a:latin typeface="Calibri" pitchFamily="34" charset="0"/>
-                <a:cs typeface="Calibri" pitchFamily="34" charset="0"/>
-              </a:rPr>
-              <a:t>for </a:t>
-            </a:r>
-            <a:r>
-              <a:rPr lang="en-US" sz="1800" dirty="0" smtClean="0">
-                <a:latin typeface="Calibri" pitchFamily="34" charset="0"/>
-                <a:cs typeface="Calibri" pitchFamily="34" charset="0"/>
-              </a:rPr>
-              <a:t>utilities:</a:t>
+              <a:t>Standard API for utilities:</a:t>
             </a:r>
           </a:p>
           <a:p>
@@ -26028,14 +26010,7 @@
                 <a:latin typeface="Calibri" pitchFamily="34" charset="0"/>
                 <a:cs typeface="Calibri" pitchFamily="34" charset="0"/>
               </a:rPr>
-              <a:t>Mediates </a:t>
-            </a:r>
-            <a:r>
-              <a:rPr lang="en-US" sz="1800" dirty="0" smtClean="0">
-                <a:latin typeface="Calibri" pitchFamily="34" charset="0"/>
-                <a:cs typeface="Calibri" pitchFamily="34" charset="0"/>
-              </a:rPr>
-              <a:t>to hide hardware and driver details from the application</a:t>
+              <a:t>Mediates to hide hardware and driver details from the application</a:t>
             </a:r>
           </a:p>
           <a:p>
@@ -26075,10 +26050,6 @@
               </a:rPr>
               <a:t>code development Environment:</a:t>
             </a:r>
-            <a:endParaRPr lang="en-US" sz="2400" dirty="0" smtClean="0">
-              <a:latin typeface="Calibri" pitchFamily="34" charset="0"/>
-              <a:cs typeface="Calibri" pitchFamily="34" charset="0"/>
-            </a:endParaRPr>
           </a:p>
           <a:p>
             <a:pPr lvl="1"/>
@@ -26420,13 +26391,8 @@
             <a:pPr lvl="1"/>
             <a:r>
               <a:rPr lang="en-US" sz="2400" dirty="0" smtClean="0"/>
-              <a:t>Performance </a:t>
-            </a:r>
-            <a:r>
-              <a:rPr lang="en-US" sz="2400" dirty="0" smtClean="0"/>
-              <a:t>monitoring</a:t>
-            </a:r>
-            <a:endParaRPr lang="en-US" sz="2400" dirty="0" smtClean="0"/>
+              <a:t>Performance monitoring</a:t>
+            </a:r>
           </a:p>
           <a:p>
             <a:r>
@@ -26612,11 +26578,7 @@
             <a:pPr lvl="1"/>
             <a:r>
               <a:rPr lang="en-US" sz="2000" dirty="0" smtClean="0"/>
-              <a:t>Advanced core </a:t>
-            </a:r>
-            <a:r>
-              <a:rPr lang="en-US" sz="2000" dirty="0" smtClean="0"/>
-              <a:t>performance</a:t>
+              <a:t>Advanced core performance</a:t>
             </a:r>
           </a:p>
           <a:p>
